--- a/DsDotNet/src/UnitTest/UnitTest.Model/ImportOfficeExample/exportDS/testA/lib/dev.pptx
+++ b/DsDotNet/src/UnitTest/UnitTest.Model/ImportOfficeExample/exportDS/testA/lib/dev.pptx
@@ -7,6 +7,7 @@
   <p:sldIdLst>
     <p:sldId id="256" r:id="rId2"/>
     <p:sldId id="257" r:id="rId3"/>
+    <p:sldId id="258" r:id="rId4"/>
   </p:sldIdLst>
   <p:sldSz cx="12192000" cy="6858000"/>
   <p:notesSz cx="6858000" cy="9144000"/>
@@ -260,7 +261,7 @@
           <a:p>
             <a:fld id="{E31A602F-9409-4B9A-9D14-798E704D8577}" type="datetimeFigureOut">
               <a:rPr lang="ko-KR" altLang="en-US" smtClean="0"/>
-              <a:t>2023-11-02</a:t>
+              <a:t>2023-11-16</a:t>
             </a:fld>
             <a:endParaRPr lang="ko-KR" altLang="en-US"/>
           </a:p>
@@ -458,7 +459,7 @@
           <a:p>
             <a:fld id="{E31A602F-9409-4B9A-9D14-798E704D8577}" type="datetimeFigureOut">
               <a:rPr lang="ko-KR" altLang="en-US" smtClean="0"/>
-              <a:t>2023-11-02</a:t>
+              <a:t>2023-11-16</a:t>
             </a:fld>
             <a:endParaRPr lang="ko-KR" altLang="en-US"/>
           </a:p>
@@ -666,7 +667,7 @@
           <a:p>
             <a:fld id="{E31A602F-9409-4B9A-9D14-798E704D8577}" type="datetimeFigureOut">
               <a:rPr lang="ko-KR" altLang="en-US" smtClean="0"/>
-              <a:t>2023-11-02</a:t>
+              <a:t>2023-11-16</a:t>
             </a:fld>
             <a:endParaRPr lang="ko-KR" altLang="en-US"/>
           </a:p>
@@ -864,7 +865,7 @@
           <a:p>
             <a:fld id="{E31A602F-9409-4B9A-9D14-798E704D8577}" type="datetimeFigureOut">
               <a:rPr lang="ko-KR" altLang="en-US" smtClean="0"/>
-              <a:t>2023-11-02</a:t>
+              <a:t>2023-11-16</a:t>
             </a:fld>
             <a:endParaRPr lang="ko-KR" altLang="en-US"/>
           </a:p>
@@ -1139,7 +1140,7 @@
           <a:p>
             <a:fld id="{E31A602F-9409-4B9A-9D14-798E704D8577}" type="datetimeFigureOut">
               <a:rPr lang="ko-KR" altLang="en-US" smtClean="0"/>
-              <a:t>2023-11-02</a:t>
+              <a:t>2023-11-16</a:t>
             </a:fld>
             <a:endParaRPr lang="ko-KR" altLang="en-US"/>
           </a:p>
@@ -1404,7 +1405,7 @@
           <a:p>
             <a:fld id="{E31A602F-9409-4B9A-9D14-798E704D8577}" type="datetimeFigureOut">
               <a:rPr lang="ko-KR" altLang="en-US" smtClean="0"/>
-              <a:t>2023-11-02</a:t>
+              <a:t>2023-11-16</a:t>
             </a:fld>
             <a:endParaRPr lang="ko-KR" altLang="en-US"/>
           </a:p>
@@ -1816,7 +1817,7 @@
           <a:p>
             <a:fld id="{E31A602F-9409-4B9A-9D14-798E704D8577}" type="datetimeFigureOut">
               <a:rPr lang="ko-KR" altLang="en-US" smtClean="0"/>
-              <a:t>2023-11-02</a:t>
+              <a:t>2023-11-16</a:t>
             </a:fld>
             <a:endParaRPr lang="ko-KR" altLang="en-US"/>
           </a:p>
@@ -1957,7 +1958,7 @@
           <a:p>
             <a:fld id="{E31A602F-9409-4B9A-9D14-798E704D8577}" type="datetimeFigureOut">
               <a:rPr lang="ko-KR" altLang="en-US" smtClean="0"/>
-              <a:t>2023-11-02</a:t>
+              <a:t>2023-11-16</a:t>
             </a:fld>
             <a:endParaRPr lang="ko-KR" altLang="en-US"/>
           </a:p>
@@ -2070,7 +2071,7 @@
           <a:p>
             <a:fld id="{E31A602F-9409-4B9A-9D14-798E704D8577}" type="datetimeFigureOut">
               <a:rPr lang="ko-KR" altLang="en-US" smtClean="0"/>
-              <a:t>2023-11-02</a:t>
+              <a:t>2023-11-16</a:t>
             </a:fld>
             <a:endParaRPr lang="ko-KR" altLang="en-US"/>
           </a:p>
@@ -2381,7 +2382,7 @@
           <a:p>
             <a:fld id="{E31A602F-9409-4B9A-9D14-798E704D8577}" type="datetimeFigureOut">
               <a:rPr lang="ko-KR" altLang="en-US" smtClean="0"/>
-              <a:t>2023-11-02</a:t>
+              <a:t>2023-11-16</a:t>
             </a:fld>
             <a:endParaRPr lang="ko-KR" altLang="en-US"/>
           </a:p>
@@ -2669,7 +2670,7 @@
           <a:p>
             <a:fld id="{E31A602F-9409-4B9A-9D14-798E704D8577}" type="datetimeFigureOut">
               <a:rPr lang="ko-KR" altLang="en-US" smtClean="0"/>
-              <a:t>2023-11-02</a:t>
+              <a:t>2023-11-16</a:t>
             </a:fld>
             <a:endParaRPr lang="ko-KR" altLang="en-US"/>
           </a:p>
@@ -2910,7 +2911,7 @@
           <a:p>
             <a:fld id="{E31A602F-9409-4B9A-9D14-798E704D8577}" type="datetimeFigureOut">
               <a:rPr lang="ko-KR" altLang="en-US" smtClean="0"/>
-              <a:t>2023-11-02</a:t>
+              <a:t>2023-11-16</a:t>
             </a:fld>
             <a:endParaRPr lang="ko-KR" altLang="en-US"/>
           </a:p>
@@ -3944,6 +3945,1166 @@
 </p:sld>
 </file>
 
+<file path=ppt/slides/slide3.xml><?xml version="1.0" encoding="utf-8"?>
+<p:sld xmlns:a="http://schemas.openxmlformats.org/drawingml/2006/main" xmlns:r="http://schemas.openxmlformats.org/officeDocument/2006/relationships" xmlns:p="http://schemas.openxmlformats.org/presentationml/2006/main">
+  <p:cSld>
+    <p:bg>
+      <p:bgPr>
+        <a:solidFill>
+          <a:srgbClr val="FFFFFF"/>
+        </a:solidFill>
+        <a:effectLst/>
+      </p:bgPr>
+    </p:bg>
+    <p:spTree>
+      <p:nvGrpSpPr>
+        <p:cNvPr id="1" name=""/>
+        <p:cNvGrpSpPr/>
+        <p:nvPr/>
+      </p:nvGrpSpPr>
+      <p:grpSpPr>
+        <a:xfrm>
+          <a:off x="0" y="0"/>
+          <a:ext cx="0" cy="0"/>
+          <a:chOff x="0" y="0"/>
+          <a:chExt cx="0" cy="0"/>
+        </a:xfrm>
+      </p:grpSpPr>
+      <p:sp>
+        <p:nvSpPr>
+          <p:cNvPr id="2" name="TextBox 1">
+            <a:extLst>
+              <a:ext uri="{FF2B5EF4-FFF2-40B4-BE49-F238E27FC236}">
+                <a16:creationId xmlns:a16="http://schemas.microsoft.com/office/drawing/2014/main" id="{3490FF19-22EC-73E7-CE2D-66E3F3632075}"/>
+              </a:ext>
+            </a:extLst>
+          </p:cNvPr>
+          <p:cNvSpPr txBox="1"/>
+          <p:nvPr/>
+        </p:nvSpPr>
+        <p:spPr>
+          <a:xfrm>
+            <a:off x="254000" y="254000"/>
+            <a:ext cx="1270000" cy="381000"/>
+          </a:xfrm>
+          <a:prstGeom prst="rect">
+            <a:avLst/>
+          </a:prstGeom>
+          <a:noFill/>
+        </p:spPr>
+        <p:txBody>
+          <a:bodyPr vert="horz" rtlCol="0">
+            <a:spAutoFit/>
+          </a:bodyPr>
+          <a:lstStyle/>
+          <a:p>
+            <a:r>
+              <a:rPr lang="en-US" altLang="ko-KR"/>
+              <a:t>IO TABLE</a:t>
+            </a:r>
+            <a:endParaRPr lang="ko-KR" altLang="en-US"/>
+          </a:p>
+        </p:txBody>
+      </p:sp>
+      <p:graphicFrame>
+        <p:nvGraphicFramePr>
+          <p:cNvPr id="3" name="표 2">
+            <a:extLst>
+              <a:ext uri="{FF2B5EF4-FFF2-40B4-BE49-F238E27FC236}">
+                <a16:creationId xmlns:a16="http://schemas.microsoft.com/office/drawing/2014/main" id="{5FBB8E4E-63DD-3C9D-02F7-339982CAEE82}"/>
+              </a:ext>
+            </a:extLst>
+          </p:cNvPr>
+          <p:cNvGraphicFramePr>
+            <a:graphicFrameLocks noGrp="1"/>
+          </p:cNvGraphicFramePr>
+          <p:nvPr>
+            <p:extLst>
+              <p:ext uri="{D42A27DB-BD31-4B8C-83A1-F6EECF244321}">
+                <p14:modId xmlns:p14="http://schemas.microsoft.com/office/powerpoint/2010/main" val="2509649041"/>
+              </p:ext>
+            </p:extLst>
+          </p:nvPr>
+        </p:nvGraphicFramePr>
+        <p:xfrm>
+          <a:off x="254000" y="635000"/>
+          <a:ext cx="11684001" cy="2849880"/>
+        </p:xfrm>
+        <a:graphic>
+          <a:graphicData uri="http://schemas.openxmlformats.org/drawingml/2006/table">
+            <a:tbl>
+              <a:tblPr firstRow="1" bandRow="1">
+                <a:tableStyleId>{5C22544A-7EE6-4342-B048-85BDC9FD1C3A}</a:tableStyleId>
+              </a:tblPr>
+              <a:tblGrid>
+                <a:gridCol w="1669143">
+                  <a:extLst>
+                    <a:ext uri="{9D8B030D-6E8A-4147-A177-3AD203B41FA5}">
+                      <a16:colId xmlns:a16="http://schemas.microsoft.com/office/drawing/2014/main" val="2025163649"/>
+                    </a:ext>
+                  </a:extLst>
+                </a:gridCol>
+                <a:gridCol w="1669143">
+                  <a:extLst>
+                    <a:ext uri="{9D8B030D-6E8A-4147-A177-3AD203B41FA5}">
+                      <a16:colId xmlns:a16="http://schemas.microsoft.com/office/drawing/2014/main" val="440732573"/>
+                    </a:ext>
+                  </a:extLst>
+                </a:gridCol>
+                <a:gridCol w="1669143">
+                  <a:extLst>
+                    <a:ext uri="{9D8B030D-6E8A-4147-A177-3AD203B41FA5}">
+                      <a16:colId xmlns:a16="http://schemas.microsoft.com/office/drawing/2014/main" val="2305173484"/>
+                    </a:ext>
+                  </a:extLst>
+                </a:gridCol>
+                <a:gridCol w="1669143">
+                  <a:extLst>
+                    <a:ext uri="{9D8B030D-6E8A-4147-A177-3AD203B41FA5}">
+                      <a16:colId xmlns:a16="http://schemas.microsoft.com/office/drawing/2014/main" val="2231301037"/>
+                    </a:ext>
+                  </a:extLst>
+                </a:gridCol>
+                <a:gridCol w="1669143">
+                  <a:extLst>
+                    <a:ext uri="{9D8B030D-6E8A-4147-A177-3AD203B41FA5}">
+                      <a16:colId xmlns:a16="http://schemas.microsoft.com/office/drawing/2014/main" val="1717067648"/>
+                    </a:ext>
+                  </a:extLst>
+                </a:gridCol>
+                <a:gridCol w="1669143">
+                  <a:extLst>
+                    <a:ext uri="{9D8B030D-6E8A-4147-A177-3AD203B41FA5}">
+                      <a16:colId xmlns:a16="http://schemas.microsoft.com/office/drawing/2014/main" val="1262205602"/>
+                    </a:ext>
+                  </a:extLst>
+                </a:gridCol>
+                <a:gridCol w="1669143">
+                  <a:extLst>
+                    <a:ext uri="{9D8B030D-6E8A-4147-A177-3AD203B41FA5}">
+                      <a16:colId xmlns:a16="http://schemas.microsoft.com/office/drawing/2014/main" val="1650288472"/>
+                    </a:ext>
+                  </a:extLst>
+                </a:gridCol>
+              </a:tblGrid>
+              <a:tr h="0">
+                <a:tc>
+                  <a:txBody>
+                    <a:bodyPr/>
+                    <a:lstStyle/>
+                    <a:p>
+                      <a:pPr latinLnBrk="1"/>
+                      <a:r>
+                        <a:rPr lang="en-US" altLang="ko-KR" sz="1100"/>
+                        <a:t>Case</a:t>
+                      </a:r>
+                      <a:endParaRPr lang="ko-KR" altLang="en-US" sz="1100"/>
+                    </a:p>
+                  </a:txBody>
+                  <a:tcPr/>
+                </a:tc>
+                <a:tc>
+                  <a:txBody>
+                    <a:bodyPr/>
+                    <a:lstStyle/>
+                    <a:p>
+                      <a:pPr latinLnBrk="1"/>
+                      <a:r>
+                        <a:rPr lang="en-US" altLang="ko-KR" sz="1100"/>
+                        <a:t>Name</a:t>
+                      </a:r>
+                      <a:endParaRPr lang="ko-KR" altLang="en-US" sz="1100"/>
+                    </a:p>
+                  </a:txBody>
+                  <a:tcPr/>
+                </a:tc>
+                <a:tc>
+                  <a:txBody>
+                    <a:bodyPr/>
+                    <a:lstStyle/>
+                    <a:p>
+                      <a:pPr latinLnBrk="1"/>
+                      <a:r>
+                        <a:rPr lang="en-US" altLang="ko-KR" sz="1100"/>
+                        <a:t>DataType</a:t>
+                      </a:r>
+                      <a:endParaRPr lang="ko-KR" altLang="en-US" sz="1100"/>
+                    </a:p>
+                  </a:txBody>
+                  <a:tcPr/>
+                </a:tc>
+                <a:tc>
+                  <a:txBody>
+                    <a:bodyPr/>
+                    <a:lstStyle/>
+                    <a:p>
+                      <a:pPr latinLnBrk="1"/>
+                      <a:r>
+                        <a:rPr lang="en-US" altLang="ko-KR" sz="1100"/>
+                        <a:t>Input</a:t>
+                      </a:r>
+                      <a:endParaRPr lang="ko-KR" altLang="en-US" sz="1100"/>
+                    </a:p>
+                  </a:txBody>
+                  <a:tcPr/>
+                </a:tc>
+                <a:tc>
+                  <a:txBody>
+                    <a:bodyPr/>
+                    <a:lstStyle/>
+                    <a:p>
+                      <a:pPr latinLnBrk="1"/>
+                      <a:r>
+                        <a:rPr lang="en-US" altLang="ko-KR" sz="1100"/>
+                        <a:t>Output</a:t>
+                      </a:r>
+                      <a:endParaRPr lang="ko-KR" altLang="en-US" sz="1100"/>
+                    </a:p>
+                  </a:txBody>
+                  <a:tcPr/>
+                </a:tc>
+                <a:tc>
+                  <a:txBody>
+                    <a:bodyPr/>
+                    <a:lstStyle/>
+                    <a:p>
+                      <a:pPr latinLnBrk="1"/>
+                      <a:r>
+                        <a:rPr lang="en-US" altLang="ko-KR" sz="1100"/>
+                        <a:t>Job</a:t>
+                      </a:r>
+                      <a:endParaRPr lang="ko-KR" altLang="en-US" sz="1100"/>
+                    </a:p>
+                  </a:txBody>
+                  <a:tcPr/>
+                </a:tc>
+                <a:tc>
+                  <a:txBody>
+                    <a:bodyPr/>
+                    <a:lstStyle/>
+                    <a:p>
+                      <a:pPr latinLnBrk="1"/>
+                      <a:r>
+                        <a:rPr lang="en-US" altLang="ko-KR" sz="1100"/>
+                        <a:t>Func</a:t>
+                      </a:r>
+                      <a:endParaRPr lang="ko-KR" altLang="en-US" sz="1100"/>
+                    </a:p>
+                  </a:txBody>
+                  <a:tcPr/>
+                </a:tc>
+                <a:extLst>
+                  <a:ext uri="{0D108BD9-81ED-4DB2-BD59-A6C34878D82A}">
+                    <a16:rowId xmlns:a16="http://schemas.microsoft.com/office/drawing/2014/main" val="3297219546"/>
+                  </a:ext>
+                </a:extLst>
+              </a:tr>
+              <a:tr h="0">
+                <a:tc>
+                  <a:txBody>
+                    <a:bodyPr/>
+                    <a:lstStyle/>
+                    <a:p>
+                      <a:pPr latinLnBrk="1"/>
+                      <a:r>
+                        <a:rPr lang="ko-KR" altLang="en-US" sz="1100"/>
+                        <a:t>외부주소</a:t>
+                      </a:r>
+                    </a:p>
+                  </a:txBody>
+                  <a:tcPr/>
+                </a:tc>
+                <a:tc>
+                  <a:txBody>
+                    <a:bodyPr/>
+                    <a:lstStyle/>
+                    <a:p>
+                      <a:pPr latinLnBrk="1"/>
+                      <a:r>
+                        <a:rPr lang="en-US" altLang="ko-KR" sz="1100"/>
+                        <a:t>F2_CLP."+"</a:t>
+                      </a:r>
+                      <a:endParaRPr lang="ko-KR" altLang="en-US" sz="1100"/>
+                    </a:p>
+                  </a:txBody>
+                  <a:tcPr/>
+                </a:tc>
+                <a:tc>
+                  <a:txBody>
+                    <a:bodyPr/>
+                    <a:lstStyle/>
+                    <a:p>
+                      <a:pPr latinLnBrk="1"/>
+                      <a:r>
+                        <a:rPr lang="en-US" altLang="ko-KR" sz="1100"/>
+                        <a:t>bool</a:t>
+                      </a:r>
+                      <a:endParaRPr lang="ko-KR" altLang="en-US" sz="1100"/>
+                    </a:p>
+                  </a:txBody>
+                  <a:tcPr/>
+                </a:tc>
+                <a:tc>
+                  <a:txBody>
+                    <a:bodyPr/>
+                    <a:lstStyle/>
+                    <a:p>
+                      <a:pPr latinLnBrk="1"/>
+                      <a:r>
+                        <a:rPr lang="en-US" altLang="ko-KR" sz="1100"/>
+                        <a:t>I625.1</a:t>
+                      </a:r>
+                      <a:endParaRPr lang="ko-KR" altLang="en-US" sz="1100"/>
+                    </a:p>
+                  </a:txBody>
+                  <a:tcPr/>
+                </a:tc>
+                <a:tc>
+                  <a:txBody>
+                    <a:bodyPr/>
+                    <a:lstStyle/>
+                    <a:p>
+                      <a:pPr latinLnBrk="1"/>
+                      <a:r>
+                        <a:rPr lang="en-US" altLang="ko-KR" sz="1100"/>
+                        <a:t>O625.1</a:t>
+                      </a:r>
+                      <a:endParaRPr lang="ko-KR" altLang="en-US" sz="1100"/>
+                    </a:p>
+                  </a:txBody>
+                  <a:tcPr/>
+                </a:tc>
+                <a:tc>
+                  <a:txBody>
+                    <a:bodyPr/>
+                    <a:lstStyle/>
+                    <a:p>
+                      <a:pPr latinLnBrk="1"/>
+                      <a:r>
+                        <a:rPr lang="en-US" altLang="ko-KR" sz="1100"/>
+                        <a:t>F2_CLP_+</a:t>
+                      </a:r>
+                      <a:endParaRPr lang="ko-KR" altLang="en-US" sz="1100"/>
+                    </a:p>
+                  </a:txBody>
+                  <a:tcPr/>
+                </a:tc>
+                <a:tc>
+                  <a:txBody>
+                    <a:bodyPr/>
+                    <a:lstStyle/>
+                    <a:p>
+                      <a:pPr latinLnBrk="1"/>
+                      <a:endParaRPr lang="ko-KR" altLang="en-US" sz="1100"/>
+                    </a:p>
+                  </a:txBody>
+                  <a:tcPr/>
+                </a:tc>
+                <a:extLst>
+                  <a:ext uri="{0D108BD9-81ED-4DB2-BD59-A6C34878D82A}">
+                    <a16:rowId xmlns:a16="http://schemas.microsoft.com/office/drawing/2014/main" val="896636018"/>
+                  </a:ext>
+                </a:extLst>
+              </a:tr>
+              <a:tr h="0">
+                <a:tc>
+                  <a:txBody>
+                    <a:bodyPr/>
+                    <a:lstStyle/>
+                    <a:p>
+                      <a:pPr latinLnBrk="1"/>
+                      <a:r>
+                        <a:rPr lang="ko-KR" altLang="en-US" sz="1100"/>
+                        <a:t>외부주소</a:t>
+                      </a:r>
+                    </a:p>
+                  </a:txBody>
+                  <a:tcPr/>
+                </a:tc>
+                <a:tc>
+                  <a:txBody>
+                    <a:bodyPr/>
+                    <a:lstStyle/>
+                    <a:p>
+                      <a:pPr latinLnBrk="1"/>
+                      <a:r>
+                        <a:rPr lang="en-US" altLang="ko-KR" sz="1100"/>
+                        <a:t>F2_CLP."-"</a:t>
+                      </a:r>
+                      <a:endParaRPr lang="ko-KR" altLang="en-US" sz="1100"/>
+                    </a:p>
+                  </a:txBody>
+                  <a:tcPr/>
+                </a:tc>
+                <a:tc>
+                  <a:txBody>
+                    <a:bodyPr/>
+                    <a:lstStyle/>
+                    <a:p>
+                      <a:pPr latinLnBrk="1"/>
+                      <a:r>
+                        <a:rPr lang="en-US" altLang="ko-KR" sz="1100"/>
+                        <a:t>bool</a:t>
+                      </a:r>
+                      <a:endParaRPr lang="ko-KR" altLang="en-US" sz="1100"/>
+                    </a:p>
+                  </a:txBody>
+                  <a:tcPr/>
+                </a:tc>
+                <a:tc>
+                  <a:txBody>
+                    <a:bodyPr/>
+                    <a:lstStyle/>
+                    <a:p>
+                      <a:pPr latinLnBrk="1"/>
+                      <a:r>
+                        <a:rPr lang="en-US" altLang="ko-KR" sz="1100"/>
+                        <a:t>I625.2</a:t>
+                      </a:r>
+                      <a:endParaRPr lang="ko-KR" altLang="en-US" sz="1100"/>
+                    </a:p>
+                  </a:txBody>
+                  <a:tcPr/>
+                </a:tc>
+                <a:tc>
+                  <a:txBody>
+                    <a:bodyPr/>
+                    <a:lstStyle/>
+                    <a:p>
+                      <a:pPr latinLnBrk="1"/>
+                      <a:r>
+                        <a:rPr lang="en-US" altLang="ko-KR" sz="1100"/>
+                        <a:t>O625.2</a:t>
+                      </a:r>
+                      <a:endParaRPr lang="ko-KR" altLang="en-US" sz="1100"/>
+                    </a:p>
+                  </a:txBody>
+                  <a:tcPr/>
+                </a:tc>
+                <a:tc>
+                  <a:txBody>
+                    <a:bodyPr/>
+                    <a:lstStyle/>
+                    <a:p>
+                      <a:pPr latinLnBrk="1"/>
+                      <a:r>
+                        <a:rPr lang="en-US" altLang="ko-KR" sz="1100"/>
+                        <a:t>F2_CLP_-</a:t>
+                      </a:r>
+                      <a:endParaRPr lang="ko-KR" altLang="en-US" sz="1100"/>
+                    </a:p>
+                  </a:txBody>
+                  <a:tcPr/>
+                </a:tc>
+                <a:tc>
+                  <a:txBody>
+                    <a:bodyPr/>
+                    <a:lstStyle/>
+                    <a:p>
+                      <a:pPr latinLnBrk="1"/>
+                      <a:endParaRPr lang="ko-KR" altLang="en-US" sz="1100"/>
+                    </a:p>
+                  </a:txBody>
+                  <a:tcPr/>
+                </a:tc>
+                <a:extLst>
+                  <a:ext uri="{0D108BD9-81ED-4DB2-BD59-A6C34878D82A}">
+                    <a16:rowId xmlns:a16="http://schemas.microsoft.com/office/drawing/2014/main" val="3402969897"/>
+                  </a:ext>
+                </a:extLst>
+              </a:tr>
+              <a:tr h="0">
+                <a:tc>
+                  <a:txBody>
+                    <a:bodyPr/>
+                    <a:lstStyle/>
+                    <a:p>
+                      <a:pPr latinLnBrk="1"/>
+                      <a:endParaRPr lang="ko-KR" altLang="en-US" sz="1100"/>
+                    </a:p>
+                  </a:txBody>
+                  <a:tcPr/>
+                </a:tc>
+                <a:tc>
+                  <a:txBody>
+                    <a:bodyPr/>
+                    <a:lstStyle/>
+                    <a:p>
+                      <a:pPr latinLnBrk="1"/>
+                      <a:endParaRPr lang="ko-KR" altLang="en-US" sz="1100"/>
+                    </a:p>
+                  </a:txBody>
+                  <a:tcPr/>
+                </a:tc>
+                <a:tc>
+                  <a:txBody>
+                    <a:bodyPr/>
+                    <a:lstStyle/>
+                    <a:p>
+                      <a:pPr latinLnBrk="1"/>
+                      <a:endParaRPr lang="ko-KR" altLang="en-US" sz="1100"/>
+                    </a:p>
+                  </a:txBody>
+                  <a:tcPr/>
+                </a:tc>
+                <a:tc>
+                  <a:txBody>
+                    <a:bodyPr/>
+                    <a:lstStyle/>
+                    <a:p>
+                      <a:pPr latinLnBrk="1"/>
+                      <a:endParaRPr lang="ko-KR" altLang="en-US" sz="1100"/>
+                    </a:p>
+                  </a:txBody>
+                  <a:tcPr/>
+                </a:tc>
+                <a:tc>
+                  <a:txBody>
+                    <a:bodyPr/>
+                    <a:lstStyle/>
+                    <a:p>
+                      <a:pPr latinLnBrk="1"/>
+                      <a:endParaRPr lang="ko-KR" altLang="en-US" sz="1100"/>
+                    </a:p>
+                  </a:txBody>
+                  <a:tcPr/>
+                </a:tc>
+                <a:tc>
+                  <a:txBody>
+                    <a:bodyPr/>
+                    <a:lstStyle/>
+                    <a:p>
+                      <a:pPr latinLnBrk="1"/>
+                      <a:endParaRPr lang="ko-KR" altLang="en-US" sz="1100"/>
+                    </a:p>
+                  </a:txBody>
+                  <a:tcPr/>
+                </a:tc>
+                <a:tc>
+                  <a:txBody>
+                    <a:bodyPr/>
+                    <a:lstStyle/>
+                    <a:p>
+                      <a:pPr latinLnBrk="1"/>
+                      <a:endParaRPr lang="ko-KR" altLang="en-US" sz="1100"/>
+                    </a:p>
+                  </a:txBody>
+                  <a:tcPr/>
+                </a:tc>
+                <a:extLst>
+                  <a:ext uri="{0D108BD9-81ED-4DB2-BD59-A6C34878D82A}">
+                    <a16:rowId xmlns:a16="http://schemas.microsoft.com/office/drawing/2014/main" val="1828608740"/>
+                  </a:ext>
+                </a:extLst>
+              </a:tr>
+              <a:tr h="0">
+                <a:tc>
+                  <a:txBody>
+                    <a:bodyPr/>
+                    <a:lstStyle/>
+                    <a:p>
+                      <a:pPr latinLnBrk="1"/>
+                      <a:endParaRPr lang="ko-KR" altLang="en-US" sz="1100"/>
+                    </a:p>
+                  </a:txBody>
+                  <a:tcPr/>
+                </a:tc>
+                <a:tc>
+                  <a:txBody>
+                    <a:bodyPr/>
+                    <a:lstStyle/>
+                    <a:p>
+                      <a:pPr latinLnBrk="1"/>
+                      <a:endParaRPr lang="ko-KR" altLang="en-US" sz="1100"/>
+                    </a:p>
+                  </a:txBody>
+                  <a:tcPr/>
+                </a:tc>
+                <a:tc>
+                  <a:txBody>
+                    <a:bodyPr/>
+                    <a:lstStyle/>
+                    <a:p>
+                      <a:pPr latinLnBrk="1"/>
+                      <a:endParaRPr lang="ko-KR" altLang="en-US" sz="1100"/>
+                    </a:p>
+                  </a:txBody>
+                  <a:tcPr/>
+                </a:tc>
+                <a:tc>
+                  <a:txBody>
+                    <a:bodyPr/>
+                    <a:lstStyle/>
+                    <a:p>
+                      <a:pPr latinLnBrk="1"/>
+                      <a:endParaRPr lang="ko-KR" altLang="en-US" sz="1100"/>
+                    </a:p>
+                  </a:txBody>
+                  <a:tcPr/>
+                </a:tc>
+                <a:tc>
+                  <a:txBody>
+                    <a:bodyPr/>
+                    <a:lstStyle/>
+                    <a:p>
+                      <a:pPr latinLnBrk="1"/>
+                      <a:endParaRPr lang="ko-KR" altLang="en-US" sz="1100"/>
+                    </a:p>
+                  </a:txBody>
+                  <a:tcPr/>
+                </a:tc>
+                <a:tc>
+                  <a:txBody>
+                    <a:bodyPr/>
+                    <a:lstStyle/>
+                    <a:p>
+                      <a:pPr latinLnBrk="1"/>
+                      <a:endParaRPr lang="ko-KR" altLang="en-US" sz="1100"/>
+                    </a:p>
+                  </a:txBody>
+                  <a:tcPr/>
+                </a:tc>
+                <a:tc>
+                  <a:txBody>
+                    <a:bodyPr/>
+                    <a:lstStyle/>
+                    <a:p>
+                      <a:pPr latinLnBrk="1"/>
+                      <a:endParaRPr lang="ko-KR" altLang="en-US" sz="1100"/>
+                    </a:p>
+                  </a:txBody>
+                  <a:tcPr/>
+                </a:tc>
+                <a:extLst>
+                  <a:ext uri="{0D108BD9-81ED-4DB2-BD59-A6C34878D82A}">
+                    <a16:rowId xmlns:a16="http://schemas.microsoft.com/office/drawing/2014/main" val="3226936657"/>
+                  </a:ext>
+                </a:extLst>
+              </a:tr>
+              <a:tr h="0">
+                <a:tc>
+                  <a:txBody>
+                    <a:bodyPr/>
+                    <a:lstStyle/>
+                    <a:p>
+                      <a:pPr latinLnBrk="1"/>
+                      <a:endParaRPr lang="ko-KR" altLang="en-US" sz="1100"/>
+                    </a:p>
+                  </a:txBody>
+                  <a:tcPr/>
+                </a:tc>
+                <a:tc>
+                  <a:txBody>
+                    <a:bodyPr/>
+                    <a:lstStyle/>
+                    <a:p>
+                      <a:pPr latinLnBrk="1"/>
+                      <a:endParaRPr lang="ko-KR" altLang="en-US" sz="1100"/>
+                    </a:p>
+                  </a:txBody>
+                  <a:tcPr/>
+                </a:tc>
+                <a:tc>
+                  <a:txBody>
+                    <a:bodyPr/>
+                    <a:lstStyle/>
+                    <a:p>
+                      <a:pPr latinLnBrk="1"/>
+                      <a:endParaRPr lang="ko-KR" altLang="en-US" sz="1100"/>
+                    </a:p>
+                  </a:txBody>
+                  <a:tcPr/>
+                </a:tc>
+                <a:tc>
+                  <a:txBody>
+                    <a:bodyPr/>
+                    <a:lstStyle/>
+                    <a:p>
+                      <a:pPr latinLnBrk="1"/>
+                      <a:endParaRPr lang="ko-KR" altLang="en-US" sz="1100"/>
+                    </a:p>
+                  </a:txBody>
+                  <a:tcPr/>
+                </a:tc>
+                <a:tc>
+                  <a:txBody>
+                    <a:bodyPr/>
+                    <a:lstStyle/>
+                    <a:p>
+                      <a:pPr latinLnBrk="1"/>
+                      <a:endParaRPr lang="ko-KR" altLang="en-US" sz="1100"/>
+                    </a:p>
+                  </a:txBody>
+                  <a:tcPr/>
+                </a:tc>
+                <a:tc>
+                  <a:txBody>
+                    <a:bodyPr/>
+                    <a:lstStyle/>
+                    <a:p>
+                      <a:pPr latinLnBrk="1"/>
+                      <a:endParaRPr lang="ko-KR" altLang="en-US" sz="1100"/>
+                    </a:p>
+                  </a:txBody>
+                  <a:tcPr/>
+                </a:tc>
+                <a:tc>
+                  <a:txBody>
+                    <a:bodyPr/>
+                    <a:lstStyle/>
+                    <a:p>
+                      <a:pPr latinLnBrk="1"/>
+                      <a:endParaRPr lang="ko-KR" altLang="en-US" sz="1100"/>
+                    </a:p>
+                  </a:txBody>
+                  <a:tcPr/>
+                </a:tc>
+                <a:extLst>
+                  <a:ext uri="{0D108BD9-81ED-4DB2-BD59-A6C34878D82A}">
+                    <a16:rowId xmlns:a16="http://schemas.microsoft.com/office/drawing/2014/main" val="4208275442"/>
+                  </a:ext>
+                </a:extLst>
+              </a:tr>
+              <a:tr h="0">
+                <a:tc>
+                  <a:txBody>
+                    <a:bodyPr/>
+                    <a:lstStyle/>
+                    <a:p>
+                      <a:pPr latinLnBrk="1"/>
+                      <a:endParaRPr lang="ko-KR" altLang="en-US" sz="1100"/>
+                    </a:p>
+                  </a:txBody>
+                  <a:tcPr/>
+                </a:tc>
+                <a:tc>
+                  <a:txBody>
+                    <a:bodyPr/>
+                    <a:lstStyle/>
+                    <a:p>
+                      <a:pPr latinLnBrk="1"/>
+                      <a:endParaRPr lang="ko-KR" altLang="en-US" sz="1100"/>
+                    </a:p>
+                  </a:txBody>
+                  <a:tcPr/>
+                </a:tc>
+                <a:tc>
+                  <a:txBody>
+                    <a:bodyPr/>
+                    <a:lstStyle/>
+                    <a:p>
+                      <a:pPr latinLnBrk="1"/>
+                      <a:endParaRPr lang="ko-KR" altLang="en-US" sz="1100"/>
+                    </a:p>
+                  </a:txBody>
+                  <a:tcPr/>
+                </a:tc>
+                <a:tc>
+                  <a:txBody>
+                    <a:bodyPr/>
+                    <a:lstStyle/>
+                    <a:p>
+                      <a:pPr latinLnBrk="1"/>
+                      <a:endParaRPr lang="ko-KR" altLang="en-US" sz="1100"/>
+                    </a:p>
+                  </a:txBody>
+                  <a:tcPr/>
+                </a:tc>
+                <a:tc>
+                  <a:txBody>
+                    <a:bodyPr/>
+                    <a:lstStyle/>
+                    <a:p>
+                      <a:pPr latinLnBrk="1"/>
+                      <a:endParaRPr lang="ko-KR" altLang="en-US" sz="1100"/>
+                    </a:p>
+                  </a:txBody>
+                  <a:tcPr/>
+                </a:tc>
+                <a:tc>
+                  <a:txBody>
+                    <a:bodyPr/>
+                    <a:lstStyle/>
+                    <a:p>
+                      <a:pPr latinLnBrk="1"/>
+                      <a:endParaRPr lang="ko-KR" altLang="en-US" sz="1100"/>
+                    </a:p>
+                  </a:txBody>
+                  <a:tcPr/>
+                </a:tc>
+                <a:tc>
+                  <a:txBody>
+                    <a:bodyPr/>
+                    <a:lstStyle/>
+                    <a:p>
+                      <a:pPr latinLnBrk="1"/>
+                      <a:endParaRPr lang="ko-KR" altLang="en-US" sz="1100"/>
+                    </a:p>
+                  </a:txBody>
+                  <a:tcPr/>
+                </a:tc>
+                <a:extLst>
+                  <a:ext uri="{0D108BD9-81ED-4DB2-BD59-A6C34878D82A}">
+                    <a16:rowId xmlns:a16="http://schemas.microsoft.com/office/drawing/2014/main" val="1391419234"/>
+                  </a:ext>
+                </a:extLst>
+              </a:tr>
+              <a:tr h="0">
+                <a:tc>
+                  <a:txBody>
+                    <a:bodyPr/>
+                    <a:lstStyle/>
+                    <a:p>
+                      <a:pPr latinLnBrk="1"/>
+                      <a:endParaRPr lang="ko-KR" altLang="en-US" sz="1100"/>
+                    </a:p>
+                  </a:txBody>
+                  <a:tcPr/>
+                </a:tc>
+                <a:tc>
+                  <a:txBody>
+                    <a:bodyPr/>
+                    <a:lstStyle/>
+                    <a:p>
+                      <a:pPr latinLnBrk="1"/>
+                      <a:endParaRPr lang="ko-KR" altLang="en-US" sz="1100"/>
+                    </a:p>
+                  </a:txBody>
+                  <a:tcPr/>
+                </a:tc>
+                <a:tc>
+                  <a:txBody>
+                    <a:bodyPr/>
+                    <a:lstStyle/>
+                    <a:p>
+                      <a:pPr latinLnBrk="1"/>
+                      <a:endParaRPr lang="ko-KR" altLang="en-US" sz="1100"/>
+                    </a:p>
+                  </a:txBody>
+                  <a:tcPr/>
+                </a:tc>
+                <a:tc>
+                  <a:txBody>
+                    <a:bodyPr/>
+                    <a:lstStyle/>
+                    <a:p>
+                      <a:pPr latinLnBrk="1"/>
+                      <a:endParaRPr lang="ko-KR" altLang="en-US" sz="1100"/>
+                    </a:p>
+                  </a:txBody>
+                  <a:tcPr/>
+                </a:tc>
+                <a:tc>
+                  <a:txBody>
+                    <a:bodyPr/>
+                    <a:lstStyle/>
+                    <a:p>
+                      <a:pPr latinLnBrk="1"/>
+                      <a:endParaRPr lang="ko-KR" altLang="en-US" sz="1100"/>
+                    </a:p>
+                  </a:txBody>
+                  <a:tcPr/>
+                </a:tc>
+                <a:tc>
+                  <a:txBody>
+                    <a:bodyPr/>
+                    <a:lstStyle/>
+                    <a:p>
+                      <a:pPr latinLnBrk="1"/>
+                      <a:endParaRPr lang="ko-KR" altLang="en-US" sz="1100"/>
+                    </a:p>
+                  </a:txBody>
+                  <a:tcPr/>
+                </a:tc>
+                <a:tc>
+                  <a:txBody>
+                    <a:bodyPr/>
+                    <a:lstStyle/>
+                    <a:p>
+                      <a:pPr latinLnBrk="1"/>
+                      <a:endParaRPr lang="ko-KR" altLang="en-US" sz="1100"/>
+                    </a:p>
+                  </a:txBody>
+                  <a:tcPr/>
+                </a:tc>
+                <a:extLst>
+                  <a:ext uri="{0D108BD9-81ED-4DB2-BD59-A6C34878D82A}">
+                    <a16:rowId xmlns:a16="http://schemas.microsoft.com/office/drawing/2014/main" val="914022849"/>
+                  </a:ext>
+                </a:extLst>
+              </a:tr>
+              <a:tr h="0">
+                <a:tc>
+                  <a:txBody>
+                    <a:bodyPr/>
+                    <a:lstStyle/>
+                    <a:p>
+                      <a:pPr latinLnBrk="1"/>
+                      <a:endParaRPr lang="ko-KR" altLang="en-US" sz="1100"/>
+                    </a:p>
+                  </a:txBody>
+                  <a:tcPr/>
+                </a:tc>
+                <a:tc>
+                  <a:txBody>
+                    <a:bodyPr/>
+                    <a:lstStyle/>
+                    <a:p>
+                      <a:pPr latinLnBrk="1"/>
+                      <a:endParaRPr lang="ko-KR" altLang="en-US" sz="1100"/>
+                    </a:p>
+                  </a:txBody>
+                  <a:tcPr/>
+                </a:tc>
+                <a:tc>
+                  <a:txBody>
+                    <a:bodyPr/>
+                    <a:lstStyle/>
+                    <a:p>
+                      <a:pPr latinLnBrk="1"/>
+                      <a:endParaRPr lang="ko-KR" altLang="en-US" sz="1100"/>
+                    </a:p>
+                  </a:txBody>
+                  <a:tcPr/>
+                </a:tc>
+                <a:tc>
+                  <a:txBody>
+                    <a:bodyPr/>
+                    <a:lstStyle/>
+                    <a:p>
+                      <a:pPr latinLnBrk="1"/>
+                      <a:endParaRPr lang="ko-KR" altLang="en-US" sz="1100"/>
+                    </a:p>
+                  </a:txBody>
+                  <a:tcPr/>
+                </a:tc>
+                <a:tc>
+                  <a:txBody>
+                    <a:bodyPr/>
+                    <a:lstStyle/>
+                    <a:p>
+                      <a:pPr latinLnBrk="1"/>
+                      <a:endParaRPr lang="ko-KR" altLang="en-US" sz="1100"/>
+                    </a:p>
+                  </a:txBody>
+                  <a:tcPr/>
+                </a:tc>
+                <a:tc>
+                  <a:txBody>
+                    <a:bodyPr/>
+                    <a:lstStyle/>
+                    <a:p>
+                      <a:pPr latinLnBrk="1"/>
+                      <a:endParaRPr lang="ko-KR" altLang="en-US" sz="1100"/>
+                    </a:p>
+                  </a:txBody>
+                  <a:tcPr/>
+                </a:tc>
+                <a:tc>
+                  <a:txBody>
+                    <a:bodyPr/>
+                    <a:lstStyle/>
+                    <a:p>
+                      <a:pPr latinLnBrk="1"/>
+                      <a:endParaRPr lang="ko-KR" altLang="en-US" sz="1100"/>
+                    </a:p>
+                  </a:txBody>
+                  <a:tcPr/>
+                </a:tc>
+                <a:extLst>
+                  <a:ext uri="{0D108BD9-81ED-4DB2-BD59-A6C34878D82A}">
+                    <a16:rowId xmlns:a16="http://schemas.microsoft.com/office/drawing/2014/main" val="3745672130"/>
+                  </a:ext>
+                </a:extLst>
+              </a:tr>
+              <a:tr h="0">
+                <a:tc>
+                  <a:txBody>
+                    <a:bodyPr/>
+                    <a:lstStyle/>
+                    <a:p>
+                      <a:pPr latinLnBrk="1"/>
+                      <a:r>
+                        <a:rPr lang="ko-KR" altLang="en-US" sz="1100"/>
+                        <a:t>내부변수</a:t>
+                      </a:r>
+                    </a:p>
+                  </a:txBody>
+                  <a:tcPr/>
+                </a:tc>
+                <a:tc>
+                  <a:txBody>
+                    <a:bodyPr/>
+                    <a:lstStyle/>
+                    <a:p>
+                      <a:pPr latinLnBrk="1"/>
+                      <a:endParaRPr lang="ko-KR" altLang="en-US" sz="1100"/>
+                    </a:p>
+                  </a:txBody>
+                  <a:tcPr/>
+                </a:tc>
+                <a:tc>
+                  <a:txBody>
+                    <a:bodyPr/>
+                    <a:lstStyle/>
+                    <a:p>
+                      <a:pPr latinLnBrk="1"/>
+                      <a:endParaRPr lang="ko-KR" altLang="en-US" sz="1100"/>
+                    </a:p>
+                  </a:txBody>
+                  <a:tcPr/>
+                </a:tc>
+                <a:tc>
+                  <a:txBody>
+                    <a:bodyPr/>
+                    <a:lstStyle/>
+                    <a:p>
+                      <a:pPr latinLnBrk="1"/>
+                      <a:endParaRPr lang="ko-KR" altLang="en-US" sz="1100"/>
+                    </a:p>
+                  </a:txBody>
+                  <a:tcPr/>
+                </a:tc>
+                <a:tc>
+                  <a:txBody>
+                    <a:bodyPr/>
+                    <a:lstStyle/>
+                    <a:p>
+                      <a:pPr latinLnBrk="1"/>
+                      <a:endParaRPr lang="ko-KR" altLang="en-US" sz="1100"/>
+                    </a:p>
+                  </a:txBody>
+                  <a:tcPr/>
+                </a:tc>
+                <a:tc>
+                  <a:txBody>
+                    <a:bodyPr/>
+                    <a:lstStyle/>
+                    <a:p>
+                      <a:pPr latinLnBrk="1"/>
+                      <a:endParaRPr lang="ko-KR" altLang="en-US" sz="1100"/>
+                    </a:p>
+                  </a:txBody>
+                  <a:tcPr/>
+                </a:tc>
+                <a:tc>
+                  <a:txBody>
+                    <a:bodyPr/>
+                    <a:lstStyle/>
+                    <a:p>
+                      <a:pPr latinLnBrk="1"/>
+                      <a:endParaRPr lang="ko-KR" altLang="en-US" sz="1100"/>
+                    </a:p>
+                  </a:txBody>
+                  <a:tcPr/>
+                </a:tc>
+                <a:extLst>
+                  <a:ext uri="{0D108BD9-81ED-4DB2-BD59-A6C34878D82A}">
+                    <a16:rowId xmlns:a16="http://schemas.microsoft.com/office/drawing/2014/main" val="3521675737"/>
+                  </a:ext>
+                </a:extLst>
+              </a:tr>
+              <a:tr h="0">
+                <a:tc>
+                  <a:txBody>
+                    <a:bodyPr/>
+                    <a:lstStyle/>
+                    <a:p>
+                      <a:pPr latinLnBrk="1"/>
+                      <a:endParaRPr lang="ko-KR" altLang="en-US" sz="1100"/>
+                    </a:p>
+                  </a:txBody>
+                  <a:tcPr/>
+                </a:tc>
+                <a:tc>
+                  <a:txBody>
+                    <a:bodyPr/>
+                    <a:lstStyle/>
+                    <a:p>
+                      <a:pPr latinLnBrk="1"/>
+                      <a:endParaRPr lang="ko-KR" altLang="en-US" sz="1100"/>
+                    </a:p>
+                  </a:txBody>
+                  <a:tcPr/>
+                </a:tc>
+                <a:tc>
+                  <a:txBody>
+                    <a:bodyPr/>
+                    <a:lstStyle/>
+                    <a:p>
+                      <a:pPr latinLnBrk="1"/>
+                      <a:endParaRPr lang="ko-KR" altLang="en-US" sz="1100"/>
+                    </a:p>
+                  </a:txBody>
+                  <a:tcPr/>
+                </a:tc>
+                <a:tc>
+                  <a:txBody>
+                    <a:bodyPr/>
+                    <a:lstStyle/>
+                    <a:p>
+                      <a:pPr latinLnBrk="1"/>
+                      <a:endParaRPr lang="ko-KR" altLang="en-US" sz="1100"/>
+                    </a:p>
+                  </a:txBody>
+                  <a:tcPr/>
+                </a:tc>
+                <a:tc>
+                  <a:txBody>
+                    <a:bodyPr/>
+                    <a:lstStyle/>
+                    <a:p>
+                      <a:pPr latinLnBrk="1"/>
+                      <a:endParaRPr lang="ko-KR" altLang="en-US" sz="1100"/>
+                    </a:p>
+                  </a:txBody>
+                  <a:tcPr/>
+                </a:tc>
+                <a:tc>
+                  <a:txBody>
+                    <a:bodyPr/>
+                    <a:lstStyle/>
+                    <a:p>
+                      <a:pPr latinLnBrk="1"/>
+                      <a:endParaRPr lang="ko-KR" altLang="en-US" sz="1100"/>
+                    </a:p>
+                  </a:txBody>
+                  <a:tcPr/>
+                </a:tc>
+                <a:tc>
+                  <a:txBody>
+                    <a:bodyPr/>
+                    <a:lstStyle/>
+                    <a:p>
+                      <a:pPr latinLnBrk="1"/>
+                      <a:endParaRPr lang="ko-KR" altLang="en-US" sz="1100"/>
+                    </a:p>
+                  </a:txBody>
+                  <a:tcPr/>
+                </a:tc>
+                <a:extLst>
+                  <a:ext uri="{0D108BD9-81ED-4DB2-BD59-A6C34878D82A}">
+                    <a16:rowId xmlns:a16="http://schemas.microsoft.com/office/drawing/2014/main" val="2111691525"/>
+                  </a:ext>
+                </a:extLst>
+              </a:tr>
+            </a:tbl>
+          </a:graphicData>
+        </a:graphic>
+      </p:graphicFrame>
+    </p:spTree>
+    <p:extLst>
+      <p:ext uri="{BB962C8B-B14F-4D97-AF65-F5344CB8AC3E}">
+        <p14:creationId xmlns:p14="http://schemas.microsoft.com/office/powerpoint/2010/main" val="2524696588"/>
+      </p:ext>
+    </p:extLst>
+  </p:cSld>
+  <p:clrMapOvr>
+    <a:masterClrMapping/>
+  </p:clrMapOvr>
+</p:sld>
+</file>
+
 <file path=ppt/theme/theme1.xml><?xml version="1.0" encoding="utf-8"?>
 <a:theme xmlns:a="http://schemas.openxmlformats.org/drawingml/2006/main" name="Office 테마">
   <a:themeElements>

--- a/DsDotNet/src/UnitTest/UnitTest.Model/ImportOfficeExample/exportDS/testA/lib/dev.pptx
+++ b/DsDotNet/src/UnitTest/UnitTest.Model/ImportOfficeExample/exportDS/testA/lib/dev.pptx
@@ -7,6 +7,7 @@
   <p:sldIdLst>
     <p:sldId id="256" r:id="rId2"/>
     <p:sldId id="257" r:id="rId3"/>
+    <p:sldId id="258" r:id="rId4"/>
   </p:sldIdLst>
   <p:sldSz cx="12192000" cy="6858000"/>
   <p:notesSz cx="6858000" cy="9144000"/>
@@ -260,7 +261,7 @@
           <a:p>
             <a:fld id="{E31A602F-9409-4B9A-9D14-798E704D8577}" type="datetimeFigureOut">
               <a:rPr lang="ko-KR" altLang="en-US" smtClean="0"/>
-              <a:t>2023-11-02</a:t>
+              <a:t>2023-11-16</a:t>
             </a:fld>
             <a:endParaRPr lang="ko-KR" altLang="en-US"/>
           </a:p>
@@ -458,7 +459,7 @@
           <a:p>
             <a:fld id="{E31A602F-9409-4B9A-9D14-798E704D8577}" type="datetimeFigureOut">
               <a:rPr lang="ko-KR" altLang="en-US" smtClean="0"/>
-              <a:t>2023-11-02</a:t>
+              <a:t>2023-11-16</a:t>
             </a:fld>
             <a:endParaRPr lang="ko-KR" altLang="en-US"/>
           </a:p>
@@ -666,7 +667,7 @@
           <a:p>
             <a:fld id="{E31A602F-9409-4B9A-9D14-798E704D8577}" type="datetimeFigureOut">
               <a:rPr lang="ko-KR" altLang="en-US" smtClean="0"/>
-              <a:t>2023-11-02</a:t>
+              <a:t>2023-11-16</a:t>
             </a:fld>
             <a:endParaRPr lang="ko-KR" altLang="en-US"/>
           </a:p>
@@ -864,7 +865,7 @@
           <a:p>
             <a:fld id="{E31A602F-9409-4B9A-9D14-798E704D8577}" type="datetimeFigureOut">
               <a:rPr lang="ko-KR" altLang="en-US" smtClean="0"/>
-              <a:t>2023-11-02</a:t>
+              <a:t>2023-11-16</a:t>
             </a:fld>
             <a:endParaRPr lang="ko-KR" altLang="en-US"/>
           </a:p>
@@ -1139,7 +1140,7 @@
           <a:p>
             <a:fld id="{E31A602F-9409-4B9A-9D14-798E704D8577}" type="datetimeFigureOut">
               <a:rPr lang="ko-KR" altLang="en-US" smtClean="0"/>
-              <a:t>2023-11-02</a:t>
+              <a:t>2023-11-16</a:t>
             </a:fld>
             <a:endParaRPr lang="ko-KR" altLang="en-US"/>
           </a:p>
@@ -1404,7 +1405,7 @@
           <a:p>
             <a:fld id="{E31A602F-9409-4B9A-9D14-798E704D8577}" type="datetimeFigureOut">
               <a:rPr lang="ko-KR" altLang="en-US" smtClean="0"/>
-              <a:t>2023-11-02</a:t>
+              <a:t>2023-11-16</a:t>
             </a:fld>
             <a:endParaRPr lang="ko-KR" altLang="en-US"/>
           </a:p>
@@ -1816,7 +1817,7 @@
           <a:p>
             <a:fld id="{E31A602F-9409-4B9A-9D14-798E704D8577}" type="datetimeFigureOut">
               <a:rPr lang="ko-KR" altLang="en-US" smtClean="0"/>
-              <a:t>2023-11-02</a:t>
+              <a:t>2023-11-16</a:t>
             </a:fld>
             <a:endParaRPr lang="ko-KR" altLang="en-US"/>
           </a:p>
@@ -1957,7 +1958,7 @@
           <a:p>
             <a:fld id="{E31A602F-9409-4B9A-9D14-798E704D8577}" type="datetimeFigureOut">
               <a:rPr lang="ko-KR" altLang="en-US" smtClean="0"/>
-              <a:t>2023-11-02</a:t>
+              <a:t>2023-11-16</a:t>
             </a:fld>
             <a:endParaRPr lang="ko-KR" altLang="en-US"/>
           </a:p>
@@ -2070,7 +2071,7 @@
           <a:p>
             <a:fld id="{E31A602F-9409-4B9A-9D14-798E704D8577}" type="datetimeFigureOut">
               <a:rPr lang="ko-KR" altLang="en-US" smtClean="0"/>
-              <a:t>2023-11-02</a:t>
+              <a:t>2023-11-16</a:t>
             </a:fld>
             <a:endParaRPr lang="ko-KR" altLang="en-US"/>
           </a:p>
@@ -2381,7 +2382,7 @@
           <a:p>
             <a:fld id="{E31A602F-9409-4B9A-9D14-798E704D8577}" type="datetimeFigureOut">
               <a:rPr lang="ko-KR" altLang="en-US" smtClean="0"/>
-              <a:t>2023-11-02</a:t>
+              <a:t>2023-11-16</a:t>
             </a:fld>
             <a:endParaRPr lang="ko-KR" altLang="en-US"/>
           </a:p>
@@ -2669,7 +2670,7 @@
           <a:p>
             <a:fld id="{E31A602F-9409-4B9A-9D14-798E704D8577}" type="datetimeFigureOut">
               <a:rPr lang="ko-KR" altLang="en-US" smtClean="0"/>
-              <a:t>2023-11-02</a:t>
+              <a:t>2023-11-16</a:t>
             </a:fld>
             <a:endParaRPr lang="ko-KR" altLang="en-US"/>
           </a:p>
@@ -2910,7 +2911,7 @@
           <a:p>
             <a:fld id="{E31A602F-9409-4B9A-9D14-798E704D8577}" type="datetimeFigureOut">
               <a:rPr lang="ko-KR" altLang="en-US" smtClean="0"/>
-              <a:t>2023-11-02</a:t>
+              <a:t>2023-11-16</a:t>
             </a:fld>
             <a:endParaRPr lang="ko-KR" altLang="en-US"/>
           </a:p>
@@ -3944,6 +3945,1166 @@
 </p:sld>
 </file>
 
+<file path=ppt/slides/slide3.xml><?xml version="1.0" encoding="utf-8"?>
+<p:sld xmlns:a="http://schemas.openxmlformats.org/drawingml/2006/main" xmlns:r="http://schemas.openxmlformats.org/officeDocument/2006/relationships" xmlns:p="http://schemas.openxmlformats.org/presentationml/2006/main">
+  <p:cSld>
+    <p:bg>
+      <p:bgPr>
+        <a:solidFill>
+          <a:srgbClr val="FFFFFF"/>
+        </a:solidFill>
+        <a:effectLst/>
+      </p:bgPr>
+    </p:bg>
+    <p:spTree>
+      <p:nvGrpSpPr>
+        <p:cNvPr id="1" name=""/>
+        <p:cNvGrpSpPr/>
+        <p:nvPr/>
+      </p:nvGrpSpPr>
+      <p:grpSpPr>
+        <a:xfrm>
+          <a:off x="0" y="0"/>
+          <a:ext cx="0" cy="0"/>
+          <a:chOff x="0" y="0"/>
+          <a:chExt cx="0" cy="0"/>
+        </a:xfrm>
+      </p:grpSpPr>
+      <p:sp>
+        <p:nvSpPr>
+          <p:cNvPr id="2" name="TextBox 1">
+            <a:extLst>
+              <a:ext uri="{FF2B5EF4-FFF2-40B4-BE49-F238E27FC236}">
+                <a16:creationId xmlns:a16="http://schemas.microsoft.com/office/drawing/2014/main" id="{E53DB8F4-321C-67CD-CFBC-2129F6BAE50C}"/>
+              </a:ext>
+            </a:extLst>
+          </p:cNvPr>
+          <p:cNvSpPr txBox="1"/>
+          <p:nvPr/>
+        </p:nvSpPr>
+        <p:spPr>
+          <a:xfrm>
+            <a:off x="254000" y="254000"/>
+            <a:ext cx="1270000" cy="381000"/>
+          </a:xfrm>
+          <a:prstGeom prst="rect">
+            <a:avLst/>
+          </a:prstGeom>
+          <a:noFill/>
+        </p:spPr>
+        <p:txBody>
+          <a:bodyPr vert="horz" rtlCol="0">
+            <a:spAutoFit/>
+          </a:bodyPr>
+          <a:lstStyle/>
+          <a:p>
+            <a:r>
+              <a:rPr lang="en-US" altLang="ko-KR"/>
+              <a:t>IO TABLE</a:t>
+            </a:r>
+            <a:endParaRPr lang="ko-KR" altLang="en-US"/>
+          </a:p>
+        </p:txBody>
+      </p:sp>
+      <p:graphicFrame>
+        <p:nvGraphicFramePr>
+          <p:cNvPr id="3" name="표 2">
+            <a:extLst>
+              <a:ext uri="{FF2B5EF4-FFF2-40B4-BE49-F238E27FC236}">
+                <a16:creationId xmlns:a16="http://schemas.microsoft.com/office/drawing/2014/main" id="{69FF3AA1-4AEA-AC0D-0191-9F224EDD4D8F}"/>
+              </a:ext>
+            </a:extLst>
+          </p:cNvPr>
+          <p:cNvGraphicFramePr>
+            <a:graphicFrameLocks noGrp="1"/>
+          </p:cNvGraphicFramePr>
+          <p:nvPr>
+            <p:extLst>
+              <p:ext uri="{D42A27DB-BD31-4B8C-83A1-F6EECF244321}">
+                <p14:modId xmlns:p14="http://schemas.microsoft.com/office/powerpoint/2010/main" val="3713870498"/>
+              </p:ext>
+            </p:extLst>
+          </p:nvPr>
+        </p:nvGraphicFramePr>
+        <p:xfrm>
+          <a:off x="254000" y="635000"/>
+          <a:ext cx="11684001" cy="3916680"/>
+        </p:xfrm>
+        <a:graphic>
+          <a:graphicData uri="http://schemas.openxmlformats.org/drawingml/2006/table">
+            <a:tbl>
+              <a:tblPr firstRow="1" bandRow="1">
+                <a:tableStyleId>{5C22544A-7EE6-4342-B048-85BDC9FD1C3A}</a:tableStyleId>
+              </a:tblPr>
+              <a:tblGrid>
+                <a:gridCol w="1669143">
+                  <a:extLst>
+                    <a:ext uri="{9D8B030D-6E8A-4147-A177-3AD203B41FA5}">
+                      <a16:colId xmlns:a16="http://schemas.microsoft.com/office/drawing/2014/main" val="1560428702"/>
+                    </a:ext>
+                  </a:extLst>
+                </a:gridCol>
+                <a:gridCol w="1669143">
+                  <a:extLst>
+                    <a:ext uri="{9D8B030D-6E8A-4147-A177-3AD203B41FA5}">
+                      <a16:colId xmlns:a16="http://schemas.microsoft.com/office/drawing/2014/main" val="2322258838"/>
+                    </a:ext>
+                  </a:extLst>
+                </a:gridCol>
+                <a:gridCol w="1669143">
+                  <a:extLst>
+                    <a:ext uri="{9D8B030D-6E8A-4147-A177-3AD203B41FA5}">
+                      <a16:colId xmlns:a16="http://schemas.microsoft.com/office/drawing/2014/main" val="2209410442"/>
+                    </a:ext>
+                  </a:extLst>
+                </a:gridCol>
+                <a:gridCol w="1669143">
+                  <a:extLst>
+                    <a:ext uri="{9D8B030D-6E8A-4147-A177-3AD203B41FA5}">
+                      <a16:colId xmlns:a16="http://schemas.microsoft.com/office/drawing/2014/main" val="741026842"/>
+                    </a:ext>
+                  </a:extLst>
+                </a:gridCol>
+                <a:gridCol w="1669143">
+                  <a:extLst>
+                    <a:ext uri="{9D8B030D-6E8A-4147-A177-3AD203B41FA5}">
+                      <a16:colId xmlns:a16="http://schemas.microsoft.com/office/drawing/2014/main" val="4068080558"/>
+                    </a:ext>
+                  </a:extLst>
+                </a:gridCol>
+                <a:gridCol w="1669143">
+                  <a:extLst>
+                    <a:ext uri="{9D8B030D-6E8A-4147-A177-3AD203B41FA5}">
+                      <a16:colId xmlns:a16="http://schemas.microsoft.com/office/drawing/2014/main" val="2345341009"/>
+                    </a:ext>
+                  </a:extLst>
+                </a:gridCol>
+                <a:gridCol w="1669143">
+                  <a:extLst>
+                    <a:ext uri="{9D8B030D-6E8A-4147-A177-3AD203B41FA5}">
+                      <a16:colId xmlns:a16="http://schemas.microsoft.com/office/drawing/2014/main" val="4019820202"/>
+                    </a:ext>
+                  </a:extLst>
+                </a:gridCol>
+              </a:tblGrid>
+              <a:tr h="0">
+                <a:tc>
+                  <a:txBody>
+                    <a:bodyPr/>
+                    <a:lstStyle/>
+                    <a:p>
+                      <a:pPr latinLnBrk="1"/>
+                      <a:r>
+                        <a:rPr lang="en-US" altLang="ko-KR" sz="1100"/>
+                        <a:t>Case</a:t>
+                      </a:r>
+                      <a:endParaRPr lang="ko-KR" altLang="en-US" sz="1100"/>
+                    </a:p>
+                  </a:txBody>
+                  <a:tcPr/>
+                </a:tc>
+                <a:tc>
+                  <a:txBody>
+                    <a:bodyPr/>
+                    <a:lstStyle/>
+                    <a:p>
+                      <a:pPr latinLnBrk="1"/>
+                      <a:r>
+                        <a:rPr lang="en-US" altLang="ko-KR" sz="1100"/>
+                        <a:t>Name</a:t>
+                      </a:r>
+                      <a:endParaRPr lang="ko-KR" altLang="en-US" sz="1100"/>
+                    </a:p>
+                  </a:txBody>
+                  <a:tcPr/>
+                </a:tc>
+                <a:tc>
+                  <a:txBody>
+                    <a:bodyPr/>
+                    <a:lstStyle/>
+                    <a:p>
+                      <a:pPr latinLnBrk="1"/>
+                      <a:r>
+                        <a:rPr lang="en-US" altLang="ko-KR" sz="1100"/>
+                        <a:t>DataType</a:t>
+                      </a:r>
+                      <a:endParaRPr lang="ko-KR" altLang="en-US" sz="1100"/>
+                    </a:p>
+                  </a:txBody>
+                  <a:tcPr/>
+                </a:tc>
+                <a:tc>
+                  <a:txBody>
+                    <a:bodyPr/>
+                    <a:lstStyle/>
+                    <a:p>
+                      <a:pPr latinLnBrk="1"/>
+                      <a:r>
+                        <a:rPr lang="en-US" altLang="ko-KR" sz="1100"/>
+                        <a:t>Input</a:t>
+                      </a:r>
+                      <a:endParaRPr lang="ko-KR" altLang="en-US" sz="1100"/>
+                    </a:p>
+                  </a:txBody>
+                  <a:tcPr/>
+                </a:tc>
+                <a:tc>
+                  <a:txBody>
+                    <a:bodyPr/>
+                    <a:lstStyle/>
+                    <a:p>
+                      <a:pPr latinLnBrk="1"/>
+                      <a:r>
+                        <a:rPr lang="en-US" altLang="ko-KR" sz="1100"/>
+                        <a:t>Output</a:t>
+                      </a:r>
+                      <a:endParaRPr lang="ko-KR" altLang="en-US" sz="1100"/>
+                    </a:p>
+                  </a:txBody>
+                  <a:tcPr/>
+                </a:tc>
+                <a:tc>
+                  <a:txBody>
+                    <a:bodyPr/>
+                    <a:lstStyle/>
+                    <a:p>
+                      <a:pPr latinLnBrk="1"/>
+                      <a:r>
+                        <a:rPr lang="en-US" altLang="ko-KR" sz="1100"/>
+                        <a:t>Job</a:t>
+                      </a:r>
+                      <a:endParaRPr lang="ko-KR" altLang="en-US" sz="1100"/>
+                    </a:p>
+                  </a:txBody>
+                  <a:tcPr/>
+                </a:tc>
+                <a:tc>
+                  <a:txBody>
+                    <a:bodyPr/>
+                    <a:lstStyle/>
+                    <a:p>
+                      <a:pPr latinLnBrk="1"/>
+                      <a:r>
+                        <a:rPr lang="en-US" altLang="ko-KR" sz="1100"/>
+                        <a:t>Func</a:t>
+                      </a:r>
+                      <a:endParaRPr lang="ko-KR" altLang="en-US" sz="1100"/>
+                    </a:p>
+                  </a:txBody>
+                  <a:tcPr/>
+                </a:tc>
+                <a:extLst>
+                  <a:ext uri="{0D108BD9-81ED-4DB2-BD59-A6C34878D82A}">
+                    <a16:rowId xmlns:a16="http://schemas.microsoft.com/office/drawing/2014/main" val="2063689300"/>
+                  </a:ext>
+                </a:extLst>
+              </a:tr>
+              <a:tr h="0">
+                <a:tc>
+                  <a:txBody>
+                    <a:bodyPr/>
+                    <a:lstStyle/>
+                    <a:p>
+                      <a:pPr latinLnBrk="1"/>
+                      <a:r>
+                        <a:rPr lang="ko-KR" altLang="en-US" sz="1100"/>
+                        <a:t>외부주소</a:t>
+                      </a:r>
+                    </a:p>
+                  </a:txBody>
+                  <a:tcPr/>
+                </a:tc>
+                <a:tc>
+                  <a:txBody>
+                    <a:bodyPr/>
+                    <a:lstStyle/>
+                    <a:p>
+                      <a:pPr latinLnBrk="1"/>
+                      <a:r>
+                        <a:rPr lang="en-US" altLang="ko-KR" sz="1100"/>
+                        <a:t>F2_CLP."+"</a:t>
+                      </a:r>
+                      <a:endParaRPr lang="ko-KR" altLang="en-US" sz="1100"/>
+                    </a:p>
+                  </a:txBody>
+                  <a:tcPr/>
+                </a:tc>
+                <a:tc>
+                  <a:txBody>
+                    <a:bodyPr/>
+                    <a:lstStyle/>
+                    <a:p>
+                      <a:pPr latinLnBrk="1"/>
+                      <a:r>
+                        <a:rPr lang="en-US" altLang="ko-KR" sz="1100"/>
+                        <a:t>bool</a:t>
+                      </a:r>
+                      <a:endParaRPr lang="ko-KR" altLang="en-US" sz="1100"/>
+                    </a:p>
+                  </a:txBody>
+                  <a:tcPr/>
+                </a:tc>
+                <a:tc>
+                  <a:txBody>
+                    <a:bodyPr/>
+                    <a:lstStyle/>
+                    <a:p>
+                      <a:pPr latinLnBrk="1"/>
+                      <a:r>
+                        <a:rPr lang="en-US" altLang="ko-KR" sz="1100"/>
+                        <a:t>I625.1</a:t>
+                      </a:r>
+                      <a:endParaRPr lang="ko-KR" altLang="en-US" sz="1100"/>
+                    </a:p>
+                  </a:txBody>
+                  <a:tcPr/>
+                </a:tc>
+                <a:tc>
+                  <a:txBody>
+                    <a:bodyPr/>
+                    <a:lstStyle/>
+                    <a:p>
+                      <a:pPr latinLnBrk="1"/>
+                      <a:r>
+                        <a:rPr lang="en-US" altLang="ko-KR" sz="1100"/>
+                        <a:t>O625.1</a:t>
+                      </a:r>
+                      <a:endParaRPr lang="ko-KR" altLang="en-US" sz="1100"/>
+                    </a:p>
+                  </a:txBody>
+                  <a:tcPr/>
+                </a:tc>
+                <a:tc>
+                  <a:txBody>
+                    <a:bodyPr/>
+                    <a:lstStyle/>
+                    <a:p>
+                      <a:pPr latinLnBrk="1"/>
+                      <a:r>
+                        <a:rPr lang="en-US" altLang="ko-KR" sz="1100"/>
+                        <a:t>F2_CLP_+</a:t>
+                      </a:r>
+                      <a:endParaRPr lang="ko-KR" altLang="en-US" sz="1100"/>
+                    </a:p>
+                  </a:txBody>
+                  <a:tcPr/>
+                </a:tc>
+                <a:tc>
+                  <a:txBody>
+                    <a:bodyPr/>
+                    <a:lstStyle/>
+                    <a:p>
+                      <a:pPr latinLnBrk="1"/>
+                      <a:endParaRPr lang="ko-KR" altLang="en-US" sz="1100"/>
+                    </a:p>
+                  </a:txBody>
+                  <a:tcPr/>
+                </a:tc>
+                <a:extLst>
+                  <a:ext uri="{0D108BD9-81ED-4DB2-BD59-A6C34878D82A}">
+                    <a16:rowId xmlns:a16="http://schemas.microsoft.com/office/drawing/2014/main" val="3014701424"/>
+                  </a:ext>
+                </a:extLst>
+              </a:tr>
+              <a:tr h="0">
+                <a:tc>
+                  <a:txBody>
+                    <a:bodyPr/>
+                    <a:lstStyle/>
+                    <a:p>
+                      <a:pPr latinLnBrk="1"/>
+                      <a:r>
+                        <a:rPr lang="ko-KR" altLang="en-US" sz="1100"/>
+                        <a:t>외부주소</a:t>
+                      </a:r>
+                    </a:p>
+                  </a:txBody>
+                  <a:tcPr/>
+                </a:tc>
+                <a:tc>
+                  <a:txBody>
+                    <a:bodyPr/>
+                    <a:lstStyle/>
+                    <a:p>
+                      <a:pPr latinLnBrk="1"/>
+                      <a:r>
+                        <a:rPr lang="en-US" altLang="ko-KR" sz="1100"/>
+                        <a:t>F2_CLP."-"</a:t>
+                      </a:r>
+                      <a:endParaRPr lang="ko-KR" altLang="en-US" sz="1100"/>
+                    </a:p>
+                  </a:txBody>
+                  <a:tcPr/>
+                </a:tc>
+                <a:tc>
+                  <a:txBody>
+                    <a:bodyPr/>
+                    <a:lstStyle/>
+                    <a:p>
+                      <a:pPr latinLnBrk="1"/>
+                      <a:r>
+                        <a:rPr lang="en-US" altLang="ko-KR" sz="1100"/>
+                        <a:t>bool</a:t>
+                      </a:r>
+                      <a:endParaRPr lang="ko-KR" altLang="en-US" sz="1100"/>
+                    </a:p>
+                  </a:txBody>
+                  <a:tcPr/>
+                </a:tc>
+                <a:tc>
+                  <a:txBody>
+                    <a:bodyPr/>
+                    <a:lstStyle/>
+                    <a:p>
+                      <a:pPr latinLnBrk="1"/>
+                      <a:r>
+                        <a:rPr lang="en-US" altLang="ko-KR" sz="1100"/>
+                        <a:t>I625.2</a:t>
+                      </a:r>
+                      <a:endParaRPr lang="ko-KR" altLang="en-US" sz="1100"/>
+                    </a:p>
+                  </a:txBody>
+                  <a:tcPr/>
+                </a:tc>
+                <a:tc>
+                  <a:txBody>
+                    <a:bodyPr/>
+                    <a:lstStyle/>
+                    <a:p>
+                      <a:pPr latinLnBrk="1"/>
+                      <a:r>
+                        <a:rPr lang="en-US" altLang="ko-KR" sz="1100"/>
+                        <a:t>O625.2</a:t>
+                      </a:r>
+                      <a:endParaRPr lang="ko-KR" altLang="en-US" sz="1100"/>
+                    </a:p>
+                  </a:txBody>
+                  <a:tcPr/>
+                </a:tc>
+                <a:tc>
+                  <a:txBody>
+                    <a:bodyPr/>
+                    <a:lstStyle/>
+                    <a:p>
+                      <a:pPr latinLnBrk="1"/>
+                      <a:r>
+                        <a:rPr lang="en-US" altLang="ko-KR" sz="1100"/>
+                        <a:t>F2_CLP_-</a:t>
+                      </a:r>
+                      <a:endParaRPr lang="ko-KR" altLang="en-US" sz="1100"/>
+                    </a:p>
+                  </a:txBody>
+                  <a:tcPr/>
+                </a:tc>
+                <a:tc>
+                  <a:txBody>
+                    <a:bodyPr/>
+                    <a:lstStyle/>
+                    <a:p>
+                      <a:pPr latinLnBrk="1"/>
+                      <a:endParaRPr lang="ko-KR" altLang="en-US" sz="1100"/>
+                    </a:p>
+                  </a:txBody>
+                  <a:tcPr/>
+                </a:tc>
+                <a:extLst>
+                  <a:ext uri="{0D108BD9-81ED-4DB2-BD59-A6C34878D82A}">
+                    <a16:rowId xmlns:a16="http://schemas.microsoft.com/office/drawing/2014/main" val="2658622021"/>
+                  </a:ext>
+                </a:extLst>
+              </a:tr>
+              <a:tr h="0">
+                <a:tc>
+                  <a:txBody>
+                    <a:bodyPr/>
+                    <a:lstStyle/>
+                    <a:p>
+                      <a:pPr latinLnBrk="1"/>
+                      <a:endParaRPr lang="ko-KR" altLang="en-US" sz="1100"/>
+                    </a:p>
+                  </a:txBody>
+                  <a:tcPr/>
+                </a:tc>
+                <a:tc>
+                  <a:txBody>
+                    <a:bodyPr/>
+                    <a:lstStyle/>
+                    <a:p>
+                      <a:pPr latinLnBrk="1"/>
+                      <a:endParaRPr lang="ko-KR" altLang="en-US" sz="1100"/>
+                    </a:p>
+                  </a:txBody>
+                  <a:tcPr/>
+                </a:tc>
+                <a:tc>
+                  <a:txBody>
+                    <a:bodyPr/>
+                    <a:lstStyle/>
+                    <a:p>
+                      <a:pPr latinLnBrk="1"/>
+                      <a:endParaRPr lang="ko-KR" altLang="en-US" sz="1100"/>
+                    </a:p>
+                  </a:txBody>
+                  <a:tcPr/>
+                </a:tc>
+                <a:tc>
+                  <a:txBody>
+                    <a:bodyPr/>
+                    <a:lstStyle/>
+                    <a:p>
+                      <a:pPr latinLnBrk="1"/>
+                      <a:endParaRPr lang="ko-KR" altLang="en-US" sz="1100"/>
+                    </a:p>
+                  </a:txBody>
+                  <a:tcPr/>
+                </a:tc>
+                <a:tc>
+                  <a:txBody>
+                    <a:bodyPr/>
+                    <a:lstStyle/>
+                    <a:p>
+                      <a:pPr latinLnBrk="1"/>
+                      <a:endParaRPr lang="ko-KR" altLang="en-US" sz="1100"/>
+                    </a:p>
+                  </a:txBody>
+                  <a:tcPr/>
+                </a:tc>
+                <a:tc>
+                  <a:txBody>
+                    <a:bodyPr/>
+                    <a:lstStyle/>
+                    <a:p>
+                      <a:pPr latinLnBrk="1"/>
+                      <a:endParaRPr lang="ko-KR" altLang="en-US" sz="1100"/>
+                    </a:p>
+                  </a:txBody>
+                  <a:tcPr/>
+                </a:tc>
+                <a:tc>
+                  <a:txBody>
+                    <a:bodyPr/>
+                    <a:lstStyle/>
+                    <a:p>
+                      <a:pPr latinLnBrk="1"/>
+                      <a:endParaRPr lang="ko-KR" altLang="en-US" sz="1100"/>
+                    </a:p>
+                  </a:txBody>
+                  <a:tcPr/>
+                </a:tc>
+                <a:extLst>
+                  <a:ext uri="{0D108BD9-81ED-4DB2-BD59-A6C34878D82A}">
+                    <a16:rowId xmlns:a16="http://schemas.microsoft.com/office/drawing/2014/main" val="3479657772"/>
+                  </a:ext>
+                </a:extLst>
+              </a:tr>
+              <a:tr h="0">
+                <a:tc>
+                  <a:txBody>
+                    <a:bodyPr/>
+                    <a:lstStyle/>
+                    <a:p>
+                      <a:pPr latinLnBrk="1"/>
+                      <a:endParaRPr lang="ko-KR" altLang="en-US" sz="1100"/>
+                    </a:p>
+                  </a:txBody>
+                  <a:tcPr/>
+                </a:tc>
+                <a:tc>
+                  <a:txBody>
+                    <a:bodyPr/>
+                    <a:lstStyle/>
+                    <a:p>
+                      <a:pPr latinLnBrk="1"/>
+                      <a:endParaRPr lang="ko-KR" altLang="en-US" sz="1100"/>
+                    </a:p>
+                  </a:txBody>
+                  <a:tcPr/>
+                </a:tc>
+                <a:tc>
+                  <a:txBody>
+                    <a:bodyPr/>
+                    <a:lstStyle/>
+                    <a:p>
+                      <a:pPr latinLnBrk="1"/>
+                      <a:endParaRPr lang="ko-KR" altLang="en-US" sz="1100"/>
+                    </a:p>
+                  </a:txBody>
+                  <a:tcPr/>
+                </a:tc>
+                <a:tc>
+                  <a:txBody>
+                    <a:bodyPr/>
+                    <a:lstStyle/>
+                    <a:p>
+                      <a:pPr latinLnBrk="1"/>
+                      <a:endParaRPr lang="ko-KR" altLang="en-US" sz="1100"/>
+                    </a:p>
+                  </a:txBody>
+                  <a:tcPr/>
+                </a:tc>
+                <a:tc>
+                  <a:txBody>
+                    <a:bodyPr/>
+                    <a:lstStyle/>
+                    <a:p>
+                      <a:pPr latinLnBrk="1"/>
+                      <a:endParaRPr lang="ko-KR" altLang="en-US" sz="1100"/>
+                    </a:p>
+                  </a:txBody>
+                  <a:tcPr/>
+                </a:tc>
+                <a:tc>
+                  <a:txBody>
+                    <a:bodyPr/>
+                    <a:lstStyle/>
+                    <a:p>
+                      <a:pPr latinLnBrk="1"/>
+                      <a:endParaRPr lang="ko-KR" altLang="en-US" sz="1100"/>
+                    </a:p>
+                  </a:txBody>
+                  <a:tcPr/>
+                </a:tc>
+                <a:tc>
+                  <a:txBody>
+                    <a:bodyPr/>
+                    <a:lstStyle/>
+                    <a:p>
+                      <a:pPr latinLnBrk="1"/>
+                      <a:endParaRPr lang="ko-KR" altLang="en-US" sz="1100"/>
+                    </a:p>
+                  </a:txBody>
+                  <a:tcPr/>
+                </a:tc>
+                <a:extLst>
+                  <a:ext uri="{0D108BD9-81ED-4DB2-BD59-A6C34878D82A}">
+                    <a16:rowId xmlns:a16="http://schemas.microsoft.com/office/drawing/2014/main" val="4106308594"/>
+                  </a:ext>
+                </a:extLst>
+              </a:tr>
+              <a:tr h="0">
+                <a:tc>
+                  <a:txBody>
+                    <a:bodyPr/>
+                    <a:lstStyle/>
+                    <a:p>
+                      <a:pPr latinLnBrk="1"/>
+                      <a:endParaRPr lang="ko-KR" altLang="en-US" sz="1100"/>
+                    </a:p>
+                  </a:txBody>
+                  <a:tcPr/>
+                </a:tc>
+                <a:tc>
+                  <a:txBody>
+                    <a:bodyPr/>
+                    <a:lstStyle/>
+                    <a:p>
+                      <a:pPr latinLnBrk="1"/>
+                      <a:endParaRPr lang="ko-KR" altLang="en-US" sz="1100"/>
+                    </a:p>
+                  </a:txBody>
+                  <a:tcPr/>
+                </a:tc>
+                <a:tc>
+                  <a:txBody>
+                    <a:bodyPr/>
+                    <a:lstStyle/>
+                    <a:p>
+                      <a:pPr latinLnBrk="1"/>
+                      <a:endParaRPr lang="ko-KR" altLang="en-US" sz="1100"/>
+                    </a:p>
+                  </a:txBody>
+                  <a:tcPr/>
+                </a:tc>
+                <a:tc>
+                  <a:txBody>
+                    <a:bodyPr/>
+                    <a:lstStyle/>
+                    <a:p>
+                      <a:pPr latinLnBrk="1"/>
+                      <a:endParaRPr lang="ko-KR" altLang="en-US" sz="1100"/>
+                    </a:p>
+                  </a:txBody>
+                  <a:tcPr/>
+                </a:tc>
+                <a:tc>
+                  <a:txBody>
+                    <a:bodyPr/>
+                    <a:lstStyle/>
+                    <a:p>
+                      <a:pPr latinLnBrk="1"/>
+                      <a:endParaRPr lang="ko-KR" altLang="en-US" sz="1100"/>
+                    </a:p>
+                  </a:txBody>
+                  <a:tcPr/>
+                </a:tc>
+                <a:tc>
+                  <a:txBody>
+                    <a:bodyPr/>
+                    <a:lstStyle/>
+                    <a:p>
+                      <a:pPr latinLnBrk="1"/>
+                      <a:endParaRPr lang="ko-KR" altLang="en-US" sz="1100"/>
+                    </a:p>
+                  </a:txBody>
+                  <a:tcPr/>
+                </a:tc>
+                <a:tc>
+                  <a:txBody>
+                    <a:bodyPr/>
+                    <a:lstStyle/>
+                    <a:p>
+                      <a:pPr latinLnBrk="1"/>
+                      <a:endParaRPr lang="ko-KR" altLang="en-US" sz="1100"/>
+                    </a:p>
+                  </a:txBody>
+                  <a:tcPr/>
+                </a:tc>
+                <a:extLst>
+                  <a:ext uri="{0D108BD9-81ED-4DB2-BD59-A6C34878D82A}">
+                    <a16:rowId xmlns:a16="http://schemas.microsoft.com/office/drawing/2014/main" val="1336343278"/>
+                  </a:ext>
+                </a:extLst>
+              </a:tr>
+              <a:tr h="0">
+                <a:tc>
+                  <a:txBody>
+                    <a:bodyPr/>
+                    <a:lstStyle/>
+                    <a:p>
+                      <a:pPr latinLnBrk="1"/>
+                      <a:endParaRPr lang="ko-KR" altLang="en-US" sz="1100"/>
+                    </a:p>
+                  </a:txBody>
+                  <a:tcPr/>
+                </a:tc>
+                <a:tc>
+                  <a:txBody>
+                    <a:bodyPr/>
+                    <a:lstStyle/>
+                    <a:p>
+                      <a:pPr latinLnBrk="1"/>
+                      <a:endParaRPr lang="ko-KR" altLang="en-US" sz="1100"/>
+                    </a:p>
+                  </a:txBody>
+                  <a:tcPr/>
+                </a:tc>
+                <a:tc>
+                  <a:txBody>
+                    <a:bodyPr/>
+                    <a:lstStyle/>
+                    <a:p>
+                      <a:pPr latinLnBrk="1"/>
+                      <a:endParaRPr lang="ko-KR" altLang="en-US" sz="1100"/>
+                    </a:p>
+                  </a:txBody>
+                  <a:tcPr/>
+                </a:tc>
+                <a:tc>
+                  <a:txBody>
+                    <a:bodyPr/>
+                    <a:lstStyle/>
+                    <a:p>
+                      <a:pPr latinLnBrk="1"/>
+                      <a:endParaRPr lang="ko-KR" altLang="en-US" sz="1100"/>
+                    </a:p>
+                  </a:txBody>
+                  <a:tcPr/>
+                </a:tc>
+                <a:tc>
+                  <a:txBody>
+                    <a:bodyPr/>
+                    <a:lstStyle/>
+                    <a:p>
+                      <a:pPr latinLnBrk="1"/>
+                      <a:endParaRPr lang="ko-KR" altLang="en-US" sz="1100"/>
+                    </a:p>
+                  </a:txBody>
+                  <a:tcPr/>
+                </a:tc>
+                <a:tc>
+                  <a:txBody>
+                    <a:bodyPr/>
+                    <a:lstStyle/>
+                    <a:p>
+                      <a:pPr latinLnBrk="1"/>
+                      <a:endParaRPr lang="ko-KR" altLang="en-US" sz="1100"/>
+                    </a:p>
+                  </a:txBody>
+                  <a:tcPr/>
+                </a:tc>
+                <a:tc>
+                  <a:txBody>
+                    <a:bodyPr/>
+                    <a:lstStyle/>
+                    <a:p>
+                      <a:pPr latinLnBrk="1"/>
+                      <a:endParaRPr lang="ko-KR" altLang="en-US" sz="1100"/>
+                    </a:p>
+                  </a:txBody>
+                  <a:tcPr/>
+                </a:tc>
+                <a:extLst>
+                  <a:ext uri="{0D108BD9-81ED-4DB2-BD59-A6C34878D82A}">
+                    <a16:rowId xmlns:a16="http://schemas.microsoft.com/office/drawing/2014/main" val="3759111006"/>
+                  </a:ext>
+                </a:extLst>
+              </a:tr>
+              <a:tr h="0">
+                <a:tc>
+                  <a:txBody>
+                    <a:bodyPr/>
+                    <a:lstStyle/>
+                    <a:p>
+                      <a:pPr latinLnBrk="1"/>
+                      <a:endParaRPr lang="ko-KR" altLang="en-US" sz="1100"/>
+                    </a:p>
+                  </a:txBody>
+                  <a:tcPr/>
+                </a:tc>
+                <a:tc>
+                  <a:txBody>
+                    <a:bodyPr/>
+                    <a:lstStyle/>
+                    <a:p>
+                      <a:pPr latinLnBrk="1"/>
+                      <a:endParaRPr lang="ko-KR" altLang="en-US" sz="1100"/>
+                    </a:p>
+                  </a:txBody>
+                  <a:tcPr/>
+                </a:tc>
+                <a:tc>
+                  <a:txBody>
+                    <a:bodyPr/>
+                    <a:lstStyle/>
+                    <a:p>
+                      <a:pPr latinLnBrk="1"/>
+                      <a:endParaRPr lang="ko-KR" altLang="en-US" sz="1100"/>
+                    </a:p>
+                  </a:txBody>
+                  <a:tcPr/>
+                </a:tc>
+                <a:tc>
+                  <a:txBody>
+                    <a:bodyPr/>
+                    <a:lstStyle/>
+                    <a:p>
+                      <a:pPr latinLnBrk="1"/>
+                      <a:endParaRPr lang="ko-KR" altLang="en-US" sz="1100"/>
+                    </a:p>
+                  </a:txBody>
+                  <a:tcPr/>
+                </a:tc>
+                <a:tc>
+                  <a:txBody>
+                    <a:bodyPr/>
+                    <a:lstStyle/>
+                    <a:p>
+                      <a:pPr latinLnBrk="1"/>
+                      <a:endParaRPr lang="ko-KR" altLang="en-US" sz="1100"/>
+                    </a:p>
+                  </a:txBody>
+                  <a:tcPr/>
+                </a:tc>
+                <a:tc>
+                  <a:txBody>
+                    <a:bodyPr/>
+                    <a:lstStyle/>
+                    <a:p>
+                      <a:pPr latinLnBrk="1"/>
+                      <a:endParaRPr lang="ko-KR" altLang="en-US" sz="1100"/>
+                    </a:p>
+                  </a:txBody>
+                  <a:tcPr/>
+                </a:tc>
+                <a:tc>
+                  <a:txBody>
+                    <a:bodyPr/>
+                    <a:lstStyle/>
+                    <a:p>
+                      <a:pPr latinLnBrk="1"/>
+                      <a:endParaRPr lang="ko-KR" altLang="en-US" sz="1100"/>
+                    </a:p>
+                  </a:txBody>
+                  <a:tcPr/>
+                </a:tc>
+                <a:extLst>
+                  <a:ext uri="{0D108BD9-81ED-4DB2-BD59-A6C34878D82A}">
+                    <a16:rowId xmlns:a16="http://schemas.microsoft.com/office/drawing/2014/main" val="3836707370"/>
+                  </a:ext>
+                </a:extLst>
+              </a:tr>
+              <a:tr h="0">
+                <a:tc>
+                  <a:txBody>
+                    <a:bodyPr/>
+                    <a:lstStyle/>
+                    <a:p>
+                      <a:pPr latinLnBrk="1"/>
+                      <a:endParaRPr lang="ko-KR" altLang="en-US" sz="1100"/>
+                    </a:p>
+                  </a:txBody>
+                  <a:tcPr/>
+                </a:tc>
+                <a:tc>
+                  <a:txBody>
+                    <a:bodyPr/>
+                    <a:lstStyle/>
+                    <a:p>
+                      <a:pPr latinLnBrk="1"/>
+                      <a:endParaRPr lang="ko-KR" altLang="en-US" sz="1100"/>
+                    </a:p>
+                  </a:txBody>
+                  <a:tcPr/>
+                </a:tc>
+                <a:tc>
+                  <a:txBody>
+                    <a:bodyPr/>
+                    <a:lstStyle/>
+                    <a:p>
+                      <a:pPr latinLnBrk="1"/>
+                      <a:endParaRPr lang="ko-KR" altLang="en-US" sz="1100"/>
+                    </a:p>
+                  </a:txBody>
+                  <a:tcPr/>
+                </a:tc>
+                <a:tc>
+                  <a:txBody>
+                    <a:bodyPr/>
+                    <a:lstStyle/>
+                    <a:p>
+                      <a:pPr latinLnBrk="1"/>
+                      <a:endParaRPr lang="ko-KR" altLang="en-US" sz="1100"/>
+                    </a:p>
+                  </a:txBody>
+                  <a:tcPr/>
+                </a:tc>
+                <a:tc>
+                  <a:txBody>
+                    <a:bodyPr/>
+                    <a:lstStyle/>
+                    <a:p>
+                      <a:pPr latinLnBrk="1"/>
+                      <a:endParaRPr lang="ko-KR" altLang="en-US" sz="1100"/>
+                    </a:p>
+                  </a:txBody>
+                  <a:tcPr/>
+                </a:tc>
+                <a:tc>
+                  <a:txBody>
+                    <a:bodyPr/>
+                    <a:lstStyle/>
+                    <a:p>
+                      <a:pPr latinLnBrk="1"/>
+                      <a:endParaRPr lang="ko-KR" altLang="en-US" sz="1100"/>
+                    </a:p>
+                  </a:txBody>
+                  <a:tcPr/>
+                </a:tc>
+                <a:tc>
+                  <a:txBody>
+                    <a:bodyPr/>
+                    <a:lstStyle/>
+                    <a:p>
+                      <a:pPr latinLnBrk="1"/>
+                      <a:endParaRPr lang="ko-KR" altLang="en-US" sz="1100"/>
+                    </a:p>
+                  </a:txBody>
+                  <a:tcPr/>
+                </a:tc>
+                <a:extLst>
+                  <a:ext uri="{0D108BD9-81ED-4DB2-BD59-A6C34878D82A}">
+                    <a16:rowId xmlns:a16="http://schemas.microsoft.com/office/drawing/2014/main" val="3896715871"/>
+                  </a:ext>
+                </a:extLst>
+              </a:tr>
+              <a:tr h="0">
+                <a:tc>
+                  <a:txBody>
+                    <a:bodyPr/>
+                    <a:lstStyle/>
+                    <a:p>
+                      <a:pPr latinLnBrk="1"/>
+                      <a:r>
+                        <a:rPr lang="ko-KR" altLang="en-US" sz="1100"/>
+                        <a:t>내부변수</a:t>
+                      </a:r>
+                    </a:p>
+                  </a:txBody>
+                  <a:tcPr/>
+                </a:tc>
+                <a:tc>
+                  <a:txBody>
+                    <a:bodyPr/>
+                    <a:lstStyle/>
+                    <a:p>
+                      <a:pPr latinLnBrk="1"/>
+                      <a:endParaRPr lang="ko-KR" altLang="en-US" sz="1100"/>
+                    </a:p>
+                  </a:txBody>
+                  <a:tcPr/>
+                </a:tc>
+                <a:tc>
+                  <a:txBody>
+                    <a:bodyPr/>
+                    <a:lstStyle/>
+                    <a:p>
+                      <a:pPr latinLnBrk="1"/>
+                      <a:endParaRPr lang="ko-KR" altLang="en-US" sz="1100"/>
+                    </a:p>
+                  </a:txBody>
+                  <a:tcPr/>
+                </a:tc>
+                <a:tc>
+                  <a:txBody>
+                    <a:bodyPr/>
+                    <a:lstStyle/>
+                    <a:p>
+                      <a:pPr latinLnBrk="1"/>
+                      <a:endParaRPr lang="ko-KR" altLang="en-US" sz="1100"/>
+                    </a:p>
+                  </a:txBody>
+                  <a:tcPr/>
+                </a:tc>
+                <a:tc>
+                  <a:txBody>
+                    <a:bodyPr/>
+                    <a:lstStyle/>
+                    <a:p>
+                      <a:pPr latinLnBrk="1"/>
+                      <a:endParaRPr lang="ko-KR" altLang="en-US" sz="1100"/>
+                    </a:p>
+                  </a:txBody>
+                  <a:tcPr/>
+                </a:tc>
+                <a:tc>
+                  <a:txBody>
+                    <a:bodyPr/>
+                    <a:lstStyle/>
+                    <a:p>
+                      <a:pPr latinLnBrk="1"/>
+                      <a:endParaRPr lang="ko-KR" altLang="en-US" sz="1100"/>
+                    </a:p>
+                  </a:txBody>
+                  <a:tcPr/>
+                </a:tc>
+                <a:tc>
+                  <a:txBody>
+                    <a:bodyPr/>
+                    <a:lstStyle/>
+                    <a:p>
+                      <a:pPr latinLnBrk="1"/>
+                      <a:endParaRPr lang="ko-KR" altLang="en-US" sz="1100"/>
+                    </a:p>
+                  </a:txBody>
+                  <a:tcPr/>
+                </a:tc>
+                <a:extLst>
+                  <a:ext uri="{0D108BD9-81ED-4DB2-BD59-A6C34878D82A}">
+                    <a16:rowId xmlns:a16="http://schemas.microsoft.com/office/drawing/2014/main" val="2801650771"/>
+                  </a:ext>
+                </a:extLst>
+              </a:tr>
+              <a:tr h="0">
+                <a:tc>
+                  <a:txBody>
+                    <a:bodyPr/>
+                    <a:lstStyle/>
+                    <a:p>
+                      <a:pPr latinLnBrk="1"/>
+                      <a:endParaRPr lang="ko-KR" altLang="en-US" sz="1100"/>
+                    </a:p>
+                  </a:txBody>
+                  <a:tcPr/>
+                </a:tc>
+                <a:tc>
+                  <a:txBody>
+                    <a:bodyPr/>
+                    <a:lstStyle/>
+                    <a:p>
+                      <a:pPr latinLnBrk="1"/>
+                      <a:endParaRPr lang="ko-KR" altLang="en-US" sz="1100"/>
+                    </a:p>
+                  </a:txBody>
+                  <a:tcPr/>
+                </a:tc>
+                <a:tc>
+                  <a:txBody>
+                    <a:bodyPr/>
+                    <a:lstStyle/>
+                    <a:p>
+                      <a:pPr latinLnBrk="1"/>
+                      <a:endParaRPr lang="ko-KR" altLang="en-US" sz="1100"/>
+                    </a:p>
+                  </a:txBody>
+                  <a:tcPr/>
+                </a:tc>
+                <a:tc>
+                  <a:txBody>
+                    <a:bodyPr/>
+                    <a:lstStyle/>
+                    <a:p>
+                      <a:pPr latinLnBrk="1"/>
+                      <a:endParaRPr lang="ko-KR" altLang="en-US" sz="1100"/>
+                    </a:p>
+                  </a:txBody>
+                  <a:tcPr/>
+                </a:tc>
+                <a:tc>
+                  <a:txBody>
+                    <a:bodyPr/>
+                    <a:lstStyle/>
+                    <a:p>
+                      <a:pPr latinLnBrk="1"/>
+                      <a:endParaRPr lang="ko-KR" altLang="en-US" sz="1100"/>
+                    </a:p>
+                  </a:txBody>
+                  <a:tcPr/>
+                </a:tc>
+                <a:tc>
+                  <a:txBody>
+                    <a:bodyPr/>
+                    <a:lstStyle/>
+                    <a:p>
+                      <a:pPr latinLnBrk="1"/>
+                      <a:endParaRPr lang="ko-KR" altLang="en-US" sz="1100"/>
+                    </a:p>
+                  </a:txBody>
+                  <a:tcPr/>
+                </a:tc>
+                <a:tc>
+                  <a:txBody>
+                    <a:bodyPr/>
+                    <a:lstStyle/>
+                    <a:p>
+                      <a:pPr latinLnBrk="1"/>
+                      <a:endParaRPr lang="ko-KR" altLang="en-US" sz="1100"/>
+                    </a:p>
+                  </a:txBody>
+                  <a:tcPr/>
+                </a:tc>
+                <a:extLst>
+                  <a:ext uri="{0D108BD9-81ED-4DB2-BD59-A6C34878D82A}">
+                    <a16:rowId xmlns:a16="http://schemas.microsoft.com/office/drawing/2014/main" val="1481591092"/>
+                  </a:ext>
+                </a:extLst>
+              </a:tr>
+            </a:tbl>
+          </a:graphicData>
+        </a:graphic>
+      </p:graphicFrame>
+    </p:spTree>
+    <p:extLst>
+      <p:ext uri="{BB962C8B-B14F-4D97-AF65-F5344CB8AC3E}">
+        <p14:creationId xmlns:p14="http://schemas.microsoft.com/office/powerpoint/2010/main" val="1912563802"/>
+      </p:ext>
+    </p:extLst>
+  </p:cSld>
+  <p:clrMapOvr>
+    <a:masterClrMapping/>
+  </p:clrMapOvr>
+</p:sld>
+</file>
+
 <file path=ppt/theme/theme1.xml><?xml version="1.0" encoding="utf-8"?>
 <a:theme xmlns:a="http://schemas.openxmlformats.org/drawingml/2006/main" name="Office 테마">
   <a:themeElements>

--- a/DsDotNet/src/UnitTest/UnitTest.Model/ImportOfficeExample/exportDS/testA/lib/dev.pptx
+++ b/DsDotNet/src/UnitTest/UnitTest.Model/ImportOfficeExample/exportDS/testA/lib/dev.pptx
@@ -7,7 +7,6 @@
   <p:sldIdLst>
     <p:sldId id="256" r:id="rId2"/>
     <p:sldId id="257" r:id="rId3"/>
-    <p:sldId id="258" r:id="rId4"/>
   </p:sldIdLst>
   <p:sldSz cx="12192000" cy="6858000"/>
   <p:notesSz cx="6858000" cy="9144000"/>
@@ -261,7 +260,7 @@
           <a:p>
             <a:fld id="{E31A602F-9409-4B9A-9D14-798E704D8577}" type="datetimeFigureOut">
               <a:rPr lang="ko-KR" altLang="en-US" smtClean="0"/>
-              <a:t>2023-11-16</a:t>
+              <a:t>2023-11-02</a:t>
             </a:fld>
             <a:endParaRPr lang="ko-KR" altLang="en-US"/>
           </a:p>
@@ -459,7 +458,7 @@
           <a:p>
             <a:fld id="{E31A602F-9409-4B9A-9D14-798E704D8577}" type="datetimeFigureOut">
               <a:rPr lang="ko-KR" altLang="en-US" smtClean="0"/>
-              <a:t>2023-11-16</a:t>
+              <a:t>2023-11-02</a:t>
             </a:fld>
             <a:endParaRPr lang="ko-KR" altLang="en-US"/>
           </a:p>
@@ -667,7 +666,7 @@
           <a:p>
             <a:fld id="{E31A602F-9409-4B9A-9D14-798E704D8577}" type="datetimeFigureOut">
               <a:rPr lang="ko-KR" altLang="en-US" smtClean="0"/>
-              <a:t>2023-11-16</a:t>
+              <a:t>2023-11-02</a:t>
             </a:fld>
             <a:endParaRPr lang="ko-KR" altLang="en-US"/>
           </a:p>
@@ -865,7 +864,7 @@
           <a:p>
             <a:fld id="{E31A602F-9409-4B9A-9D14-798E704D8577}" type="datetimeFigureOut">
               <a:rPr lang="ko-KR" altLang="en-US" smtClean="0"/>
-              <a:t>2023-11-16</a:t>
+              <a:t>2023-11-02</a:t>
             </a:fld>
             <a:endParaRPr lang="ko-KR" altLang="en-US"/>
           </a:p>
@@ -1140,7 +1139,7 @@
           <a:p>
             <a:fld id="{E31A602F-9409-4B9A-9D14-798E704D8577}" type="datetimeFigureOut">
               <a:rPr lang="ko-KR" altLang="en-US" smtClean="0"/>
-              <a:t>2023-11-16</a:t>
+              <a:t>2023-11-02</a:t>
             </a:fld>
             <a:endParaRPr lang="ko-KR" altLang="en-US"/>
           </a:p>
@@ -1405,7 +1404,7 @@
           <a:p>
             <a:fld id="{E31A602F-9409-4B9A-9D14-798E704D8577}" type="datetimeFigureOut">
               <a:rPr lang="ko-KR" altLang="en-US" smtClean="0"/>
-              <a:t>2023-11-16</a:t>
+              <a:t>2023-11-02</a:t>
             </a:fld>
             <a:endParaRPr lang="ko-KR" altLang="en-US"/>
           </a:p>
@@ -1817,7 +1816,7 @@
           <a:p>
             <a:fld id="{E31A602F-9409-4B9A-9D14-798E704D8577}" type="datetimeFigureOut">
               <a:rPr lang="ko-KR" altLang="en-US" smtClean="0"/>
-              <a:t>2023-11-16</a:t>
+              <a:t>2023-11-02</a:t>
             </a:fld>
             <a:endParaRPr lang="ko-KR" altLang="en-US"/>
           </a:p>
@@ -1958,7 +1957,7 @@
           <a:p>
             <a:fld id="{E31A602F-9409-4B9A-9D14-798E704D8577}" type="datetimeFigureOut">
               <a:rPr lang="ko-KR" altLang="en-US" smtClean="0"/>
-              <a:t>2023-11-16</a:t>
+              <a:t>2023-11-02</a:t>
             </a:fld>
             <a:endParaRPr lang="ko-KR" altLang="en-US"/>
           </a:p>
@@ -2071,7 +2070,7 @@
           <a:p>
             <a:fld id="{E31A602F-9409-4B9A-9D14-798E704D8577}" type="datetimeFigureOut">
               <a:rPr lang="ko-KR" altLang="en-US" smtClean="0"/>
-              <a:t>2023-11-16</a:t>
+              <a:t>2023-11-02</a:t>
             </a:fld>
             <a:endParaRPr lang="ko-KR" altLang="en-US"/>
           </a:p>
@@ -2382,7 +2381,7 @@
           <a:p>
             <a:fld id="{E31A602F-9409-4B9A-9D14-798E704D8577}" type="datetimeFigureOut">
               <a:rPr lang="ko-KR" altLang="en-US" smtClean="0"/>
-              <a:t>2023-11-16</a:t>
+              <a:t>2023-11-02</a:t>
             </a:fld>
             <a:endParaRPr lang="ko-KR" altLang="en-US"/>
           </a:p>
@@ -2670,7 +2669,7 @@
           <a:p>
             <a:fld id="{E31A602F-9409-4B9A-9D14-798E704D8577}" type="datetimeFigureOut">
               <a:rPr lang="ko-KR" altLang="en-US" smtClean="0"/>
-              <a:t>2023-11-16</a:t>
+              <a:t>2023-11-02</a:t>
             </a:fld>
             <a:endParaRPr lang="ko-KR" altLang="en-US"/>
           </a:p>
@@ -2911,7 +2910,7 @@
           <a:p>
             <a:fld id="{E31A602F-9409-4B9A-9D14-798E704D8577}" type="datetimeFigureOut">
               <a:rPr lang="ko-KR" altLang="en-US" smtClean="0"/>
-              <a:t>2023-11-16</a:t>
+              <a:t>2023-11-02</a:t>
             </a:fld>
             <a:endParaRPr lang="ko-KR" altLang="en-US"/>
           </a:p>
@@ -3945,1166 +3944,6 @@
 </p:sld>
 </file>
 
-<file path=ppt/slides/slide3.xml><?xml version="1.0" encoding="utf-8"?>
-<p:sld xmlns:a="http://schemas.openxmlformats.org/drawingml/2006/main" xmlns:r="http://schemas.openxmlformats.org/officeDocument/2006/relationships" xmlns:p="http://schemas.openxmlformats.org/presentationml/2006/main">
-  <p:cSld>
-    <p:bg>
-      <p:bgPr>
-        <a:solidFill>
-          <a:srgbClr val="FFFFFF"/>
-        </a:solidFill>
-        <a:effectLst/>
-      </p:bgPr>
-    </p:bg>
-    <p:spTree>
-      <p:nvGrpSpPr>
-        <p:cNvPr id="1" name=""/>
-        <p:cNvGrpSpPr/>
-        <p:nvPr/>
-      </p:nvGrpSpPr>
-      <p:grpSpPr>
-        <a:xfrm>
-          <a:off x="0" y="0"/>
-          <a:ext cx="0" cy="0"/>
-          <a:chOff x="0" y="0"/>
-          <a:chExt cx="0" cy="0"/>
-        </a:xfrm>
-      </p:grpSpPr>
-      <p:sp>
-        <p:nvSpPr>
-          <p:cNvPr id="2" name="TextBox 1">
-            <a:extLst>
-              <a:ext uri="{FF2B5EF4-FFF2-40B4-BE49-F238E27FC236}">
-                <a16:creationId xmlns:a16="http://schemas.microsoft.com/office/drawing/2014/main" id="{E53DB8F4-321C-67CD-CFBC-2129F6BAE50C}"/>
-              </a:ext>
-            </a:extLst>
-          </p:cNvPr>
-          <p:cNvSpPr txBox="1"/>
-          <p:nvPr/>
-        </p:nvSpPr>
-        <p:spPr>
-          <a:xfrm>
-            <a:off x="254000" y="254000"/>
-            <a:ext cx="1270000" cy="381000"/>
-          </a:xfrm>
-          <a:prstGeom prst="rect">
-            <a:avLst/>
-          </a:prstGeom>
-          <a:noFill/>
-        </p:spPr>
-        <p:txBody>
-          <a:bodyPr vert="horz" rtlCol="0">
-            <a:spAutoFit/>
-          </a:bodyPr>
-          <a:lstStyle/>
-          <a:p>
-            <a:r>
-              <a:rPr lang="en-US" altLang="ko-KR"/>
-              <a:t>IO TABLE</a:t>
-            </a:r>
-            <a:endParaRPr lang="ko-KR" altLang="en-US"/>
-          </a:p>
-        </p:txBody>
-      </p:sp>
-      <p:graphicFrame>
-        <p:nvGraphicFramePr>
-          <p:cNvPr id="3" name="표 2">
-            <a:extLst>
-              <a:ext uri="{FF2B5EF4-FFF2-40B4-BE49-F238E27FC236}">
-                <a16:creationId xmlns:a16="http://schemas.microsoft.com/office/drawing/2014/main" id="{69FF3AA1-4AEA-AC0D-0191-9F224EDD4D8F}"/>
-              </a:ext>
-            </a:extLst>
-          </p:cNvPr>
-          <p:cNvGraphicFramePr>
-            <a:graphicFrameLocks noGrp="1"/>
-          </p:cNvGraphicFramePr>
-          <p:nvPr>
-            <p:extLst>
-              <p:ext uri="{D42A27DB-BD31-4B8C-83A1-F6EECF244321}">
-                <p14:modId xmlns:p14="http://schemas.microsoft.com/office/powerpoint/2010/main" val="3713870498"/>
-              </p:ext>
-            </p:extLst>
-          </p:nvPr>
-        </p:nvGraphicFramePr>
-        <p:xfrm>
-          <a:off x="254000" y="635000"/>
-          <a:ext cx="11684001" cy="3916680"/>
-        </p:xfrm>
-        <a:graphic>
-          <a:graphicData uri="http://schemas.openxmlformats.org/drawingml/2006/table">
-            <a:tbl>
-              <a:tblPr firstRow="1" bandRow="1">
-                <a:tableStyleId>{5C22544A-7EE6-4342-B048-85BDC9FD1C3A}</a:tableStyleId>
-              </a:tblPr>
-              <a:tblGrid>
-                <a:gridCol w="1669143">
-                  <a:extLst>
-                    <a:ext uri="{9D8B030D-6E8A-4147-A177-3AD203B41FA5}">
-                      <a16:colId xmlns:a16="http://schemas.microsoft.com/office/drawing/2014/main" val="1560428702"/>
-                    </a:ext>
-                  </a:extLst>
-                </a:gridCol>
-                <a:gridCol w="1669143">
-                  <a:extLst>
-                    <a:ext uri="{9D8B030D-6E8A-4147-A177-3AD203B41FA5}">
-                      <a16:colId xmlns:a16="http://schemas.microsoft.com/office/drawing/2014/main" val="2322258838"/>
-                    </a:ext>
-                  </a:extLst>
-                </a:gridCol>
-                <a:gridCol w="1669143">
-                  <a:extLst>
-                    <a:ext uri="{9D8B030D-6E8A-4147-A177-3AD203B41FA5}">
-                      <a16:colId xmlns:a16="http://schemas.microsoft.com/office/drawing/2014/main" val="2209410442"/>
-                    </a:ext>
-                  </a:extLst>
-                </a:gridCol>
-                <a:gridCol w="1669143">
-                  <a:extLst>
-                    <a:ext uri="{9D8B030D-6E8A-4147-A177-3AD203B41FA5}">
-                      <a16:colId xmlns:a16="http://schemas.microsoft.com/office/drawing/2014/main" val="741026842"/>
-                    </a:ext>
-                  </a:extLst>
-                </a:gridCol>
-                <a:gridCol w="1669143">
-                  <a:extLst>
-                    <a:ext uri="{9D8B030D-6E8A-4147-A177-3AD203B41FA5}">
-                      <a16:colId xmlns:a16="http://schemas.microsoft.com/office/drawing/2014/main" val="4068080558"/>
-                    </a:ext>
-                  </a:extLst>
-                </a:gridCol>
-                <a:gridCol w="1669143">
-                  <a:extLst>
-                    <a:ext uri="{9D8B030D-6E8A-4147-A177-3AD203B41FA5}">
-                      <a16:colId xmlns:a16="http://schemas.microsoft.com/office/drawing/2014/main" val="2345341009"/>
-                    </a:ext>
-                  </a:extLst>
-                </a:gridCol>
-                <a:gridCol w="1669143">
-                  <a:extLst>
-                    <a:ext uri="{9D8B030D-6E8A-4147-A177-3AD203B41FA5}">
-                      <a16:colId xmlns:a16="http://schemas.microsoft.com/office/drawing/2014/main" val="4019820202"/>
-                    </a:ext>
-                  </a:extLst>
-                </a:gridCol>
-              </a:tblGrid>
-              <a:tr h="0">
-                <a:tc>
-                  <a:txBody>
-                    <a:bodyPr/>
-                    <a:lstStyle/>
-                    <a:p>
-                      <a:pPr latinLnBrk="1"/>
-                      <a:r>
-                        <a:rPr lang="en-US" altLang="ko-KR" sz="1100"/>
-                        <a:t>Case</a:t>
-                      </a:r>
-                      <a:endParaRPr lang="ko-KR" altLang="en-US" sz="1100"/>
-                    </a:p>
-                  </a:txBody>
-                  <a:tcPr/>
-                </a:tc>
-                <a:tc>
-                  <a:txBody>
-                    <a:bodyPr/>
-                    <a:lstStyle/>
-                    <a:p>
-                      <a:pPr latinLnBrk="1"/>
-                      <a:r>
-                        <a:rPr lang="en-US" altLang="ko-KR" sz="1100"/>
-                        <a:t>Name</a:t>
-                      </a:r>
-                      <a:endParaRPr lang="ko-KR" altLang="en-US" sz="1100"/>
-                    </a:p>
-                  </a:txBody>
-                  <a:tcPr/>
-                </a:tc>
-                <a:tc>
-                  <a:txBody>
-                    <a:bodyPr/>
-                    <a:lstStyle/>
-                    <a:p>
-                      <a:pPr latinLnBrk="1"/>
-                      <a:r>
-                        <a:rPr lang="en-US" altLang="ko-KR" sz="1100"/>
-                        <a:t>DataType</a:t>
-                      </a:r>
-                      <a:endParaRPr lang="ko-KR" altLang="en-US" sz="1100"/>
-                    </a:p>
-                  </a:txBody>
-                  <a:tcPr/>
-                </a:tc>
-                <a:tc>
-                  <a:txBody>
-                    <a:bodyPr/>
-                    <a:lstStyle/>
-                    <a:p>
-                      <a:pPr latinLnBrk="1"/>
-                      <a:r>
-                        <a:rPr lang="en-US" altLang="ko-KR" sz="1100"/>
-                        <a:t>Input</a:t>
-                      </a:r>
-                      <a:endParaRPr lang="ko-KR" altLang="en-US" sz="1100"/>
-                    </a:p>
-                  </a:txBody>
-                  <a:tcPr/>
-                </a:tc>
-                <a:tc>
-                  <a:txBody>
-                    <a:bodyPr/>
-                    <a:lstStyle/>
-                    <a:p>
-                      <a:pPr latinLnBrk="1"/>
-                      <a:r>
-                        <a:rPr lang="en-US" altLang="ko-KR" sz="1100"/>
-                        <a:t>Output</a:t>
-                      </a:r>
-                      <a:endParaRPr lang="ko-KR" altLang="en-US" sz="1100"/>
-                    </a:p>
-                  </a:txBody>
-                  <a:tcPr/>
-                </a:tc>
-                <a:tc>
-                  <a:txBody>
-                    <a:bodyPr/>
-                    <a:lstStyle/>
-                    <a:p>
-                      <a:pPr latinLnBrk="1"/>
-                      <a:r>
-                        <a:rPr lang="en-US" altLang="ko-KR" sz="1100"/>
-                        <a:t>Job</a:t>
-                      </a:r>
-                      <a:endParaRPr lang="ko-KR" altLang="en-US" sz="1100"/>
-                    </a:p>
-                  </a:txBody>
-                  <a:tcPr/>
-                </a:tc>
-                <a:tc>
-                  <a:txBody>
-                    <a:bodyPr/>
-                    <a:lstStyle/>
-                    <a:p>
-                      <a:pPr latinLnBrk="1"/>
-                      <a:r>
-                        <a:rPr lang="en-US" altLang="ko-KR" sz="1100"/>
-                        <a:t>Func</a:t>
-                      </a:r>
-                      <a:endParaRPr lang="ko-KR" altLang="en-US" sz="1100"/>
-                    </a:p>
-                  </a:txBody>
-                  <a:tcPr/>
-                </a:tc>
-                <a:extLst>
-                  <a:ext uri="{0D108BD9-81ED-4DB2-BD59-A6C34878D82A}">
-                    <a16:rowId xmlns:a16="http://schemas.microsoft.com/office/drawing/2014/main" val="2063689300"/>
-                  </a:ext>
-                </a:extLst>
-              </a:tr>
-              <a:tr h="0">
-                <a:tc>
-                  <a:txBody>
-                    <a:bodyPr/>
-                    <a:lstStyle/>
-                    <a:p>
-                      <a:pPr latinLnBrk="1"/>
-                      <a:r>
-                        <a:rPr lang="ko-KR" altLang="en-US" sz="1100"/>
-                        <a:t>외부주소</a:t>
-                      </a:r>
-                    </a:p>
-                  </a:txBody>
-                  <a:tcPr/>
-                </a:tc>
-                <a:tc>
-                  <a:txBody>
-                    <a:bodyPr/>
-                    <a:lstStyle/>
-                    <a:p>
-                      <a:pPr latinLnBrk="1"/>
-                      <a:r>
-                        <a:rPr lang="en-US" altLang="ko-KR" sz="1100"/>
-                        <a:t>F2_CLP."+"</a:t>
-                      </a:r>
-                      <a:endParaRPr lang="ko-KR" altLang="en-US" sz="1100"/>
-                    </a:p>
-                  </a:txBody>
-                  <a:tcPr/>
-                </a:tc>
-                <a:tc>
-                  <a:txBody>
-                    <a:bodyPr/>
-                    <a:lstStyle/>
-                    <a:p>
-                      <a:pPr latinLnBrk="1"/>
-                      <a:r>
-                        <a:rPr lang="en-US" altLang="ko-KR" sz="1100"/>
-                        <a:t>bool</a:t>
-                      </a:r>
-                      <a:endParaRPr lang="ko-KR" altLang="en-US" sz="1100"/>
-                    </a:p>
-                  </a:txBody>
-                  <a:tcPr/>
-                </a:tc>
-                <a:tc>
-                  <a:txBody>
-                    <a:bodyPr/>
-                    <a:lstStyle/>
-                    <a:p>
-                      <a:pPr latinLnBrk="1"/>
-                      <a:r>
-                        <a:rPr lang="en-US" altLang="ko-KR" sz="1100"/>
-                        <a:t>I625.1</a:t>
-                      </a:r>
-                      <a:endParaRPr lang="ko-KR" altLang="en-US" sz="1100"/>
-                    </a:p>
-                  </a:txBody>
-                  <a:tcPr/>
-                </a:tc>
-                <a:tc>
-                  <a:txBody>
-                    <a:bodyPr/>
-                    <a:lstStyle/>
-                    <a:p>
-                      <a:pPr latinLnBrk="1"/>
-                      <a:r>
-                        <a:rPr lang="en-US" altLang="ko-KR" sz="1100"/>
-                        <a:t>O625.1</a:t>
-                      </a:r>
-                      <a:endParaRPr lang="ko-KR" altLang="en-US" sz="1100"/>
-                    </a:p>
-                  </a:txBody>
-                  <a:tcPr/>
-                </a:tc>
-                <a:tc>
-                  <a:txBody>
-                    <a:bodyPr/>
-                    <a:lstStyle/>
-                    <a:p>
-                      <a:pPr latinLnBrk="1"/>
-                      <a:r>
-                        <a:rPr lang="en-US" altLang="ko-KR" sz="1100"/>
-                        <a:t>F2_CLP_+</a:t>
-                      </a:r>
-                      <a:endParaRPr lang="ko-KR" altLang="en-US" sz="1100"/>
-                    </a:p>
-                  </a:txBody>
-                  <a:tcPr/>
-                </a:tc>
-                <a:tc>
-                  <a:txBody>
-                    <a:bodyPr/>
-                    <a:lstStyle/>
-                    <a:p>
-                      <a:pPr latinLnBrk="1"/>
-                      <a:endParaRPr lang="ko-KR" altLang="en-US" sz="1100"/>
-                    </a:p>
-                  </a:txBody>
-                  <a:tcPr/>
-                </a:tc>
-                <a:extLst>
-                  <a:ext uri="{0D108BD9-81ED-4DB2-BD59-A6C34878D82A}">
-                    <a16:rowId xmlns:a16="http://schemas.microsoft.com/office/drawing/2014/main" val="3014701424"/>
-                  </a:ext>
-                </a:extLst>
-              </a:tr>
-              <a:tr h="0">
-                <a:tc>
-                  <a:txBody>
-                    <a:bodyPr/>
-                    <a:lstStyle/>
-                    <a:p>
-                      <a:pPr latinLnBrk="1"/>
-                      <a:r>
-                        <a:rPr lang="ko-KR" altLang="en-US" sz="1100"/>
-                        <a:t>외부주소</a:t>
-                      </a:r>
-                    </a:p>
-                  </a:txBody>
-                  <a:tcPr/>
-                </a:tc>
-                <a:tc>
-                  <a:txBody>
-                    <a:bodyPr/>
-                    <a:lstStyle/>
-                    <a:p>
-                      <a:pPr latinLnBrk="1"/>
-                      <a:r>
-                        <a:rPr lang="en-US" altLang="ko-KR" sz="1100"/>
-                        <a:t>F2_CLP."-"</a:t>
-                      </a:r>
-                      <a:endParaRPr lang="ko-KR" altLang="en-US" sz="1100"/>
-                    </a:p>
-                  </a:txBody>
-                  <a:tcPr/>
-                </a:tc>
-                <a:tc>
-                  <a:txBody>
-                    <a:bodyPr/>
-                    <a:lstStyle/>
-                    <a:p>
-                      <a:pPr latinLnBrk="1"/>
-                      <a:r>
-                        <a:rPr lang="en-US" altLang="ko-KR" sz="1100"/>
-                        <a:t>bool</a:t>
-                      </a:r>
-                      <a:endParaRPr lang="ko-KR" altLang="en-US" sz="1100"/>
-                    </a:p>
-                  </a:txBody>
-                  <a:tcPr/>
-                </a:tc>
-                <a:tc>
-                  <a:txBody>
-                    <a:bodyPr/>
-                    <a:lstStyle/>
-                    <a:p>
-                      <a:pPr latinLnBrk="1"/>
-                      <a:r>
-                        <a:rPr lang="en-US" altLang="ko-KR" sz="1100"/>
-                        <a:t>I625.2</a:t>
-                      </a:r>
-                      <a:endParaRPr lang="ko-KR" altLang="en-US" sz="1100"/>
-                    </a:p>
-                  </a:txBody>
-                  <a:tcPr/>
-                </a:tc>
-                <a:tc>
-                  <a:txBody>
-                    <a:bodyPr/>
-                    <a:lstStyle/>
-                    <a:p>
-                      <a:pPr latinLnBrk="1"/>
-                      <a:r>
-                        <a:rPr lang="en-US" altLang="ko-KR" sz="1100"/>
-                        <a:t>O625.2</a:t>
-                      </a:r>
-                      <a:endParaRPr lang="ko-KR" altLang="en-US" sz="1100"/>
-                    </a:p>
-                  </a:txBody>
-                  <a:tcPr/>
-                </a:tc>
-                <a:tc>
-                  <a:txBody>
-                    <a:bodyPr/>
-                    <a:lstStyle/>
-                    <a:p>
-                      <a:pPr latinLnBrk="1"/>
-                      <a:r>
-                        <a:rPr lang="en-US" altLang="ko-KR" sz="1100"/>
-                        <a:t>F2_CLP_-</a:t>
-                      </a:r>
-                      <a:endParaRPr lang="ko-KR" altLang="en-US" sz="1100"/>
-                    </a:p>
-                  </a:txBody>
-                  <a:tcPr/>
-                </a:tc>
-                <a:tc>
-                  <a:txBody>
-                    <a:bodyPr/>
-                    <a:lstStyle/>
-                    <a:p>
-                      <a:pPr latinLnBrk="1"/>
-                      <a:endParaRPr lang="ko-KR" altLang="en-US" sz="1100"/>
-                    </a:p>
-                  </a:txBody>
-                  <a:tcPr/>
-                </a:tc>
-                <a:extLst>
-                  <a:ext uri="{0D108BD9-81ED-4DB2-BD59-A6C34878D82A}">
-                    <a16:rowId xmlns:a16="http://schemas.microsoft.com/office/drawing/2014/main" val="2658622021"/>
-                  </a:ext>
-                </a:extLst>
-              </a:tr>
-              <a:tr h="0">
-                <a:tc>
-                  <a:txBody>
-                    <a:bodyPr/>
-                    <a:lstStyle/>
-                    <a:p>
-                      <a:pPr latinLnBrk="1"/>
-                      <a:endParaRPr lang="ko-KR" altLang="en-US" sz="1100"/>
-                    </a:p>
-                  </a:txBody>
-                  <a:tcPr/>
-                </a:tc>
-                <a:tc>
-                  <a:txBody>
-                    <a:bodyPr/>
-                    <a:lstStyle/>
-                    <a:p>
-                      <a:pPr latinLnBrk="1"/>
-                      <a:endParaRPr lang="ko-KR" altLang="en-US" sz="1100"/>
-                    </a:p>
-                  </a:txBody>
-                  <a:tcPr/>
-                </a:tc>
-                <a:tc>
-                  <a:txBody>
-                    <a:bodyPr/>
-                    <a:lstStyle/>
-                    <a:p>
-                      <a:pPr latinLnBrk="1"/>
-                      <a:endParaRPr lang="ko-KR" altLang="en-US" sz="1100"/>
-                    </a:p>
-                  </a:txBody>
-                  <a:tcPr/>
-                </a:tc>
-                <a:tc>
-                  <a:txBody>
-                    <a:bodyPr/>
-                    <a:lstStyle/>
-                    <a:p>
-                      <a:pPr latinLnBrk="1"/>
-                      <a:endParaRPr lang="ko-KR" altLang="en-US" sz="1100"/>
-                    </a:p>
-                  </a:txBody>
-                  <a:tcPr/>
-                </a:tc>
-                <a:tc>
-                  <a:txBody>
-                    <a:bodyPr/>
-                    <a:lstStyle/>
-                    <a:p>
-                      <a:pPr latinLnBrk="1"/>
-                      <a:endParaRPr lang="ko-KR" altLang="en-US" sz="1100"/>
-                    </a:p>
-                  </a:txBody>
-                  <a:tcPr/>
-                </a:tc>
-                <a:tc>
-                  <a:txBody>
-                    <a:bodyPr/>
-                    <a:lstStyle/>
-                    <a:p>
-                      <a:pPr latinLnBrk="1"/>
-                      <a:endParaRPr lang="ko-KR" altLang="en-US" sz="1100"/>
-                    </a:p>
-                  </a:txBody>
-                  <a:tcPr/>
-                </a:tc>
-                <a:tc>
-                  <a:txBody>
-                    <a:bodyPr/>
-                    <a:lstStyle/>
-                    <a:p>
-                      <a:pPr latinLnBrk="1"/>
-                      <a:endParaRPr lang="ko-KR" altLang="en-US" sz="1100"/>
-                    </a:p>
-                  </a:txBody>
-                  <a:tcPr/>
-                </a:tc>
-                <a:extLst>
-                  <a:ext uri="{0D108BD9-81ED-4DB2-BD59-A6C34878D82A}">
-                    <a16:rowId xmlns:a16="http://schemas.microsoft.com/office/drawing/2014/main" val="3479657772"/>
-                  </a:ext>
-                </a:extLst>
-              </a:tr>
-              <a:tr h="0">
-                <a:tc>
-                  <a:txBody>
-                    <a:bodyPr/>
-                    <a:lstStyle/>
-                    <a:p>
-                      <a:pPr latinLnBrk="1"/>
-                      <a:endParaRPr lang="ko-KR" altLang="en-US" sz="1100"/>
-                    </a:p>
-                  </a:txBody>
-                  <a:tcPr/>
-                </a:tc>
-                <a:tc>
-                  <a:txBody>
-                    <a:bodyPr/>
-                    <a:lstStyle/>
-                    <a:p>
-                      <a:pPr latinLnBrk="1"/>
-                      <a:endParaRPr lang="ko-KR" altLang="en-US" sz="1100"/>
-                    </a:p>
-                  </a:txBody>
-                  <a:tcPr/>
-                </a:tc>
-                <a:tc>
-                  <a:txBody>
-                    <a:bodyPr/>
-                    <a:lstStyle/>
-                    <a:p>
-                      <a:pPr latinLnBrk="1"/>
-                      <a:endParaRPr lang="ko-KR" altLang="en-US" sz="1100"/>
-                    </a:p>
-                  </a:txBody>
-                  <a:tcPr/>
-                </a:tc>
-                <a:tc>
-                  <a:txBody>
-                    <a:bodyPr/>
-                    <a:lstStyle/>
-                    <a:p>
-                      <a:pPr latinLnBrk="1"/>
-                      <a:endParaRPr lang="ko-KR" altLang="en-US" sz="1100"/>
-                    </a:p>
-                  </a:txBody>
-                  <a:tcPr/>
-                </a:tc>
-                <a:tc>
-                  <a:txBody>
-                    <a:bodyPr/>
-                    <a:lstStyle/>
-                    <a:p>
-                      <a:pPr latinLnBrk="1"/>
-                      <a:endParaRPr lang="ko-KR" altLang="en-US" sz="1100"/>
-                    </a:p>
-                  </a:txBody>
-                  <a:tcPr/>
-                </a:tc>
-                <a:tc>
-                  <a:txBody>
-                    <a:bodyPr/>
-                    <a:lstStyle/>
-                    <a:p>
-                      <a:pPr latinLnBrk="1"/>
-                      <a:endParaRPr lang="ko-KR" altLang="en-US" sz="1100"/>
-                    </a:p>
-                  </a:txBody>
-                  <a:tcPr/>
-                </a:tc>
-                <a:tc>
-                  <a:txBody>
-                    <a:bodyPr/>
-                    <a:lstStyle/>
-                    <a:p>
-                      <a:pPr latinLnBrk="1"/>
-                      <a:endParaRPr lang="ko-KR" altLang="en-US" sz="1100"/>
-                    </a:p>
-                  </a:txBody>
-                  <a:tcPr/>
-                </a:tc>
-                <a:extLst>
-                  <a:ext uri="{0D108BD9-81ED-4DB2-BD59-A6C34878D82A}">
-                    <a16:rowId xmlns:a16="http://schemas.microsoft.com/office/drawing/2014/main" val="4106308594"/>
-                  </a:ext>
-                </a:extLst>
-              </a:tr>
-              <a:tr h="0">
-                <a:tc>
-                  <a:txBody>
-                    <a:bodyPr/>
-                    <a:lstStyle/>
-                    <a:p>
-                      <a:pPr latinLnBrk="1"/>
-                      <a:endParaRPr lang="ko-KR" altLang="en-US" sz="1100"/>
-                    </a:p>
-                  </a:txBody>
-                  <a:tcPr/>
-                </a:tc>
-                <a:tc>
-                  <a:txBody>
-                    <a:bodyPr/>
-                    <a:lstStyle/>
-                    <a:p>
-                      <a:pPr latinLnBrk="1"/>
-                      <a:endParaRPr lang="ko-KR" altLang="en-US" sz="1100"/>
-                    </a:p>
-                  </a:txBody>
-                  <a:tcPr/>
-                </a:tc>
-                <a:tc>
-                  <a:txBody>
-                    <a:bodyPr/>
-                    <a:lstStyle/>
-                    <a:p>
-                      <a:pPr latinLnBrk="1"/>
-                      <a:endParaRPr lang="ko-KR" altLang="en-US" sz="1100"/>
-                    </a:p>
-                  </a:txBody>
-                  <a:tcPr/>
-                </a:tc>
-                <a:tc>
-                  <a:txBody>
-                    <a:bodyPr/>
-                    <a:lstStyle/>
-                    <a:p>
-                      <a:pPr latinLnBrk="1"/>
-                      <a:endParaRPr lang="ko-KR" altLang="en-US" sz="1100"/>
-                    </a:p>
-                  </a:txBody>
-                  <a:tcPr/>
-                </a:tc>
-                <a:tc>
-                  <a:txBody>
-                    <a:bodyPr/>
-                    <a:lstStyle/>
-                    <a:p>
-                      <a:pPr latinLnBrk="1"/>
-                      <a:endParaRPr lang="ko-KR" altLang="en-US" sz="1100"/>
-                    </a:p>
-                  </a:txBody>
-                  <a:tcPr/>
-                </a:tc>
-                <a:tc>
-                  <a:txBody>
-                    <a:bodyPr/>
-                    <a:lstStyle/>
-                    <a:p>
-                      <a:pPr latinLnBrk="1"/>
-                      <a:endParaRPr lang="ko-KR" altLang="en-US" sz="1100"/>
-                    </a:p>
-                  </a:txBody>
-                  <a:tcPr/>
-                </a:tc>
-                <a:tc>
-                  <a:txBody>
-                    <a:bodyPr/>
-                    <a:lstStyle/>
-                    <a:p>
-                      <a:pPr latinLnBrk="1"/>
-                      <a:endParaRPr lang="ko-KR" altLang="en-US" sz="1100"/>
-                    </a:p>
-                  </a:txBody>
-                  <a:tcPr/>
-                </a:tc>
-                <a:extLst>
-                  <a:ext uri="{0D108BD9-81ED-4DB2-BD59-A6C34878D82A}">
-                    <a16:rowId xmlns:a16="http://schemas.microsoft.com/office/drawing/2014/main" val="1336343278"/>
-                  </a:ext>
-                </a:extLst>
-              </a:tr>
-              <a:tr h="0">
-                <a:tc>
-                  <a:txBody>
-                    <a:bodyPr/>
-                    <a:lstStyle/>
-                    <a:p>
-                      <a:pPr latinLnBrk="1"/>
-                      <a:endParaRPr lang="ko-KR" altLang="en-US" sz="1100"/>
-                    </a:p>
-                  </a:txBody>
-                  <a:tcPr/>
-                </a:tc>
-                <a:tc>
-                  <a:txBody>
-                    <a:bodyPr/>
-                    <a:lstStyle/>
-                    <a:p>
-                      <a:pPr latinLnBrk="1"/>
-                      <a:endParaRPr lang="ko-KR" altLang="en-US" sz="1100"/>
-                    </a:p>
-                  </a:txBody>
-                  <a:tcPr/>
-                </a:tc>
-                <a:tc>
-                  <a:txBody>
-                    <a:bodyPr/>
-                    <a:lstStyle/>
-                    <a:p>
-                      <a:pPr latinLnBrk="1"/>
-                      <a:endParaRPr lang="ko-KR" altLang="en-US" sz="1100"/>
-                    </a:p>
-                  </a:txBody>
-                  <a:tcPr/>
-                </a:tc>
-                <a:tc>
-                  <a:txBody>
-                    <a:bodyPr/>
-                    <a:lstStyle/>
-                    <a:p>
-                      <a:pPr latinLnBrk="1"/>
-                      <a:endParaRPr lang="ko-KR" altLang="en-US" sz="1100"/>
-                    </a:p>
-                  </a:txBody>
-                  <a:tcPr/>
-                </a:tc>
-                <a:tc>
-                  <a:txBody>
-                    <a:bodyPr/>
-                    <a:lstStyle/>
-                    <a:p>
-                      <a:pPr latinLnBrk="1"/>
-                      <a:endParaRPr lang="ko-KR" altLang="en-US" sz="1100"/>
-                    </a:p>
-                  </a:txBody>
-                  <a:tcPr/>
-                </a:tc>
-                <a:tc>
-                  <a:txBody>
-                    <a:bodyPr/>
-                    <a:lstStyle/>
-                    <a:p>
-                      <a:pPr latinLnBrk="1"/>
-                      <a:endParaRPr lang="ko-KR" altLang="en-US" sz="1100"/>
-                    </a:p>
-                  </a:txBody>
-                  <a:tcPr/>
-                </a:tc>
-                <a:tc>
-                  <a:txBody>
-                    <a:bodyPr/>
-                    <a:lstStyle/>
-                    <a:p>
-                      <a:pPr latinLnBrk="1"/>
-                      <a:endParaRPr lang="ko-KR" altLang="en-US" sz="1100"/>
-                    </a:p>
-                  </a:txBody>
-                  <a:tcPr/>
-                </a:tc>
-                <a:extLst>
-                  <a:ext uri="{0D108BD9-81ED-4DB2-BD59-A6C34878D82A}">
-                    <a16:rowId xmlns:a16="http://schemas.microsoft.com/office/drawing/2014/main" val="3759111006"/>
-                  </a:ext>
-                </a:extLst>
-              </a:tr>
-              <a:tr h="0">
-                <a:tc>
-                  <a:txBody>
-                    <a:bodyPr/>
-                    <a:lstStyle/>
-                    <a:p>
-                      <a:pPr latinLnBrk="1"/>
-                      <a:endParaRPr lang="ko-KR" altLang="en-US" sz="1100"/>
-                    </a:p>
-                  </a:txBody>
-                  <a:tcPr/>
-                </a:tc>
-                <a:tc>
-                  <a:txBody>
-                    <a:bodyPr/>
-                    <a:lstStyle/>
-                    <a:p>
-                      <a:pPr latinLnBrk="1"/>
-                      <a:endParaRPr lang="ko-KR" altLang="en-US" sz="1100"/>
-                    </a:p>
-                  </a:txBody>
-                  <a:tcPr/>
-                </a:tc>
-                <a:tc>
-                  <a:txBody>
-                    <a:bodyPr/>
-                    <a:lstStyle/>
-                    <a:p>
-                      <a:pPr latinLnBrk="1"/>
-                      <a:endParaRPr lang="ko-KR" altLang="en-US" sz="1100"/>
-                    </a:p>
-                  </a:txBody>
-                  <a:tcPr/>
-                </a:tc>
-                <a:tc>
-                  <a:txBody>
-                    <a:bodyPr/>
-                    <a:lstStyle/>
-                    <a:p>
-                      <a:pPr latinLnBrk="1"/>
-                      <a:endParaRPr lang="ko-KR" altLang="en-US" sz="1100"/>
-                    </a:p>
-                  </a:txBody>
-                  <a:tcPr/>
-                </a:tc>
-                <a:tc>
-                  <a:txBody>
-                    <a:bodyPr/>
-                    <a:lstStyle/>
-                    <a:p>
-                      <a:pPr latinLnBrk="1"/>
-                      <a:endParaRPr lang="ko-KR" altLang="en-US" sz="1100"/>
-                    </a:p>
-                  </a:txBody>
-                  <a:tcPr/>
-                </a:tc>
-                <a:tc>
-                  <a:txBody>
-                    <a:bodyPr/>
-                    <a:lstStyle/>
-                    <a:p>
-                      <a:pPr latinLnBrk="1"/>
-                      <a:endParaRPr lang="ko-KR" altLang="en-US" sz="1100"/>
-                    </a:p>
-                  </a:txBody>
-                  <a:tcPr/>
-                </a:tc>
-                <a:tc>
-                  <a:txBody>
-                    <a:bodyPr/>
-                    <a:lstStyle/>
-                    <a:p>
-                      <a:pPr latinLnBrk="1"/>
-                      <a:endParaRPr lang="ko-KR" altLang="en-US" sz="1100"/>
-                    </a:p>
-                  </a:txBody>
-                  <a:tcPr/>
-                </a:tc>
-                <a:extLst>
-                  <a:ext uri="{0D108BD9-81ED-4DB2-BD59-A6C34878D82A}">
-                    <a16:rowId xmlns:a16="http://schemas.microsoft.com/office/drawing/2014/main" val="3836707370"/>
-                  </a:ext>
-                </a:extLst>
-              </a:tr>
-              <a:tr h="0">
-                <a:tc>
-                  <a:txBody>
-                    <a:bodyPr/>
-                    <a:lstStyle/>
-                    <a:p>
-                      <a:pPr latinLnBrk="1"/>
-                      <a:endParaRPr lang="ko-KR" altLang="en-US" sz="1100"/>
-                    </a:p>
-                  </a:txBody>
-                  <a:tcPr/>
-                </a:tc>
-                <a:tc>
-                  <a:txBody>
-                    <a:bodyPr/>
-                    <a:lstStyle/>
-                    <a:p>
-                      <a:pPr latinLnBrk="1"/>
-                      <a:endParaRPr lang="ko-KR" altLang="en-US" sz="1100"/>
-                    </a:p>
-                  </a:txBody>
-                  <a:tcPr/>
-                </a:tc>
-                <a:tc>
-                  <a:txBody>
-                    <a:bodyPr/>
-                    <a:lstStyle/>
-                    <a:p>
-                      <a:pPr latinLnBrk="1"/>
-                      <a:endParaRPr lang="ko-KR" altLang="en-US" sz="1100"/>
-                    </a:p>
-                  </a:txBody>
-                  <a:tcPr/>
-                </a:tc>
-                <a:tc>
-                  <a:txBody>
-                    <a:bodyPr/>
-                    <a:lstStyle/>
-                    <a:p>
-                      <a:pPr latinLnBrk="1"/>
-                      <a:endParaRPr lang="ko-KR" altLang="en-US" sz="1100"/>
-                    </a:p>
-                  </a:txBody>
-                  <a:tcPr/>
-                </a:tc>
-                <a:tc>
-                  <a:txBody>
-                    <a:bodyPr/>
-                    <a:lstStyle/>
-                    <a:p>
-                      <a:pPr latinLnBrk="1"/>
-                      <a:endParaRPr lang="ko-KR" altLang="en-US" sz="1100"/>
-                    </a:p>
-                  </a:txBody>
-                  <a:tcPr/>
-                </a:tc>
-                <a:tc>
-                  <a:txBody>
-                    <a:bodyPr/>
-                    <a:lstStyle/>
-                    <a:p>
-                      <a:pPr latinLnBrk="1"/>
-                      <a:endParaRPr lang="ko-KR" altLang="en-US" sz="1100"/>
-                    </a:p>
-                  </a:txBody>
-                  <a:tcPr/>
-                </a:tc>
-                <a:tc>
-                  <a:txBody>
-                    <a:bodyPr/>
-                    <a:lstStyle/>
-                    <a:p>
-                      <a:pPr latinLnBrk="1"/>
-                      <a:endParaRPr lang="ko-KR" altLang="en-US" sz="1100"/>
-                    </a:p>
-                  </a:txBody>
-                  <a:tcPr/>
-                </a:tc>
-                <a:extLst>
-                  <a:ext uri="{0D108BD9-81ED-4DB2-BD59-A6C34878D82A}">
-                    <a16:rowId xmlns:a16="http://schemas.microsoft.com/office/drawing/2014/main" val="3896715871"/>
-                  </a:ext>
-                </a:extLst>
-              </a:tr>
-              <a:tr h="0">
-                <a:tc>
-                  <a:txBody>
-                    <a:bodyPr/>
-                    <a:lstStyle/>
-                    <a:p>
-                      <a:pPr latinLnBrk="1"/>
-                      <a:r>
-                        <a:rPr lang="ko-KR" altLang="en-US" sz="1100"/>
-                        <a:t>내부변수</a:t>
-                      </a:r>
-                    </a:p>
-                  </a:txBody>
-                  <a:tcPr/>
-                </a:tc>
-                <a:tc>
-                  <a:txBody>
-                    <a:bodyPr/>
-                    <a:lstStyle/>
-                    <a:p>
-                      <a:pPr latinLnBrk="1"/>
-                      <a:endParaRPr lang="ko-KR" altLang="en-US" sz="1100"/>
-                    </a:p>
-                  </a:txBody>
-                  <a:tcPr/>
-                </a:tc>
-                <a:tc>
-                  <a:txBody>
-                    <a:bodyPr/>
-                    <a:lstStyle/>
-                    <a:p>
-                      <a:pPr latinLnBrk="1"/>
-                      <a:endParaRPr lang="ko-KR" altLang="en-US" sz="1100"/>
-                    </a:p>
-                  </a:txBody>
-                  <a:tcPr/>
-                </a:tc>
-                <a:tc>
-                  <a:txBody>
-                    <a:bodyPr/>
-                    <a:lstStyle/>
-                    <a:p>
-                      <a:pPr latinLnBrk="1"/>
-                      <a:endParaRPr lang="ko-KR" altLang="en-US" sz="1100"/>
-                    </a:p>
-                  </a:txBody>
-                  <a:tcPr/>
-                </a:tc>
-                <a:tc>
-                  <a:txBody>
-                    <a:bodyPr/>
-                    <a:lstStyle/>
-                    <a:p>
-                      <a:pPr latinLnBrk="1"/>
-                      <a:endParaRPr lang="ko-KR" altLang="en-US" sz="1100"/>
-                    </a:p>
-                  </a:txBody>
-                  <a:tcPr/>
-                </a:tc>
-                <a:tc>
-                  <a:txBody>
-                    <a:bodyPr/>
-                    <a:lstStyle/>
-                    <a:p>
-                      <a:pPr latinLnBrk="1"/>
-                      <a:endParaRPr lang="ko-KR" altLang="en-US" sz="1100"/>
-                    </a:p>
-                  </a:txBody>
-                  <a:tcPr/>
-                </a:tc>
-                <a:tc>
-                  <a:txBody>
-                    <a:bodyPr/>
-                    <a:lstStyle/>
-                    <a:p>
-                      <a:pPr latinLnBrk="1"/>
-                      <a:endParaRPr lang="ko-KR" altLang="en-US" sz="1100"/>
-                    </a:p>
-                  </a:txBody>
-                  <a:tcPr/>
-                </a:tc>
-                <a:extLst>
-                  <a:ext uri="{0D108BD9-81ED-4DB2-BD59-A6C34878D82A}">
-                    <a16:rowId xmlns:a16="http://schemas.microsoft.com/office/drawing/2014/main" val="2801650771"/>
-                  </a:ext>
-                </a:extLst>
-              </a:tr>
-              <a:tr h="0">
-                <a:tc>
-                  <a:txBody>
-                    <a:bodyPr/>
-                    <a:lstStyle/>
-                    <a:p>
-                      <a:pPr latinLnBrk="1"/>
-                      <a:endParaRPr lang="ko-KR" altLang="en-US" sz="1100"/>
-                    </a:p>
-                  </a:txBody>
-                  <a:tcPr/>
-                </a:tc>
-                <a:tc>
-                  <a:txBody>
-                    <a:bodyPr/>
-                    <a:lstStyle/>
-                    <a:p>
-                      <a:pPr latinLnBrk="1"/>
-                      <a:endParaRPr lang="ko-KR" altLang="en-US" sz="1100"/>
-                    </a:p>
-                  </a:txBody>
-                  <a:tcPr/>
-                </a:tc>
-                <a:tc>
-                  <a:txBody>
-                    <a:bodyPr/>
-                    <a:lstStyle/>
-                    <a:p>
-                      <a:pPr latinLnBrk="1"/>
-                      <a:endParaRPr lang="ko-KR" altLang="en-US" sz="1100"/>
-                    </a:p>
-                  </a:txBody>
-                  <a:tcPr/>
-                </a:tc>
-                <a:tc>
-                  <a:txBody>
-                    <a:bodyPr/>
-                    <a:lstStyle/>
-                    <a:p>
-                      <a:pPr latinLnBrk="1"/>
-                      <a:endParaRPr lang="ko-KR" altLang="en-US" sz="1100"/>
-                    </a:p>
-                  </a:txBody>
-                  <a:tcPr/>
-                </a:tc>
-                <a:tc>
-                  <a:txBody>
-                    <a:bodyPr/>
-                    <a:lstStyle/>
-                    <a:p>
-                      <a:pPr latinLnBrk="1"/>
-                      <a:endParaRPr lang="ko-KR" altLang="en-US" sz="1100"/>
-                    </a:p>
-                  </a:txBody>
-                  <a:tcPr/>
-                </a:tc>
-                <a:tc>
-                  <a:txBody>
-                    <a:bodyPr/>
-                    <a:lstStyle/>
-                    <a:p>
-                      <a:pPr latinLnBrk="1"/>
-                      <a:endParaRPr lang="ko-KR" altLang="en-US" sz="1100"/>
-                    </a:p>
-                  </a:txBody>
-                  <a:tcPr/>
-                </a:tc>
-                <a:tc>
-                  <a:txBody>
-                    <a:bodyPr/>
-                    <a:lstStyle/>
-                    <a:p>
-                      <a:pPr latinLnBrk="1"/>
-                      <a:endParaRPr lang="ko-KR" altLang="en-US" sz="1100"/>
-                    </a:p>
-                  </a:txBody>
-                  <a:tcPr/>
-                </a:tc>
-                <a:extLst>
-                  <a:ext uri="{0D108BD9-81ED-4DB2-BD59-A6C34878D82A}">
-                    <a16:rowId xmlns:a16="http://schemas.microsoft.com/office/drawing/2014/main" val="1481591092"/>
-                  </a:ext>
-                </a:extLst>
-              </a:tr>
-            </a:tbl>
-          </a:graphicData>
-        </a:graphic>
-      </p:graphicFrame>
-    </p:spTree>
-    <p:extLst>
-      <p:ext uri="{BB962C8B-B14F-4D97-AF65-F5344CB8AC3E}">
-        <p14:creationId xmlns:p14="http://schemas.microsoft.com/office/powerpoint/2010/main" val="1912563802"/>
-      </p:ext>
-    </p:extLst>
-  </p:cSld>
-  <p:clrMapOvr>
-    <a:masterClrMapping/>
-  </p:clrMapOvr>
-</p:sld>
-</file>
-
 <file path=ppt/theme/theme1.xml><?xml version="1.0" encoding="utf-8"?>
 <a:theme xmlns:a="http://schemas.openxmlformats.org/drawingml/2006/main" name="Office 테마">
   <a:themeElements>

--- a/DsDotNet/src/UnitTest/UnitTest.Model/ImportOfficeExample/exportDS/testA/lib/dev.pptx
+++ b/DsDotNet/src/UnitTest/UnitTest.Model/ImportOfficeExample/exportDS/testA/lib/dev.pptx
@@ -261,7 +261,7 @@
           <a:p>
             <a:fld id="{E31A602F-9409-4B9A-9D14-798E704D8577}" type="datetimeFigureOut">
               <a:rPr lang="ko-KR" altLang="en-US" smtClean="0"/>
-              <a:t>2023-11-16</a:t>
+              <a:t>2024-01-02</a:t>
             </a:fld>
             <a:endParaRPr lang="ko-KR" altLang="en-US"/>
           </a:p>
@@ -459,7 +459,7 @@
           <a:p>
             <a:fld id="{E31A602F-9409-4B9A-9D14-798E704D8577}" type="datetimeFigureOut">
               <a:rPr lang="ko-KR" altLang="en-US" smtClean="0"/>
-              <a:t>2023-11-16</a:t>
+              <a:t>2024-01-02</a:t>
             </a:fld>
             <a:endParaRPr lang="ko-KR" altLang="en-US"/>
           </a:p>
@@ -667,7 +667,7 @@
           <a:p>
             <a:fld id="{E31A602F-9409-4B9A-9D14-798E704D8577}" type="datetimeFigureOut">
               <a:rPr lang="ko-KR" altLang="en-US" smtClean="0"/>
-              <a:t>2023-11-16</a:t>
+              <a:t>2024-01-02</a:t>
             </a:fld>
             <a:endParaRPr lang="ko-KR" altLang="en-US"/>
           </a:p>
@@ -865,7 +865,7 @@
           <a:p>
             <a:fld id="{E31A602F-9409-4B9A-9D14-798E704D8577}" type="datetimeFigureOut">
               <a:rPr lang="ko-KR" altLang="en-US" smtClean="0"/>
-              <a:t>2023-11-16</a:t>
+              <a:t>2024-01-02</a:t>
             </a:fld>
             <a:endParaRPr lang="ko-KR" altLang="en-US"/>
           </a:p>
@@ -1140,7 +1140,7 @@
           <a:p>
             <a:fld id="{E31A602F-9409-4B9A-9D14-798E704D8577}" type="datetimeFigureOut">
               <a:rPr lang="ko-KR" altLang="en-US" smtClean="0"/>
-              <a:t>2023-11-16</a:t>
+              <a:t>2024-01-02</a:t>
             </a:fld>
             <a:endParaRPr lang="ko-KR" altLang="en-US"/>
           </a:p>
@@ -1405,7 +1405,7 @@
           <a:p>
             <a:fld id="{E31A602F-9409-4B9A-9D14-798E704D8577}" type="datetimeFigureOut">
               <a:rPr lang="ko-KR" altLang="en-US" smtClean="0"/>
-              <a:t>2023-11-16</a:t>
+              <a:t>2024-01-02</a:t>
             </a:fld>
             <a:endParaRPr lang="ko-KR" altLang="en-US"/>
           </a:p>
@@ -1817,7 +1817,7 @@
           <a:p>
             <a:fld id="{E31A602F-9409-4B9A-9D14-798E704D8577}" type="datetimeFigureOut">
               <a:rPr lang="ko-KR" altLang="en-US" smtClean="0"/>
-              <a:t>2023-11-16</a:t>
+              <a:t>2024-01-02</a:t>
             </a:fld>
             <a:endParaRPr lang="ko-KR" altLang="en-US"/>
           </a:p>
@@ -1958,7 +1958,7 @@
           <a:p>
             <a:fld id="{E31A602F-9409-4B9A-9D14-798E704D8577}" type="datetimeFigureOut">
               <a:rPr lang="ko-KR" altLang="en-US" smtClean="0"/>
-              <a:t>2023-11-16</a:t>
+              <a:t>2024-01-02</a:t>
             </a:fld>
             <a:endParaRPr lang="ko-KR" altLang="en-US"/>
           </a:p>
@@ -2071,7 +2071,7 @@
           <a:p>
             <a:fld id="{E31A602F-9409-4B9A-9D14-798E704D8577}" type="datetimeFigureOut">
               <a:rPr lang="ko-KR" altLang="en-US" smtClean="0"/>
-              <a:t>2023-11-16</a:t>
+              <a:t>2024-01-02</a:t>
             </a:fld>
             <a:endParaRPr lang="ko-KR" altLang="en-US"/>
           </a:p>
@@ -2382,7 +2382,7 @@
           <a:p>
             <a:fld id="{E31A602F-9409-4B9A-9D14-798E704D8577}" type="datetimeFigureOut">
               <a:rPr lang="ko-KR" altLang="en-US" smtClean="0"/>
-              <a:t>2023-11-16</a:t>
+              <a:t>2024-01-02</a:t>
             </a:fld>
             <a:endParaRPr lang="ko-KR" altLang="en-US"/>
           </a:p>
@@ -2670,7 +2670,7 @@
           <a:p>
             <a:fld id="{E31A602F-9409-4B9A-9D14-798E704D8577}" type="datetimeFigureOut">
               <a:rPr lang="ko-KR" altLang="en-US" smtClean="0"/>
-              <a:t>2023-11-16</a:t>
+              <a:t>2024-01-02</a:t>
             </a:fld>
             <a:endParaRPr lang="ko-KR" altLang="en-US"/>
           </a:p>
@@ -2911,7 +2911,7 @@
           <a:p>
             <a:fld id="{E31A602F-9409-4B9A-9D14-798E704D8577}" type="datetimeFigureOut">
               <a:rPr lang="ko-KR" altLang="en-US" smtClean="0"/>
-              <a:t>2023-11-16</a:t>
+              <a:t>2024-01-02</a:t>
             </a:fld>
             <a:endParaRPr lang="ko-KR" altLang="en-US"/>
           </a:p>
@@ -3455,7 +3455,7 @@
         </p:nvSpPr>
         <p:spPr>
           <a:xfrm>
-            <a:off x="2414788" y="2041301"/>
+            <a:off x="1847044" y="2233364"/>
             <a:ext cx="1146220" cy="1191296"/>
           </a:xfrm>
           <a:prstGeom prst="rect">
@@ -3509,8 +3509,8 @@
         </p:nvCxnSpPr>
         <p:spPr>
           <a:xfrm>
-            <a:off x="3561008" y="2636949"/>
-            <a:ext cx="650939" cy="1983178"/>
+            <a:off x="2993264" y="2829012"/>
+            <a:ext cx="1171058" cy="1397179"/>
           </a:xfrm>
           <a:prstGeom prst="straightConnector1">
             <a:avLst/>
@@ -3721,10 +3721,10 @@
       </p:sp>
       <p:grpSp>
         <p:nvGrpSpPr>
-          <p:cNvPr id="9" name="그룹 8">
-            <a:extLst>
-              <a:ext uri="{FF2B5EF4-FFF2-40B4-BE49-F238E27FC236}">
-                <a16:creationId xmlns:a16="http://schemas.microsoft.com/office/drawing/2014/main" id="{6C683369-408F-9823-2F3E-EE92A293A775}"/>
+          <p:cNvPr id="5" name="그룹 4">
+            <a:extLst>
+              <a:ext uri="{FF2B5EF4-FFF2-40B4-BE49-F238E27FC236}">
+                <a16:creationId xmlns:a16="http://schemas.microsoft.com/office/drawing/2014/main" id="{9A8940DC-8DCB-771E-930E-5F1479E13DEF}"/>
               </a:ext>
             </a:extLst>
           </p:cNvPr>
@@ -3733,9 +3733,9 @@
         </p:nvGrpSpPr>
         <p:grpSpPr>
           <a:xfrm>
-            <a:off x="4211947" y="2550016"/>
+            <a:off x="4164322" y="2156080"/>
             <a:ext cx="7302320" cy="4140222"/>
-            <a:chOff x="936941" y="1358889"/>
+            <a:chOff x="4211947" y="2550016"/>
             <a:chExt cx="7302320" cy="4140222"/>
           </a:xfrm>
         </p:grpSpPr>
@@ -3753,7 +3753,7 @@
           </p:nvSpPr>
           <p:spPr>
             <a:xfrm>
-              <a:off x="936941" y="1358889"/>
+              <a:off x="4211947" y="2550016"/>
               <a:ext cx="7302320" cy="4140222"/>
             </a:xfrm>
             <a:prstGeom prst="rect">
@@ -3782,10 +3782,10 @@
             <a:p>
               <a:pPr algn="ctr"/>
               <a:r>
-                <a:rPr lang="en-US" altLang="ko-KR" dirty="0"/>
+                <a:rPr lang="en-US" altLang="ko-KR" u="sng" dirty="0"/>
                 <a:t>RET</a:t>
               </a:r>
-              <a:endParaRPr lang="ko-KR" altLang="en-US" dirty="0"/>
+              <a:endParaRPr lang="ko-KR" altLang="en-US" u="sng" dirty="0"/>
             </a:p>
           </p:txBody>
         </p:sp>
@@ -3803,7 +3803,7 @@
           </p:nvSpPr>
           <p:spPr>
             <a:xfrm>
-              <a:off x="1551904" y="2256302"/>
+              <a:off x="6143625" y="3346547"/>
               <a:ext cx="1506828" cy="944098"/>
             </a:xfrm>
             <a:prstGeom prst="ellipse">
@@ -3853,7 +3853,7 @@
           </p:nvSpPr>
           <p:spPr>
             <a:xfrm>
-              <a:off x="5632361" y="3640781"/>
+              <a:off x="8907367" y="4831908"/>
               <a:ext cx="1506828" cy="944098"/>
             </a:xfrm>
             <a:prstGeom prst="ellipse">
@@ -3906,8 +3906,8 @@
           </p:nvCxnSpPr>
           <p:spPr>
             <a:xfrm>
-              <a:off x="3058732" y="2728351"/>
-              <a:ext cx="2573629" cy="1384479"/>
+              <a:off x="7650453" y="3818596"/>
+              <a:ext cx="1256914" cy="1485361"/>
             </a:xfrm>
             <a:prstGeom prst="bentConnector3">
               <a:avLst/>

--- a/DsDotNet/src/UnitTest/UnitTest.Model/ImportOfficeExample/exportDS/testA/lib/dev.pptx
+++ b/DsDotNet/src/UnitTest/UnitTest.Model/ImportOfficeExample/exportDS/testA/lib/dev.pptx
@@ -261,7 +261,7 @@
           <a:p>
             <a:fld id="{E31A602F-9409-4B9A-9D14-798E704D8577}" type="datetimeFigureOut">
               <a:rPr lang="ko-KR" altLang="en-US" smtClean="0"/>
-              <a:t>2024-01-02</a:t>
+              <a:t>2024-02-08</a:t>
             </a:fld>
             <a:endParaRPr lang="ko-KR" altLang="en-US"/>
           </a:p>
@@ -459,7 +459,7 @@
           <a:p>
             <a:fld id="{E31A602F-9409-4B9A-9D14-798E704D8577}" type="datetimeFigureOut">
               <a:rPr lang="ko-KR" altLang="en-US" smtClean="0"/>
-              <a:t>2024-01-02</a:t>
+              <a:t>2024-02-08</a:t>
             </a:fld>
             <a:endParaRPr lang="ko-KR" altLang="en-US"/>
           </a:p>
@@ -667,7 +667,7 @@
           <a:p>
             <a:fld id="{E31A602F-9409-4B9A-9D14-798E704D8577}" type="datetimeFigureOut">
               <a:rPr lang="ko-KR" altLang="en-US" smtClean="0"/>
-              <a:t>2024-01-02</a:t>
+              <a:t>2024-02-08</a:t>
             </a:fld>
             <a:endParaRPr lang="ko-KR" altLang="en-US"/>
           </a:p>
@@ -865,7 +865,7 @@
           <a:p>
             <a:fld id="{E31A602F-9409-4B9A-9D14-798E704D8577}" type="datetimeFigureOut">
               <a:rPr lang="ko-KR" altLang="en-US" smtClean="0"/>
-              <a:t>2024-01-02</a:t>
+              <a:t>2024-02-08</a:t>
             </a:fld>
             <a:endParaRPr lang="ko-KR" altLang="en-US"/>
           </a:p>
@@ -1140,7 +1140,7 @@
           <a:p>
             <a:fld id="{E31A602F-9409-4B9A-9D14-798E704D8577}" type="datetimeFigureOut">
               <a:rPr lang="ko-KR" altLang="en-US" smtClean="0"/>
-              <a:t>2024-01-02</a:t>
+              <a:t>2024-02-08</a:t>
             </a:fld>
             <a:endParaRPr lang="ko-KR" altLang="en-US"/>
           </a:p>
@@ -1405,7 +1405,7 @@
           <a:p>
             <a:fld id="{E31A602F-9409-4B9A-9D14-798E704D8577}" type="datetimeFigureOut">
               <a:rPr lang="ko-KR" altLang="en-US" smtClean="0"/>
-              <a:t>2024-01-02</a:t>
+              <a:t>2024-02-08</a:t>
             </a:fld>
             <a:endParaRPr lang="ko-KR" altLang="en-US"/>
           </a:p>
@@ -1817,7 +1817,7 @@
           <a:p>
             <a:fld id="{E31A602F-9409-4B9A-9D14-798E704D8577}" type="datetimeFigureOut">
               <a:rPr lang="ko-KR" altLang="en-US" smtClean="0"/>
-              <a:t>2024-01-02</a:t>
+              <a:t>2024-02-08</a:t>
             </a:fld>
             <a:endParaRPr lang="ko-KR" altLang="en-US"/>
           </a:p>
@@ -1958,7 +1958,7 @@
           <a:p>
             <a:fld id="{E31A602F-9409-4B9A-9D14-798E704D8577}" type="datetimeFigureOut">
               <a:rPr lang="ko-KR" altLang="en-US" smtClean="0"/>
-              <a:t>2024-01-02</a:t>
+              <a:t>2024-02-08</a:t>
             </a:fld>
             <a:endParaRPr lang="ko-KR" altLang="en-US"/>
           </a:p>
@@ -2071,7 +2071,7 @@
           <a:p>
             <a:fld id="{E31A602F-9409-4B9A-9D14-798E704D8577}" type="datetimeFigureOut">
               <a:rPr lang="ko-KR" altLang="en-US" smtClean="0"/>
-              <a:t>2024-01-02</a:t>
+              <a:t>2024-02-08</a:t>
             </a:fld>
             <a:endParaRPr lang="ko-KR" altLang="en-US"/>
           </a:p>
@@ -2382,7 +2382,7 @@
           <a:p>
             <a:fld id="{E31A602F-9409-4B9A-9D14-798E704D8577}" type="datetimeFigureOut">
               <a:rPr lang="ko-KR" altLang="en-US" smtClean="0"/>
-              <a:t>2024-01-02</a:t>
+              <a:t>2024-02-08</a:t>
             </a:fld>
             <a:endParaRPr lang="ko-KR" altLang="en-US"/>
           </a:p>
@@ -2670,7 +2670,7 @@
           <a:p>
             <a:fld id="{E31A602F-9409-4B9A-9D14-798E704D8577}" type="datetimeFigureOut">
               <a:rPr lang="ko-KR" altLang="en-US" smtClean="0"/>
-              <a:t>2024-01-02</a:t>
+              <a:t>2024-02-08</a:t>
             </a:fld>
             <a:endParaRPr lang="ko-KR" altLang="en-US"/>
           </a:p>
@@ -2911,7 +2911,7 @@
           <a:p>
             <a:fld id="{E31A602F-9409-4B9A-9D14-798E704D8577}" type="datetimeFigureOut">
               <a:rPr lang="ko-KR" altLang="en-US" smtClean="0"/>
-              <a:t>2024-01-02</a:t>
+              <a:t>2024-02-08</a:t>
             </a:fld>
             <a:endParaRPr lang="ko-KR" altLang="en-US"/>
           </a:p>
@@ -3607,7 +3607,7 @@
         </p:nvSpPr>
         <p:spPr>
           <a:xfrm flipH="1">
-            <a:off x="-663263" y="3208760"/>
+            <a:off x="-667479" y="3799269"/>
             <a:ext cx="1796603" cy="1017431"/>
           </a:xfrm>
           <a:prstGeom prst="homePlate">
@@ -3721,10 +3721,10 @@
       </p:sp>
       <p:grpSp>
         <p:nvGrpSpPr>
-          <p:cNvPr id="5" name="그룹 4">
-            <a:extLst>
-              <a:ext uri="{FF2B5EF4-FFF2-40B4-BE49-F238E27FC236}">
-                <a16:creationId xmlns:a16="http://schemas.microsoft.com/office/drawing/2014/main" id="{9A8940DC-8DCB-771E-930E-5F1479E13DEF}"/>
+          <p:cNvPr id="6" name="그룹 5">
+            <a:extLst>
+              <a:ext uri="{FF2B5EF4-FFF2-40B4-BE49-F238E27FC236}">
+                <a16:creationId xmlns:a16="http://schemas.microsoft.com/office/drawing/2014/main" id="{161A15BA-413E-9189-A341-E0D6BAB003AE}"/>
               </a:ext>
             </a:extLst>
           </p:cNvPr>
@@ -3735,7 +3735,7 @@
           <a:xfrm>
             <a:off x="4164322" y="2156080"/>
             <a:ext cx="7302320" cy="4140222"/>
-            <a:chOff x="4211947" y="2550016"/>
+            <a:chOff x="4164322" y="2156080"/>
             <a:chExt cx="7302320" cy="4140222"/>
           </a:xfrm>
         </p:grpSpPr>
@@ -3753,7 +3753,7 @@
           </p:nvSpPr>
           <p:spPr>
             <a:xfrm>
-              <a:off x="4211947" y="2550016"/>
+              <a:off x="4164322" y="2156080"/>
               <a:ext cx="7302320" cy="4140222"/>
             </a:xfrm>
             <a:prstGeom prst="rect">
@@ -3803,7 +3803,7 @@
           </p:nvSpPr>
           <p:spPr>
             <a:xfrm>
-              <a:off x="6143625" y="3346547"/>
+              <a:off x="6096000" y="2952611"/>
               <a:ext cx="1506828" cy="944098"/>
             </a:xfrm>
             <a:prstGeom prst="ellipse">
@@ -3853,7 +3853,7 @@
           </p:nvSpPr>
           <p:spPr>
             <a:xfrm>
-              <a:off x="8907367" y="4831908"/>
+              <a:off x="8859742" y="4437972"/>
               <a:ext cx="1506828" cy="944098"/>
             </a:xfrm>
             <a:prstGeom prst="ellipse">
@@ -3906,7 +3906,7 @@
           </p:nvCxnSpPr>
           <p:spPr>
             <a:xfrm>
-              <a:off x="7650453" y="3818596"/>
+              <a:off x="7602828" y="3424660"/>
               <a:ext cx="1256914" cy="1485361"/>
             </a:xfrm>
             <a:prstGeom prst="bentConnector3">
@@ -3932,6 +3932,51 @@
           </p:style>
         </p:cxnSp>
       </p:grpSp>
+      <p:cxnSp>
+        <p:nvCxnSpPr>
+          <p:cNvPr id="3" name="직선 화살표 연결선 2">
+            <a:extLst>
+              <a:ext uri="{FF2B5EF4-FFF2-40B4-BE49-F238E27FC236}">
+                <a16:creationId xmlns:a16="http://schemas.microsoft.com/office/drawing/2014/main" id="{7ED85FFA-BD64-FB00-FF3E-4CA31A133DEB}"/>
+              </a:ext>
+            </a:extLst>
+          </p:cNvPr>
+          <p:cNvCxnSpPr>
+            <a:cxnSpLocks/>
+            <a:stCxn id="11" idx="2"/>
+            <a:endCxn id="12" idx="0"/>
+          </p:cNvCxnSpPr>
+          <p:nvPr/>
+        </p:nvCxnSpPr>
+        <p:spPr>
+          <a:xfrm flipH="1">
+            <a:off x="485180" y="2550016"/>
+            <a:ext cx="4216" cy="1249253"/>
+          </a:xfrm>
+          <a:prstGeom prst="straightConnector1">
+            <a:avLst/>
+          </a:prstGeom>
+          <a:ln>
+            <a:prstDash val="dash"/>
+            <a:headEnd type="triangle"/>
+            <a:tailEnd type="triangle"/>
+          </a:ln>
+        </p:spPr>
+        <p:style>
+          <a:lnRef idx="1">
+            <a:schemeClr val="accent1"/>
+          </a:lnRef>
+          <a:fillRef idx="0">
+            <a:schemeClr val="accent1"/>
+          </a:fillRef>
+          <a:effectRef idx="0">
+            <a:schemeClr val="accent1"/>
+          </a:effectRef>
+          <a:fontRef idx="minor">
+            <a:schemeClr val="tx1"/>
+          </a:fontRef>
+        </p:style>
+      </p:cxnSp>
     </p:spTree>
     <p:extLst>
       <p:ext uri="{BB962C8B-B14F-4D97-AF65-F5344CB8AC3E}">
@@ -5077,7 +5122,7 @@
                     <a:lstStyle/>
                     <a:p>
                       <a:pPr latinLnBrk="1"/>
-                      <a:endParaRPr lang="ko-KR" altLang="en-US" sz="1100"/>
+                      <a:endParaRPr lang="ko-KR" altLang="en-US" sz="1100" dirty="0"/>
                     </a:p>
                   </a:txBody>
                   <a:tcPr/>

--- a/DsDotNet/src/UnitTest/UnitTest.Model/ImportOfficeExample/exportDS/testA/lib/dev.pptx
+++ b/DsDotNet/src/UnitTest/UnitTest.Model/ImportOfficeExample/exportDS/testA/lib/dev.pptx
@@ -261,7 +261,7 @@
           <a:p>
             <a:fld id="{E31A602F-9409-4B9A-9D14-798E704D8577}" type="datetimeFigureOut">
               <a:rPr lang="ko-KR" altLang="en-US" smtClean="0"/>
-              <a:t>2024-02-08</a:t>
+              <a:t>2024-02-24</a:t>
             </a:fld>
             <a:endParaRPr lang="ko-KR" altLang="en-US"/>
           </a:p>
@@ -459,7 +459,7 @@
           <a:p>
             <a:fld id="{E31A602F-9409-4B9A-9D14-798E704D8577}" type="datetimeFigureOut">
               <a:rPr lang="ko-KR" altLang="en-US" smtClean="0"/>
-              <a:t>2024-02-08</a:t>
+              <a:t>2024-02-24</a:t>
             </a:fld>
             <a:endParaRPr lang="ko-KR" altLang="en-US"/>
           </a:p>
@@ -667,7 +667,7 @@
           <a:p>
             <a:fld id="{E31A602F-9409-4B9A-9D14-798E704D8577}" type="datetimeFigureOut">
               <a:rPr lang="ko-KR" altLang="en-US" smtClean="0"/>
-              <a:t>2024-02-08</a:t>
+              <a:t>2024-02-24</a:t>
             </a:fld>
             <a:endParaRPr lang="ko-KR" altLang="en-US"/>
           </a:p>
@@ -865,7 +865,7 @@
           <a:p>
             <a:fld id="{E31A602F-9409-4B9A-9D14-798E704D8577}" type="datetimeFigureOut">
               <a:rPr lang="ko-KR" altLang="en-US" smtClean="0"/>
-              <a:t>2024-02-08</a:t>
+              <a:t>2024-02-24</a:t>
             </a:fld>
             <a:endParaRPr lang="ko-KR" altLang="en-US"/>
           </a:p>
@@ -1140,7 +1140,7 @@
           <a:p>
             <a:fld id="{E31A602F-9409-4B9A-9D14-798E704D8577}" type="datetimeFigureOut">
               <a:rPr lang="ko-KR" altLang="en-US" smtClean="0"/>
-              <a:t>2024-02-08</a:t>
+              <a:t>2024-02-24</a:t>
             </a:fld>
             <a:endParaRPr lang="ko-KR" altLang="en-US"/>
           </a:p>
@@ -1405,7 +1405,7 @@
           <a:p>
             <a:fld id="{E31A602F-9409-4B9A-9D14-798E704D8577}" type="datetimeFigureOut">
               <a:rPr lang="ko-KR" altLang="en-US" smtClean="0"/>
-              <a:t>2024-02-08</a:t>
+              <a:t>2024-02-24</a:t>
             </a:fld>
             <a:endParaRPr lang="ko-KR" altLang="en-US"/>
           </a:p>
@@ -1817,7 +1817,7 @@
           <a:p>
             <a:fld id="{E31A602F-9409-4B9A-9D14-798E704D8577}" type="datetimeFigureOut">
               <a:rPr lang="ko-KR" altLang="en-US" smtClean="0"/>
-              <a:t>2024-02-08</a:t>
+              <a:t>2024-02-24</a:t>
             </a:fld>
             <a:endParaRPr lang="ko-KR" altLang="en-US"/>
           </a:p>
@@ -1958,7 +1958,7 @@
           <a:p>
             <a:fld id="{E31A602F-9409-4B9A-9D14-798E704D8577}" type="datetimeFigureOut">
               <a:rPr lang="ko-KR" altLang="en-US" smtClean="0"/>
-              <a:t>2024-02-08</a:t>
+              <a:t>2024-02-24</a:t>
             </a:fld>
             <a:endParaRPr lang="ko-KR" altLang="en-US"/>
           </a:p>
@@ -2071,7 +2071,7 @@
           <a:p>
             <a:fld id="{E31A602F-9409-4B9A-9D14-798E704D8577}" type="datetimeFigureOut">
               <a:rPr lang="ko-KR" altLang="en-US" smtClean="0"/>
-              <a:t>2024-02-08</a:t>
+              <a:t>2024-02-24</a:t>
             </a:fld>
             <a:endParaRPr lang="ko-KR" altLang="en-US"/>
           </a:p>
@@ -2382,7 +2382,7 @@
           <a:p>
             <a:fld id="{E31A602F-9409-4B9A-9D14-798E704D8577}" type="datetimeFigureOut">
               <a:rPr lang="ko-KR" altLang="en-US" smtClean="0"/>
-              <a:t>2024-02-08</a:t>
+              <a:t>2024-02-24</a:t>
             </a:fld>
             <a:endParaRPr lang="ko-KR" altLang="en-US"/>
           </a:p>
@@ -2670,7 +2670,7 @@
           <a:p>
             <a:fld id="{E31A602F-9409-4B9A-9D14-798E704D8577}" type="datetimeFigureOut">
               <a:rPr lang="ko-KR" altLang="en-US" smtClean="0"/>
-              <a:t>2024-02-08</a:t>
+              <a:t>2024-02-24</a:t>
             </a:fld>
             <a:endParaRPr lang="ko-KR" altLang="en-US"/>
           </a:p>
@@ -2911,7 +2911,7 @@
           <a:p>
             <a:fld id="{E31A602F-9409-4B9A-9D14-798E704D8577}" type="datetimeFigureOut">
               <a:rPr lang="ko-KR" altLang="en-US" smtClean="0"/>
-              <a:t>2024-02-08</a:t>
+              <a:t>2024-02-24</a:t>
             </a:fld>
             <a:endParaRPr lang="ko-KR" altLang="en-US"/>
           </a:p>
@@ -3580,7 +3580,7 @@
             <a:pPr algn="ctr"/>
             <a:r>
               <a:rPr lang="en-US" altLang="ko-KR" dirty="0"/>
-              <a:t>+</a:t>
+              <a:t>UP</a:t>
             </a:r>
           </a:p>
           <a:p>
@@ -3637,7 +3637,7 @@
             <a:pPr algn="ctr"/>
             <a:r>
               <a:rPr lang="en-US" altLang="ko-KR" dirty="0"/>
-              <a:t>-</a:t>
+              <a:t>DN</a:t>
             </a:r>
           </a:p>
           <a:p>
@@ -3721,10 +3721,10 @@
       </p:sp>
       <p:grpSp>
         <p:nvGrpSpPr>
-          <p:cNvPr id="6" name="그룹 5">
-            <a:extLst>
-              <a:ext uri="{FF2B5EF4-FFF2-40B4-BE49-F238E27FC236}">
-                <a16:creationId xmlns:a16="http://schemas.microsoft.com/office/drawing/2014/main" id="{161A15BA-413E-9189-A341-E0D6BAB003AE}"/>
+          <p:cNvPr id="9" name="그룹 8">
+            <a:extLst>
+              <a:ext uri="{FF2B5EF4-FFF2-40B4-BE49-F238E27FC236}">
+                <a16:creationId xmlns:a16="http://schemas.microsoft.com/office/drawing/2014/main" id="{F6E42CDA-65DB-3D00-496E-FE91FD418122}"/>
               </a:ext>
             </a:extLst>
           </p:cNvPr>
@@ -3833,7 +3833,7 @@
               <a:pPr algn="ctr"/>
               <a:r>
                 <a:rPr lang="en-US" altLang="ko-KR" dirty="0"/>
-                <a:t>CLP.+</a:t>
+                <a:t>CLP.ADV</a:t>
               </a:r>
               <a:endParaRPr lang="ko-KR" altLang="en-US" dirty="0"/>
             </a:p>
@@ -3883,7 +3883,7 @@
               <a:pPr algn="ctr"/>
               <a:r>
                 <a:rPr lang="en-US" altLang="ko-KR"/>
-                <a:t>CLP.-</a:t>
+                <a:t>CLP.RET</a:t>
               </a:r>
               <a:endParaRPr lang="ko-KR" altLang="en-US" dirty="0"/>
             </a:p>

--- a/DsDotNet/src/UnitTest/UnitTest.Model/ImportOfficeExample/exportDS/testA/lib/dev.pptx
+++ b/DsDotNet/src/UnitTest/UnitTest.Model/ImportOfficeExample/exportDS/testA/lib/dev.pptx
@@ -7,7 +7,6 @@
   <p:sldIdLst>
     <p:sldId id="256" r:id="rId2"/>
     <p:sldId id="257" r:id="rId3"/>
-    <p:sldId id="258" r:id="rId4"/>
   </p:sldIdLst>
   <p:sldSz cx="12192000" cy="6858000"/>
   <p:notesSz cx="6858000" cy="9144000"/>
@@ -261,7 +260,7 @@
           <a:p>
             <a:fld id="{E31A602F-9409-4B9A-9D14-798E704D8577}" type="datetimeFigureOut">
               <a:rPr lang="ko-KR" altLang="en-US" smtClean="0"/>
-              <a:t>2024-02-24</a:t>
+              <a:t>2024-07-02</a:t>
             </a:fld>
             <a:endParaRPr lang="ko-KR" altLang="en-US"/>
           </a:p>
@@ -459,7 +458,7 @@
           <a:p>
             <a:fld id="{E31A602F-9409-4B9A-9D14-798E704D8577}" type="datetimeFigureOut">
               <a:rPr lang="ko-KR" altLang="en-US" smtClean="0"/>
-              <a:t>2024-02-24</a:t>
+              <a:t>2024-07-02</a:t>
             </a:fld>
             <a:endParaRPr lang="ko-KR" altLang="en-US"/>
           </a:p>
@@ -667,7 +666,7 @@
           <a:p>
             <a:fld id="{E31A602F-9409-4B9A-9D14-798E704D8577}" type="datetimeFigureOut">
               <a:rPr lang="ko-KR" altLang="en-US" smtClean="0"/>
-              <a:t>2024-02-24</a:t>
+              <a:t>2024-07-02</a:t>
             </a:fld>
             <a:endParaRPr lang="ko-KR" altLang="en-US"/>
           </a:p>
@@ -865,7 +864,7 @@
           <a:p>
             <a:fld id="{E31A602F-9409-4B9A-9D14-798E704D8577}" type="datetimeFigureOut">
               <a:rPr lang="ko-KR" altLang="en-US" smtClean="0"/>
-              <a:t>2024-02-24</a:t>
+              <a:t>2024-07-02</a:t>
             </a:fld>
             <a:endParaRPr lang="ko-KR" altLang="en-US"/>
           </a:p>
@@ -1140,7 +1139,7 @@
           <a:p>
             <a:fld id="{E31A602F-9409-4B9A-9D14-798E704D8577}" type="datetimeFigureOut">
               <a:rPr lang="ko-KR" altLang="en-US" smtClean="0"/>
-              <a:t>2024-02-24</a:t>
+              <a:t>2024-07-02</a:t>
             </a:fld>
             <a:endParaRPr lang="ko-KR" altLang="en-US"/>
           </a:p>
@@ -1405,7 +1404,7 @@
           <a:p>
             <a:fld id="{E31A602F-9409-4B9A-9D14-798E704D8577}" type="datetimeFigureOut">
               <a:rPr lang="ko-KR" altLang="en-US" smtClean="0"/>
-              <a:t>2024-02-24</a:t>
+              <a:t>2024-07-02</a:t>
             </a:fld>
             <a:endParaRPr lang="ko-KR" altLang="en-US"/>
           </a:p>
@@ -1817,7 +1816,7 @@
           <a:p>
             <a:fld id="{E31A602F-9409-4B9A-9D14-798E704D8577}" type="datetimeFigureOut">
               <a:rPr lang="ko-KR" altLang="en-US" smtClean="0"/>
-              <a:t>2024-02-24</a:t>
+              <a:t>2024-07-02</a:t>
             </a:fld>
             <a:endParaRPr lang="ko-KR" altLang="en-US"/>
           </a:p>
@@ -1958,7 +1957,7 @@
           <a:p>
             <a:fld id="{E31A602F-9409-4B9A-9D14-798E704D8577}" type="datetimeFigureOut">
               <a:rPr lang="ko-KR" altLang="en-US" smtClean="0"/>
-              <a:t>2024-02-24</a:t>
+              <a:t>2024-07-02</a:t>
             </a:fld>
             <a:endParaRPr lang="ko-KR" altLang="en-US"/>
           </a:p>
@@ -2071,7 +2070,7 @@
           <a:p>
             <a:fld id="{E31A602F-9409-4B9A-9D14-798E704D8577}" type="datetimeFigureOut">
               <a:rPr lang="ko-KR" altLang="en-US" smtClean="0"/>
-              <a:t>2024-02-24</a:t>
+              <a:t>2024-07-02</a:t>
             </a:fld>
             <a:endParaRPr lang="ko-KR" altLang="en-US"/>
           </a:p>
@@ -2382,7 +2381,7 @@
           <a:p>
             <a:fld id="{E31A602F-9409-4B9A-9D14-798E704D8577}" type="datetimeFigureOut">
               <a:rPr lang="ko-KR" altLang="en-US" smtClean="0"/>
-              <a:t>2024-02-24</a:t>
+              <a:t>2024-07-02</a:t>
             </a:fld>
             <a:endParaRPr lang="ko-KR" altLang="en-US"/>
           </a:p>
@@ -2670,7 +2669,7 @@
           <a:p>
             <a:fld id="{E31A602F-9409-4B9A-9D14-798E704D8577}" type="datetimeFigureOut">
               <a:rPr lang="ko-KR" altLang="en-US" smtClean="0"/>
-              <a:t>2024-02-24</a:t>
+              <a:t>2024-07-02</a:t>
             </a:fld>
             <a:endParaRPr lang="ko-KR" altLang="en-US"/>
           </a:p>
@@ -2911,7 +2910,7 @@
           <a:p>
             <a:fld id="{E31A602F-9409-4B9A-9D14-798E704D8577}" type="datetimeFigureOut">
               <a:rPr lang="ko-KR" altLang="en-US" smtClean="0"/>
-              <a:t>2024-02-24</a:t>
+              <a:t>2024-07-02</a:t>
             </a:fld>
             <a:endParaRPr lang="ko-KR" altLang="en-US"/>
           </a:p>
@@ -3701,12 +3700,8 @@
               <a:t>testB</a:t>
             </a:r>
             <a:r>
-              <a:rPr lang="en-US" altLang="ko-KR"/>
-              <a:t>/B1</a:t>
-            </a:r>
-            <a:r>
               <a:rPr lang="en-US" altLang="ko-KR" dirty="0"/>
-              <a:t>\B2\B3\clp</a:t>
+              <a:t>/B1\B2\B3\clp</a:t>
             </a:r>
           </a:p>
           <a:p>
@@ -3721,10 +3716,10 @@
       </p:sp>
       <p:grpSp>
         <p:nvGrpSpPr>
-          <p:cNvPr id="9" name="그룹 8">
-            <a:extLst>
-              <a:ext uri="{FF2B5EF4-FFF2-40B4-BE49-F238E27FC236}">
-                <a16:creationId xmlns:a16="http://schemas.microsoft.com/office/drawing/2014/main" id="{F6E42CDA-65DB-3D00-496E-FE91FD418122}"/>
+          <p:cNvPr id="6" name="그룹 5">
+            <a:extLst>
+              <a:ext uri="{FF2B5EF4-FFF2-40B4-BE49-F238E27FC236}">
+                <a16:creationId xmlns:a16="http://schemas.microsoft.com/office/drawing/2014/main" id="{5774E5F8-3816-55BB-78DB-7C18DD792F1B}"/>
               </a:ext>
             </a:extLst>
           </p:cNvPr>
@@ -3981,1166 +3976,6 @@
     <p:extLst>
       <p:ext uri="{BB962C8B-B14F-4D97-AF65-F5344CB8AC3E}">
         <p14:creationId xmlns:p14="http://schemas.microsoft.com/office/powerpoint/2010/main" val="925881008"/>
-      </p:ext>
-    </p:extLst>
-  </p:cSld>
-  <p:clrMapOvr>
-    <a:masterClrMapping/>
-  </p:clrMapOvr>
-</p:sld>
-</file>
-
-<file path=ppt/slides/slide3.xml><?xml version="1.0" encoding="utf-8"?>
-<p:sld xmlns:a="http://schemas.openxmlformats.org/drawingml/2006/main" xmlns:r="http://schemas.openxmlformats.org/officeDocument/2006/relationships" xmlns:p="http://schemas.openxmlformats.org/presentationml/2006/main">
-  <p:cSld>
-    <p:bg>
-      <p:bgPr>
-        <a:solidFill>
-          <a:srgbClr val="FFFFFF"/>
-        </a:solidFill>
-        <a:effectLst/>
-      </p:bgPr>
-    </p:bg>
-    <p:spTree>
-      <p:nvGrpSpPr>
-        <p:cNvPr id="1" name=""/>
-        <p:cNvGrpSpPr/>
-        <p:nvPr/>
-      </p:nvGrpSpPr>
-      <p:grpSpPr>
-        <a:xfrm>
-          <a:off x="0" y="0"/>
-          <a:ext cx="0" cy="0"/>
-          <a:chOff x="0" y="0"/>
-          <a:chExt cx="0" cy="0"/>
-        </a:xfrm>
-      </p:grpSpPr>
-      <p:sp>
-        <p:nvSpPr>
-          <p:cNvPr id="2" name="TextBox 1">
-            <a:extLst>
-              <a:ext uri="{FF2B5EF4-FFF2-40B4-BE49-F238E27FC236}">
-                <a16:creationId xmlns:a16="http://schemas.microsoft.com/office/drawing/2014/main" id="{3490FF19-22EC-73E7-CE2D-66E3F3632075}"/>
-              </a:ext>
-            </a:extLst>
-          </p:cNvPr>
-          <p:cNvSpPr txBox="1"/>
-          <p:nvPr/>
-        </p:nvSpPr>
-        <p:spPr>
-          <a:xfrm>
-            <a:off x="254000" y="254000"/>
-            <a:ext cx="1270000" cy="381000"/>
-          </a:xfrm>
-          <a:prstGeom prst="rect">
-            <a:avLst/>
-          </a:prstGeom>
-          <a:noFill/>
-        </p:spPr>
-        <p:txBody>
-          <a:bodyPr vert="horz" rtlCol="0">
-            <a:spAutoFit/>
-          </a:bodyPr>
-          <a:lstStyle/>
-          <a:p>
-            <a:r>
-              <a:rPr lang="en-US" altLang="ko-KR"/>
-              <a:t>IO TABLE</a:t>
-            </a:r>
-            <a:endParaRPr lang="ko-KR" altLang="en-US"/>
-          </a:p>
-        </p:txBody>
-      </p:sp>
-      <p:graphicFrame>
-        <p:nvGraphicFramePr>
-          <p:cNvPr id="3" name="표 2">
-            <a:extLst>
-              <a:ext uri="{FF2B5EF4-FFF2-40B4-BE49-F238E27FC236}">
-                <a16:creationId xmlns:a16="http://schemas.microsoft.com/office/drawing/2014/main" id="{5FBB8E4E-63DD-3C9D-02F7-339982CAEE82}"/>
-              </a:ext>
-            </a:extLst>
-          </p:cNvPr>
-          <p:cNvGraphicFramePr>
-            <a:graphicFrameLocks noGrp="1"/>
-          </p:cNvGraphicFramePr>
-          <p:nvPr>
-            <p:extLst>
-              <p:ext uri="{D42A27DB-BD31-4B8C-83A1-F6EECF244321}">
-                <p14:modId xmlns:p14="http://schemas.microsoft.com/office/powerpoint/2010/main" val="2509649041"/>
-              </p:ext>
-            </p:extLst>
-          </p:nvPr>
-        </p:nvGraphicFramePr>
-        <p:xfrm>
-          <a:off x="254000" y="635000"/>
-          <a:ext cx="11684001" cy="2849880"/>
-        </p:xfrm>
-        <a:graphic>
-          <a:graphicData uri="http://schemas.openxmlformats.org/drawingml/2006/table">
-            <a:tbl>
-              <a:tblPr firstRow="1" bandRow="1">
-                <a:tableStyleId>{5C22544A-7EE6-4342-B048-85BDC9FD1C3A}</a:tableStyleId>
-              </a:tblPr>
-              <a:tblGrid>
-                <a:gridCol w="1669143">
-                  <a:extLst>
-                    <a:ext uri="{9D8B030D-6E8A-4147-A177-3AD203B41FA5}">
-                      <a16:colId xmlns:a16="http://schemas.microsoft.com/office/drawing/2014/main" val="2025163649"/>
-                    </a:ext>
-                  </a:extLst>
-                </a:gridCol>
-                <a:gridCol w="1669143">
-                  <a:extLst>
-                    <a:ext uri="{9D8B030D-6E8A-4147-A177-3AD203B41FA5}">
-                      <a16:colId xmlns:a16="http://schemas.microsoft.com/office/drawing/2014/main" val="440732573"/>
-                    </a:ext>
-                  </a:extLst>
-                </a:gridCol>
-                <a:gridCol w="1669143">
-                  <a:extLst>
-                    <a:ext uri="{9D8B030D-6E8A-4147-A177-3AD203B41FA5}">
-                      <a16:colId xmlns:a16="http://schemas.microsoft.com/office/drawing/2014/main" val="2305173484"/>
-                    </a:ext>
-                  </a:extLst>
-                </a:gridCol>
-                <a:gridCol w="1669143">
-                  <a:extLst>
-                    <a:ext uri="{9D8B030D-6E8A-4147-A177-3AD203B41FA5}">
-                      <a16:colId xmlns:a16="http://schemas.microsoft.com/office/drawing/2014/main" val="2231301037"/>
-                    </a:ext>
-                  </a:extLst>
-                </a:gridCol>
-                <a:gridCol w="1669143">
-                  <a:extLst>
-                    <a:ext uri="{9D8B030D-6E8A-4147-A177-3AD203B41FA5}">
-                      <a16:colId xmlns:a16="http://schemas.microsoft.com/office/drawing/2014/main" val="1717067648"/>
-                    </a:ext>
-                  </a:extLst>
-                </a:gridCol>
-                <a:gridCol w="1669143">
-                  <a:extLst>
-                    <a:ext uri="{9D8B030D-6E8A-4147-A177-3AD203B41FA5}">
-                      <a16:colId xmlns:a16="http://schemas.microsoft.com/office/drawing/2014/main" val="1262205602"/>
-                    </a:ext>
-                  </a:extLst>
-                </a:gridCol>
-                <a:gridCol w="1669143">
-                  <a:extLst>
-                    <a:ext uri="{9D8B030D-6E8A-4147-A177-3AD203B41FA5}">
-                      <a16:colId xmlns:a16="http://schemas.microsoft.com/office/drawing/2014/main" val="1650288472"/>
-                    </a:ext>
-                  </a:extLst>
-                </a:gridCol>
-              </a:tblGrid>
-              <a:tr h="0">
-                <a:tc>
-                  <a:txBody>
-                    <a:bodyPr/>
-                    <a:lstStyle/>
-                    <a:p>
-                      <a:pPr latinLnBrk="1"/>
-                      <a:r>
-                        <a:rPr lang="en-US" altLang="ko-KR" sz="1100"/>
-                        <a:t>Case</a:t>
-                      </a:r>
-                      <a:endParaRPr lang="ko-KR" altLang="en-US" sz="1100"/>
-                    </a:p>
-                  </a:txBody>
-                  <a:tcPr/>
-                </a:tc>
-                <a:tc>
-                  <a:txBody>
-                    <a:bodyPr/>
-                    <a:lstStyle/>
-                    <a:p>
-                      <a:pPr latinLnBrk="1"/>
-                      <a:r>
-                        <a:rPr lang="en-US" altLang="ko-KR" sz="1100"/>
-                        <a:t>Name</a:t>
-                      </a:r>
-                      <a:endParaRPr lang="ko-KR" altLang="en-US" sz="1100"/>
-                    </a:p>
-                  </a:txBody>
-                  <a:tcPr/>
-                </a:tc>
-                <a:tc>
-                  <a:txBody>
-                    <a:bodyPr/>
-                    <a:lstStyle/>
-                    <a:p>
-                      <a:pPr latinLnBrk="1"/>
-                      <a:r>
-                        <a:rPr lang="en-US" altLang="ko-KR" sz="1100"/>
-                        <a:t>DataType</a:t>
-                      </a:r>
-                      <a:endParaRPr lang="ko-KR" altLang="en-US" sz="1100"/>
-                    </a:p>
-                  </a:txBody>
-                  <a:tcPr/>
-                </a:tc>
-                <a:tc>
-                  <a:txBody>
-                    <a:bodyPr/>
-                    <a:lstStyle/>
-                    <a:p>
-                      <a:pPr latinLnBrk="1"/>
-                      <a:r>
-                        <a:rPr lang="en-US" altLang="ko-KR" sz="1100"/>
-                        <a:t>Input</a:t>
-                      </a:r>
-                      <a:endParaRPr lang="ko-KR" altLang="en-US" sz="1100"/>
-                    </a:p>
-                  </a:txBody>
-                  <a:tcPr/>
-                </a:tc>
-                <a:tc>
-                  <a:txBody>
-                    <a:bodyPr/>
-                    <a:lstStyle/>
-                    <a:p>
-                      <a:pPr latinLnBrk="1"/>
-                      <a:r>
-                        <a:rPr lang="en-US" altLang="ko-KR" sz="1100"/>
-                        <a:t>Output</a:t>
-                      </a:r>
-                      <a:endParaRPr lang="ko-KR" altLang="en-US" sz="1100"/>
-                    </a:p>
-                  </a:txBody>
-                  <a:tcPr/>
-                </a:tc>
-                <a:tc>
-                  <a:txBody>
-                    <a:bodyPr/>
-                    <a:lstStyle/>
-                    <a:p>
-                      <a:pPr latinLnBrk="1"/>
-                      <a:r>
-                        <a:rPr lang="en-US" altLang="ko-KR" sz="1100"/>
-                        <a:t>Job</a:t>
-                      </a:r>
-                      <a:endParaRPr lang="ko-KR" altLang="en-US" sz="1100"/>
-                    </a:p>
-                  </a:txBody>
-                  <a:tcPr/>
-                </a:tc>
-                <a:tc>
-                  <a:txBody>
-                    <a:bodyPr/>
-                    <a:lstStyle/>
-                    <a:p>
-                      <a:pPr latinLnBrk="1"/>
-                      <a:r>
-                        <a:rPr lang="en-US" altLang="ko-KR" sz="1100"/>
-                        <a:t>Func</a:t>
-                      </a:r>
-                      <a:endParaRPr lang="ko-KR" altLang="en-US" sz="1100"/>
-                    </a:p>
-                  </a:txBody>
-                  <a:tcPr/>
-                </a:tc>
-                <a:extLst>
-                  <a:ext uri="{0D108BD9-81ED-4DB2-BD59-A6C34878D82A}">
-                    <a16:rowId xmlns:a16="http://schemas.microsoft.com/office/drawing/2014/main" val="3297219546"/>
-                  </a:ext>
-                </a:extLst>
-              </a:tr>
-              <a:tr h="0">
-                <a:tc>
-                  <a:txBody>
-                    <a:bodyPr/>
-                    <a:lstStyle/>
-                    <a:p>
-                      <a:pPr latinLnBrk="1"/>
-                      <a:r>
-                        <a:rPr lang="ko-KR" altLang="en-US" sz="1100"/>
-                        <a:t>외부주소</a:t>
-                      </a:r>
-                    </a:p>
-                  </a:txBody>
-                  <a:tcPr/>
-                </a:tc>
-                <a:tc>
-                  <a:txBody>
-                    <a:bodyPr/>
-                    <a:lstStyle/>
-                    <a:p>
-                      <a:pPr latinLnBrk="1"/>
-                      <a:r>
-                        <a:rPr lang="en-US" altLang="ko-KR" sz="1100"/>
-                        <a:t>F2_CLP."+"</a:t>
-                      </a:r>
-                      <a:endParaRPr lang="ko-KR" altLang="en-US" sz="1100"/>
-                    </a:p>
-                  </a:txBody>
-                  <a:tcPr/>
-                </a:tc>
-                <a:tc>
-                  <a:txBody>
-                    <a:bodyPr/>
-                    <a:lstStyle/>
-                    <a:p>
-                      <a:pPr latinLnBrk="1"/>
-                      <a:r>
-                        <a:rPr lang="en-US" altLang="ko-KR" sz="1100"/>
-                        <a:t>bool</a:t>
-                      </a:r>
-                      <a:endParaRPr lang="ko-KR" altLang="en-US" sz="1100"/>
-                    </a:p>
-                  </a:txBody>
-                  <a:tcPr/>
-                </a:tc>
-                <a:tc>
-                  <a:txBody>
-                    <a:bodyPr/>
-                    <a:lstStyle/>
-                    <a:p>
-                      <a:pPr latinLnBrk="1"/>
-                      <a:r>
-                        <a:rPr lang="en-US" altLang="ko-KR" sz="1100"/>
-                        <a:t>I625.1</a:t>
-                      </a:r>
-                      <a:endParaRPr lang="ko-KR" altLang="en-US" sz="1100"/>
-                    </a:p>
-                  </a:txBody>
-                  <a:tcPr/>
-                </a:tc>
-                <a:tc>
-                  <a:txBody>
-                    <a:bodyPr/>
-                    <a:lstStyle/>
-                    <a:p>
-                      <a:pPr latinLnBrk="1"/>
-                      <a:r>
-                        <a:rPr lang="en-US" altLang="ko-KR" sz="1100"/>
-                        <a:t>O625.1</a:t>
-                      </a:r>
-                      <a:endParaRPr lang="ko-KR" altLang="en-US" sz="1100"/>
-                    </a:p>
-                  </a:txBody>
-                  <a:tcPr/>
-                </a:tc>
-                <a:tc>
-                  <a:txBody>
-                    <a:bodyPr/>
-                    <a:lstStyle/>
-                    <a:p>
-                      <a:pPr latinLnBrk="1"/>
-                      <a:r>
-                        <a:rPr lang="en-US" altLang="ko-KR" sz="1100"/>
-                        <a:t>F2_CLP_+</a:t>
-                      </a:r>
-                      <a:endParaRPr lang="ko-KR" altLang="en-US" sz="1100"/>
-                    </a:p>
-                  </a:txBody>
-                  <a:tcPr/>
-                </a:tc>
-                <a:tc>
-                  <a:txBody>
-                    <a:bodyPr/>
-                    <a:lstStyle/>
-                    <a:p>
-                      <a:pPr latinLnBrk="1"/>
-                      <a:endParaRPr lang="ko-KR" altLang="en-US" sz="1100"/>
-                    </a:p>
-                  </a:txBody>
-                  <a:tcPr/>
-                </a:tc>
-                <a:extLst>
-                  <a:ext uri="{0D108BD9-81ED-4DB2-BD59-A6C34878D82A}">
-                    <a16:rowId xmlns:a16="http://schemas.microsoft.com/office/drawing/2014/main" val="896636018"/>
-                  </a:ext>
-                </a:extLst>
-              </a:tr>
-              <a:tr h="0">
-                <a:tc>
-                  <a:txBody>
-                    <a:bodyPr/>
-                    <a:lstStyle/>
-                    <a:p>
-                      <a:pPr latinLnBrk="1"/>
-                      <a:r>
-                        <a:rPr lang="ko-KR" altLang="en-US" sz="1100"/>
-                        <a:t>외부주소</a:t>
-                      </a:r>
-                    </a:p>
-                  </a:txBody>
-                  <a:tcPr/>
-                </a:tc>
-                <a:tc>
-                  <a:txBody>
-                    <a:bodyPr/>
-                    <a:lstStyle/>
-                    <a:p>
-                      <a:pPr latinLnBrk="1"/>
-                      <a:r>
-                        <a:rPr lang="en-US" altLang="ko-KR" sz="1100"/>
-                        <a:t>F2_CLP."-"</a:t>
-                      </a:r>
-                      <a:endParaRPr lang="ko-KR" altLang="en-US" sz="1100"/>
-                    </a:p>
-                  </a:txBody>
-                  <a:tcPr/>
-                </a:tc>
-                <a:tc>
-                  <a:txBody>
-                    <a:bodyPr/>
-                    <a:lstStyle/>
-                    <a:p>
-                      <a:pPr latinLnBrk="1"/>
-                      <a:r>
-                        <a:rPr lang="en-US" altLang="ko-KR" sz="1100"/>
-                        <a:t>bool</a:t>
-                      </a:r>
-                      <a:endParaRPr lang="ko-KR" altLang="en-US" sz="1100"/>
-                    </a:p>
-                  </a:txBody>
-                  <a:tcPr/>
-                </a:tc>
-                <a:tc>
-                  <a:txBody>
-                    <a:bodyPr/>
-                    <a:lstStyle/>
-                    <a:p>
-                      <a:pPr latinLnBrk="1"/>
-                      <a:r>
-                        <a:rPr lang="en-US" altLang="ko-KR" sz="1100"/>
-                        <a:t>I625.2</a:t>
-                      </a:r>
-                      <a:endParaRPr lang="ko-KR" altLang="en-US" sz="1100"/>
-                    </a:p>
-                  </a:txBody>
-                  <a:tcPr/>
-                </a:tc>
-                <a:tc>
-                  <a:txBody>
-                    <a:bodyPr/>
-                    <a:lstStyle/>
-                    <a:p>
-                      <a:pPr latinLnBrk="1"/>
-                      <a:r>
-                        <a:rPr lang="en-US" altLang="ko-KR" sz="1100"/>
-                        <a:t>O625.2</a:t>
-                      </a:r>
-                      <a:endParaRPr lang="ko-KR" altLang="en-US" sz="1100"/>
-                    </a:p>
-                  </a:txBody>
-                  <a:tcPr/>
-                </a:tc>
-                <a:tc>
-                  <a:txBody>
-                    <a:bodyPr/>
-                    <a:lstStyle/>
-                    <a:p>
-                      <a:pPr latinLnBrk="1"/>
-                      <a:r>
-                        <a:rPr lang="en-US" altLang="ko-KR" sz="1100"/>
-                        <a:t>F2_CLP_-</a:t>
-                      </a:r>
-                      <a:endParaRPr lang="ko-KR" altLang="en-US" sz="1100"/>
-                    </a:p>
-                  </a:txBody>
-                  <a:tcPr/>
-                </a:tc>
-                <a:tc>
-                  <a:txBody>
-                    <a:bodyPr/>
-                    <a:lstStyle/>
-                    <a:p>
-                      <a:pPr latinLnBrk="1"/>
-                      <a:endParaRPr lang="ko-KR" altLang="en-US" sz="1100"/>
-                    </a:p>
-                  </a:txBody>
-                  <a:tcPr/>
-                </a:tc>
-                <a:extLst>
-                  <a:ext uri="{0D108BD9-81ED-4DB2-BD59-A6C34878D82A}">
-                    <a16:rowId xmlns:a16="http://schemas.microsoft.com/office/drawing/2014/main" val="3402969897"/>
-                  </a:ext>
-                </a:extLst>
-              </a:tr>
-              <a:tr h="0">
-                <a:tc>
-                  <a:txBody>
-                    <a:bodyPr/>
-                    <a:lstStyle/>
-                    <a:p>
-                      <a:pPr latinLnBrk="1"/>
-                      <a:endParaRPr lang="ko-KR" altLang="en-US" sz="1100"/>
-                    </a:p>
-                  </a:txBody>
-                  <a:tcPr/>
-                </a:tc>
-                <a:tc>
-                  <a:txBody>
-                    <a:bodyPr/>
-                    <a:lstStyle/>
-                    <a:p>
-                      <a:pPr latinLnBrk="1"/>
-                      <a:endParaRPr lang="ko-KR" altLang="en-US" sz="1100"/>
-                    </a:p>
-                  </a:txBody>
-                  <a:tcPr/>
-                </a:tc>
-                <a:tc>
-                  <a:txBody>
-                    <a:bodyPr/>
-                    <a:lstStyle/>
-                    <a:p>
-                      <a:pPr latinLnBrk="1"/>
-                      <a:endParaRPr lang="ko-KR" altLang="en-US" sz="1100"/>
-                    </a:p>
-                  </a:txBody>
-                  <a:tcPr/>
-                </a:tc>
-                <a:tc>
-                  <a:txBody>
-                    <a:bodyPr/>
-                    <a:lstStyle/>
-                    <a:p>
-                      <a:pPr latinLnBrk="1"/>
-                      <a:endParaRPr lang="ko-KR" altLang="en-US" sz="1100"/>
-                    </a:p>
-                  </a:txBody>
-                  <a:tcPr/>
-                </a:tc>
-                <a:tc>
-                  <a:txBody>
-                    <a:bodyPr/>
-                    <a:lstStyle/>
-                    <a:p>
-                      <a:pPr latinLnBrk="1"/>
-                      <a:endParaRPr lang="ko-KR" altLang="en-US" sz="1100"/>
-                    </a:p>
-                  </a:txBody>
-                  <a:tcPr/>
-                </a:tc>
-                <a:tc>
-                  <a:txBody>
-                    <a:bodyPr/>
-                    <a:lstStyle/>
-                    <a:p>
-                      <a:pPr latinLnBrk="1"/>
-                      <a:endParaRPr lang="ko-KR" altLang="en-US" sz="1100"/>
-                    </a:p>
-                  </a:txBody>
-                  <a:tcPr/>
-                </a:tc>
-                <a:tc>
-                  <a:txBody>
-                    <a:bodyPr/>
-                    <a:lstStyle/>
-                    <a:p>
-                      <a:pPr latinLnBrk="1"/>
-                      <a:endParaRPr lang="ko-KR" altLang="en-US" sz="1100"/>
-                    </a:p>
-                  </a:txBody>
-                  <a:tcPr/>
-                </a:tc>
-                <a:extLst>
-                  <a:ext uri="{0D108BD9-81ED-4DB2-BD59-A6C34878D82A}">
-                    <a16:rowId xmlns:a16="http://schemas.microsoft.com/office/drawing/2014/main" val="1828608740"/>
-                  </a:ext>
-                </a:extLst>
-              </a:tr>
-              <a:tr h="0">
-                <a:tc>
-                  <a:txBody>
-                    <a:bodyPr/>
-                    <a:lstStyle/>
-                    <a:p>
-                      <a:pPr latinLnBrk="1"/>
-                      <a:endParaRPr lang="ko-KR" altLang="en-US" sz="1100"/>
-                    </a:p>
-                  </a:txBody>
-                  <a:tcPr/>
-                </a:tc>
-                <a:tc>
-                  <a:txBody>
-                    <a:bodyPr/>
-                    <a:lstStyle/>
-                    <a:p>
-                      <a:pPr latinLnBrk="1"/>
-                      <a:endParaRPr lang="ko-KR" altLang="en-US" sz="1100"/>
-                    </a:p>
-                  </a:txBody>
-                  <a:tcPr/>
-                </a:tc>
-                <a:tc>
-                  <a:txBody>
-                    <a:bodyPr/>
-                    <a:lstStyle/>
-                    <a:p>
-                      <a:pPr latinLnBrk="1"/>
-                      <a:endParaRPr lang="ko-KR" altLang="en-US" sz="1100"/>
-                    </a:p>
-                  </a:txBody>
-                  <a:tcPr/>
-                </a:tc>
-                <a:tc>
-                  <a:txBody>
-                    <a:bodyPr/>
-                    <a:lstStyle/>
-                    <a:p>
-                      <a:pPr latinLnBrk="1"/>
-                      <a:endParaRPr lang="ko-KR" altLang="en-US" sz="1100"/>
-                    </a:p>
-                  </a:txBody>
-                  <a:tcPr/>
-                </a:tc>
-                <a:tc>
-                  <a:txBody>
-                    <a:bodyPr/>
-                    <a:lstStyle/>
-                    <a:p>
-                      <a:pPr latinLnBrk="1"/>
-                      <a:endParaRPr lang="ko-KR" altLang="en-US" sz="1100"/>
-                    </a:p>
-                  </a:txBody>
-                  <a:tcPr/>
-                </a:tc>
-                <a:tc>
-                  <a:txBody>
-                    <a:bodyPr/>
-                    <a:lstStyle/>
-                    <a:p>
-                      <a:pPr latinLnBrk="1"/>
-                      <a:endParaRPr lang="ko-KR" altLang="en-US" sz="1100"/>
-                    </a:p>
-                  </a:txBody>
-                  <a:tcPr/>
-                </a:tc>
-                <a:tc>
-                  <a:txBody>
-                    <a:bodyPr/>
-                    <a:lstStyle/>
-                    <a:p>
-                      <a:pPr latinLnBrk="1"/>
-                      <a:endParaRPr lang="ko-KR" altLang="en-US" sz="1100"/>
-                    </a:p>
-                  </a:txBody>
-                  <a:tcPr/>
-                </a:tc>
-                <a:extLst>
-                  <a:ext uri="{0D108BD9-81ED-4DB2-BD59-A6C34878D82A}">
-                    <a16:rowId xmlns:a16="http://schemas.microsoft.com/office/drawing/2014/main" val="3226936657"/>
-                  </a:ext>
-                </a:extLst>
-              </a:tr>
-              <a:tr h="0">
-                <a:tc>
-                  <a:txBody>
-                    <a:bodyPr/>
-                    <a:lstStyle/>
-                    <a:p>
-                      <a:pPr latinLnBrk="1"/>
-                      <a:endParaRPr lang="ko-KR" altLang="en-US" sz="1100"/>
-                    </a:p>
-                  </a:txBody>
-                  <a:tcPr/>
-                </a:tc>
-                <a:tc>
-                  <a:txBody>
-                    <a:bodyPr/>
-                    <a:lstStyle/>
-                    <a:p>
-                      <a:pPr latinLnBrk="1"/>
-                      <a:endParaRPr lang="ko-KR" altLang="en-US" sz="1100"/>
-                    </a:p>
-                  </a:txBody>
-                  <a:tcPr/>
-                </a:tc>
-                <a:tc>
-                  <a:txBody>
-                    <a:bodyPr/>
-                    <a:lstStyle/>
-                    <a:p>
-                      <a:pPr latinLnBrk="1"/>
-                      <a:endParaRPr lang="ko-KR" altLang="en-US" sz="1100"/>
-                    </a:p>
-                  </a:txBody>
-                  <a:tcPr/>
-                </a:tc>
-                <a:tc>
-                  <a:txBody>
-                    <a:bodyPr/>
-                    <a:lstStyle/>
-                    <a:p>
-                      <a:pPr latinLnBrk="1"/>
-                      <a:endParaRPr lang="ko-KR" altLang="en-US" sz="1100"/>
-                    </a:p>
-                  </a:txBody>
-                  <a:tcPr/>
-                </a:tc>
-                <a:tc>
-                  <a:txBody>
-                    <a:bodyPr/>
-                    <a:lstStyle/>
-                    <a:p>
-                      <a:pPr latinLnBrk="1"/>
-                      <a:endParaRPr lang="ko-KR" altLang="en-US" sz="1100"/>
-                    </a:p>
-                  </a:txBody>
-                  <a:tcPr/>
-                </a:tc>
-                <a:tc>
-                  <a:txBody>
-                    <a:bodyPr/>
-                    <a:lstStyle/>
-                    <a:p>
-                      <a:pPr latinLnBrk="1"/>
-                      <a:endParaRPr lang="ko-KR" altLang="en-US" sz="1100"/>
-                    </a:p>
-                  </a:txBody>
-                  <a:tcPr/>
-                </a:tc>
-                <a:tc>
-                  <a:txBody>
-                    <a:bodyPr/>
-                    <a:lstStyle/>
-                    <a:p>
-                      <a:pPr latinLnBrk="1"/>
-                      <a:endParaRPr lang="ko-KR" altLang="en-US" sz="1100"/>
-                    </a:p>
-                  </a:txBody>
-                  <a:tcPr/>
-                </a:tc>
-                <a:extLst>
-                  <a:ext uri="{0D108BD9-81ED-4DB2-BD59-A6C34878D82A}">
-                    <a16:rowId xmlns:a16="http://schemas.microsoft.com/office/drawing/2014/main" val="4208275442"/>
-                  </a:ext>
-                </a:extLst>
-              </a:tr>
-              <a:tr h="0">
-                <a:tc>
-                  <a:txBody>
-                    <a:bodyPr/>
-                    <a:lstStyle/>
-                    <a:p>
-                      <a:pPr latinLnBrk="1"/>
-                      <a:endParaRPr lang="ko-KR" altLang="en-US" sz="1100"/>
-                    </a:p>
-                  </a:txBody>
-                  <a:tcPr/>
-                </a:tc>
-                <a:tc>
-                  <a:txBody>
-                    <a:bodyPr/>
-                    <a:lstStyle/>
-                    <a:p>
-                      <a:pPr latinLnBrk="1"/>
-                      <a:endParaRPr lang="ko-KR" altLang="en-US" sz="1100"/>
-                    </a:p>
-                  </a:txBody>
-                  <a:tcPr/>
-                </a:tc>
-                <a:tc>
-                  <a:txBody>
-                    <a:bodyPr/>
-                    <a:lstStyle/>
-                    <a:p>
-                      <a:pPr latinLnBrk="1"/>
-                      <a:endParaRPr lang="ko-KR" altLang="en-US" sz="1100"/>
-                    </a:p>
-                  </a:txBody>
-                  <a:tcPr/>
-                </a:tc>
-                <a:tc>
-                  <a:txBody>
-                    <a:bodyPr/>
-                    <a:lstStyle/>
-                    <a:p>
-                      <a:pPr latinLnBrk="1"/>
-                      <a:endParaRPr lang="ko-KR" altLang="en-US" sz="1100"/>
-                    </a:p>
-                  </a:txBody>
-                  <a:tcPr/>
-                </a:tc>
-                <a:tc>
-                  <a:txBody>
-                    <a:bodyPr/>
-                    <a:lstStyle/>
-                    <a:p>
-                      <a:pPr latinLnBrk="1"/>
-                      <a:endParaRPr lang="ko-KR" altLang="en-US" sz="1100"/>
-                    </a:p>
-                  </a:txBody>
-                  <a:tcPr/>
-                </a:tc>
-                <a:tc>
-                  <a:txBody>
-                    <a:bodyPr/>
-                    <a:lstStyle/>
-                    <a:p>
-                      <a:pPr latinLnBrk="1"/>
-                      <a:endParaRPr lang="ko-KR" altLang="en-US" sz="1100"/>
-                    </a:p>
-                  </a:txBody>
-                  <a:tcPr/>
-                </a:tc>
-                <a:tc>
-                  <a:txBody>
-                    <a:bodyPr/>
-                    <a:lstStyle/>
-                    <a:p>
-                      <a:pPr latinLnBrk="1"/>
-                      <a:endParaRPr lang="ko-KR" altLang="en-US" sz="1100"/>
-                    </a:p>
-                  </a:txBody>
-                  <a:tcPr/>
-                </a:tc>
-                <a:extLst>
-                  <a:ext uri="{0D108BD9-81ED-4DB2-BD59-A6C34878D82A}">
-                    <a16:rowId xmlns:a16="http://schemas.microsoft.com/office/drawing/2014/main" val="1391419234"/>
-                  </a:ext>
-                </a:extLst>
-              </a:tr>
-              <a:tr h="0">
-                <a:tc>
-                  <a:txBody>
-                    <a:bodyPr/>
-                    <a:lstStyle/>
-                    <a:p>
-                      <a:pPr latinLnBrk="1"/>
-                      <a:endParaRPr lang="ko-KR" altLang="en-US" sz="1100"/>
-                    </a:p>
-                  </a:txBody>
-                  <a:tcPr/>
-                </a:tc>
-                <a:tc>
-                  <a:txBody>
-                    <a:bodyPr/>
-                    <a:lstStyle/>
-                    <a:p>
-                      <a:pPr latinLnBrk="1"/>
-                      <a:endParaRPr lang="ko-KR" altLang="en-US" sz="1100"/>
-                    </a:p>
-                  </a:txBody>
-                  <a:tcPr/>
-                </a:tc>
-                <a:tc>
-                  <a:txBody>
-                    <a:bodyPr/>
-                    <a:lstStyle/>
-                    <a:p>
-                      <a:pPr latinLnBrk="1"/>
-                      <a:endParaRPr lang="ko-KR" altLang="en-US" sz="1100"/>
-                    </a:p>
-                  </a:txBody>
-                  <a:tcPr/>
-                </a:tc>
-                <a:tc>
-                  <a:txBody>
-                    <a:bodyPr/>
-                    <a:lstStyle/>
-                    <a:p>
-                      <a:pPr latinLnBrk="1"/>
-                      <a:endParaRPr lang="ko-KR" altLang="en-US" sz="1100"/>
-                    </a:p>
-                  </a:txBody>
-                  <a:tcPr/>
-                </a:tc>
-                <a:tc>
-                  <a:txBody>
-                    <a:bodyPr/>
-                    <a:lstStyle/>
-                    <a:p>
-                      <a:pPr latinLnBrk="1"/>
-                      <a:endParaRPr lang="ko-KR" altLang="en-US" sz="1100"/>
-                    </a:p>
-                  </a:txBody>
-                  <a:tcPr/>
-                </a:tc>
-                <a:tc>
-                  <a:txBody>
-                    <a:bodyPr/>
-                    <a:lstStyle/>
-                    <a:p>
-                      <a:pPr latinLnBrk="1"/>
-                      <a:endParaRPr lang="ko-KR" altLang="en-US" sz="1100"/>
-                    </a:p>
-                  </a:txBody>
-                  <a:tcPr/>
-                </a:tc>
-                <a:tc>
-                  <a:txBody>
-                    <a:bodyPr/>
-                    <a:lstStyle/>
-                    <a:p>
-                      <a:pPr latinLnBrk="1"/>
-                      <a:endParaRPr lang="ko-KR" altLang="en-US" sz="1100"/>
-                    </a:p>
-                  </a:txBody>
-                  <a:tcPr/>
-                </a:tc>
-                <a:extLst>
-                  <a:ext uri="{0D108BD9-81ED-4DB2-BD59-A6C34878D82A}">
-                    <a16:rowId xmlns:a16="http://schemas.microsoft.com/office/drawing/2014/main" val="914022849"/>
-                  </a:ext>
-                </a:extLst>
-              </a:tr>
-              <a:tr h="0">
-                <a:tc>
-                  <a:txBody>
-                    <a:bodyPr/>
-                    <a:lstStyle/>
-                    <a:p>
-                      <a:pPr latinLnBrk="1"/>
-                      <a:endParaRPr lang="ko-KR" altLang="en-US" sz="1100"/>
-                    </a:p>
-                  </a:txBody>
-                  <a:tcPr/>
-                </a:tc>
-                <a:tc>
-                  <a:txBody>
-                    <a:bodyPr/>
-                    <a:lstStyle/>
-                    <a:p>
-                      <a:pPr latinLnBrk="1"/>
-                      <a:endParaRPr lang="ko-KR" altLang="en-US" sz="1100"/>
-                    </a:p>
-                  </a:txBody>
-                  <a:tcPr/>
-                </a:tc>
-                <a:tc>
-                  <a:txBody>
-                    <a:bodyPr/>
-                    <a:lstStyle/>
-                    <a:p>
-                      <a:pPr latinLnBrk="1"/>
-                      <a:endParaRPr lang="ko-KR" altLang="en-US" sz="1100"/>
-                    </a:p>
-                  </a:txBody>
-                  <a:tcPr/>
-                </a:tc>
-                <a:tc>
-                  <a:txBody>
-                    <a:bodyPr/>
-                    <a:lstStyle/>
-                    <a:p>
-                      <a:pPr latinLnBrk="1"/>
-                      <a:endParaRPr lang="ko-KR" altLang="en-US" sz="1100"/>
-                    </a:p>
-                  </a:txBody>
-                  <a:tcPr/>
-                </a:tc>
-                <a:tc>
-                  <a:txBody>
-                    <a:bodyPr/>
-                    <a:lstStyle/>
-                    <a:p>
-                      <a:pPr latinLnBrk="1"/>
-                      <a:endParaRPr lang="ko-KR" altLang="en-US" sz="1100"/>
-                    </a:p>
-                  </a:txBody>
-                  <a:tcPr/>
-                </a:tc>
-                <a:tc>
-                  <a:txBody>
-                    <a:bodyPr/>
-                    <a:lstStyle/>
-                    <a:p>
-                      <a:pPr latinLnBrk="1"/>
-                      <a:endParaRPr lang="ko-KR" altLang="en-US" sz="1100"/>
-                    </a:p>
-                  </a:txBody>
-                  <a:tcPr/>
-                </a:tc>
-                <a:tc>
-                  <a:txBody>
-                    <a:bodyPr/>
-                    <a:lstStyle/>
-                    <a:p>
-                      <a:pPr latinLnBrk="1"/>
-                      <a:endParaRPr lang="ko-KR" altLang="en-US" sz="1100"/>
-                    </a:p>
-                  </a:txBody>
-                  <a:tcPr/>
-                </a:tc>
-                <a:extLst>
-                  <a:ext uri="{0D108BD9-81ED-4DB2-BD59-A6C34878D82A}">
-                    <a16:rowId xmlns:a16="http://schemas.microsoft.com/office/drawing/2014/main" val="3745672130"/>
-                  </a:ext>
-                </a:extLst>
-              </a:tr>
-              <a:tr h="0">
-                <a:tc>
-                  <a:txBody>
-                    <a:bodyPr/>
-                    <a:lstStyle/>
-                    <a:p>
-                      <a:pPr latinLnBrk="1"/>
-                      <a:r>
-                        <a:rPr lang="ko-KR" altLang="en-US" sz="1100"/>
-                        <a:t>내부변수</a:t>
-                      </a:r>
-                    </a:p>
-                  </a:txBody>
-                  <a:tcPr/>
-                </a:tc>
-                <a:tc>
-                  <a:txBody>
-                    <a:bodyPr/>
-                    <a:lstStyle/>
-                    <a:p>
-                      <a:pPr latinLnBrk="1"/>
-                      <a:endParaRPr lang="ko-KR" altLang="en-US" sz="1100"/>
-                    </a:p>
-                  </a:txBody>
-                  <a:tcPr/>
-                </a:tc>
-                <a:tc>
-                  <a:txBody>
-                    <a:bodyPr/>
-                    <a:lstStyle/>
-                    <a:p>
-                      <a:pPr latinLnBrk="1"/>
-                      <a:endParaRPr lang="ko-KR" altLang="en-US" sz="1100"/>
-                    </a:p>
-                  </a:txBody>
-                  <a:tcPr/>
-                </a:tc>
-                <a:tc>
-                  <a:txBody>
-                    <a:bodyPr/>
-                    <a:lstStyle/>
-                    <a:p>
-                      <a:pPr latinLnBrk="1"/>
-                      <a:endParaRPr lang="ko-KR" altLang="en-US" sz="1100"/>
-                    </a:p>
-                  </a:txBody>
-                  <a:tcPr/>
-                </a:tc>
-                <a:tc>
-                  <a:txBody>
-                    <a:bodyPr/>
-                    <a:lstStyle/>
-                    <a:p>
-                      <a:pPr latinLnBrk="1"/>
-                      <a:endParaRPr lang="ko-KR" altLang="en-US" sz="1100"/>
-                    </a:p>
-                  </a:txBody>
-                  <a:tcPr/>
-                </a:tc>
-                <a:tc>
-                  <a:txBody>
-                    <a:bodyPr/>
-                    <a:lstStyle/>
-                    <a:p>
-                      <a:pPr latinLnBrk="1"/>
-                      <a:endParaRPr lang="ko-KR" altLang="en-US" sz="1100"/>
-                    </a:p>
-                  </a:txBody>
-                  <a:tcPr/>
-                </a:tc>
-                <a:tc>
-                  <a:txBody>
-                    <a:bodyPr/>
-                    <a:lstStyle/>
-                    <a:p>
-                      <a:pPr latinLnBrk="1"/>
-                      <a:endParaRPr lang="ko-KR" altLang="en-US" sz="1100"/>
-                    </a:p>
-                  </a:txBody>
-                  <a:tcPr/>
-                </a:tc>
-                <a:extLst>
-                  <a:ext uri="{0D108BD9-81ED-4DB2-BD59-A6C34878D82A}">
-                    <a16:rowId xmlns:a16="http://schemas.microsoft.com/office/drawing/2014/main" val="3521675737"/>
-                  </a:ext>
-                </a:extLst>
-              </a:tr>
-              <a:tr h="0">
-                <a:tc>
-                  <a:txBody>
-                    <a:bodyPr/>
-                    <a:lstStyle/>
-                    <a:p>
-                      <a:pPr latinLnBrk="1"/>
-                      <a:endParaRPr lang="ko-KR" altLang="en-US" sz="1100"/>
-                    </a:p>
-                  </a:txBody>
-                  <a:tcPr/>
-                </a:tc>
-                <a:tc>
-                  <a:txBody>
-                    <a:bodyPr/>
-                    <a:lstStyle/>
-                    <a:p>
-                      <a:pPr latinLnBrk="1"/>
-                      <a:endParaRPr lang="ko-KR" altLang="en-US" sz="1100"/>
-                    </a:p>
-                  </a:txBody>
-                  <a:tcPr/>
-                </a:tc>
-                <a:tc>
-                  <a:txBody>
-                    <a:bodyPr/>
-                    <a:lstStyle/>
-                    <a:p>
-                      <a:pPr latinLnBrk="1"/>
-                      <a:endParaRPr lang="ko-KR" altLang="en-US" sz="1100"/>
-                    </a:p>
-                  </a:txBody>
-                  <a:tcPr/>
-                </a:tc>
-                <a:tc>
-                  <a:txBody>
-                    <a:bodyPr/>
-                    <a:lstStyle/>
-                    <a:p>
-                      <a:pPr latinLnBrk="1"/>
-                      <a:endParaRPr lang="ko-KR" altLang="en-US" sz="1100"/>
-                    </a:p>
-                  </a:txBody>
-                  <a:tcPr/>
-                </a:tc>
-                <a:tc>
-                  <a:txBody>
-                    <a:bodyPr/>
-                    <a:lstStyle/>
-                    <a:p>
-                      <a:pPr latinLnBrk="1"/>
-                      <a:endParaRPr lang="ko-KR" altLang="en-US" sz="1100"/>
-                    </a:p>
-                  </a:txBody>
-                  <a:tcPr/>
-                </a:tc>
-                <a:tc>
-                  <a:txBody>
-                    <a:bodyPr/>
-                    <a:lstStyle/>
-                    <a:p>
-                      <a:pPr latinLnBrk="1"/>
-                      <a:endParaRPr lang="ko-KR" altLang="en-US" sz="1100"/>
-                    </a:p>
-                  </a:txBody>
-                  <a:tcPr/>
-                </a:tc>
-                <a:tc>
-                  <a:txBody>
-                    <a:bodyPr/>
-                    <a:lstStyle/>
-                    <a:p>
-                      <a:pPr latinLnBrk="1"/>
-                      <a:endParaRPr lang="ko-KR" altLang="en-US" sz="1100" dirty="0"/>
-                    </a:p>
-                  </a:txBody>
-                  <a:tcPr/>
-                </a:tc>
-                <a:extLst>
-                  <a:ext uri="{0D108BD9-81ED-4DB2-BD59-A6C34878D82A}">
-                    <a16:rowId xmlns:a16="http://schemas.microsoft.com/office/drawing/2014/main" val="2111691525"/>
-                  </a:ext>
-                </a:extLst>
-              </a:tr>
-            </a:tbl>
-          </a:graphicData>
-        </a:graphic>
-      </p:graphicFrame>
-    </p:spTree>
-    <p:extLst>
-      <p:ext uri="{BB962C8B-B14F-4D97-AF65-F5344CB8AC3E}">
-        <p14:creationId xmlns:p14="http://schemas.microsoft.com/office/powerpoint/2010/main" val="2524696588"/>
       </p:ext>
     </p:extLst>
   </p:cSld>

--- a/DsDotNet/src/UnitTest/UnitTest.Model/ImportOfficeExample/exportDS/testA/lib/dev.pptx
+++ b/DsDotNet/src/UnitTest/UnitTest.Model/ImportOfficeExample/exportDS/testA/lib/dev.pptx
@@ -260,7 +260,7 @@
           <a:p>
             <a:fld id="{E31A602F-9409-4B9A-9D14-798E704D8577}" type="datetimeFigureOut">
               <a:rPr lang="ko-KR" altLang="en-US" smtClean="0"/>
-              <a:t>2024-07-02</a:t>
+              <a:t>2024-07-24</a:t>
             </a:fld>
             <a:endParaRPr lang="ko-KR" altLang="en-US"/>
           </a:p>
@@ -458,7 +458,7 @@
           <a:p>
             <a:fld id="{E31A602F-9409-4B9A-9D14-798E704D8577}" type="datetimeFigureOut">
               <a:rPr lang="ko-KR" altLang="en-US" smtClean="0"/>
-              <a:t>2024-07-02</a:t>
+              <a:t>2024-07-24</a:t>
             </a:fld>
             <a:endParaRPr lang="ko-KR" altLang="en-US"/>
           </a:p>
@@ -666,7 +666,7 @@
           <a:p>
             <a:fld id="{E31A602F-9409-4B9A-9D14-798E704D8577}" type="datetimeFigureOut">
               <a:rPr lang="ko-KR" altLang="en-US" smtClean="0"/>
-              <a:t>2024-07-02</a:t>
+              <a:t>2024-07-24</a:t>
             </a:fld>
             <a:endParaRPr lang="ko-KR" altLang="en-US"/>
           </a:p>
@@ -864,7 +864,7 @@
           <a:p>
             <a:fld id="{E31A602F-9409-4B9A-9D14-798E704D8577}" type="datetimeFigureOut">
               <a:rPr lang="ko-KR" altLang="en-US" smtClean="0"/>
-              <a:t>2024-07-02</a:t>
+              <a:t>2024-07-24</a:t>
             </a:fld>
             <a:endParaRPr lang="ko-KR" altLang="en-US"/>
           </a:p>
@@ -1139,7 +1139,7 @@
           <a:p>
             <a:fld id="{E31A602F-9409-4B9A-9D14-798E704D8577}" type="datetimeFigureOut">
               <a:rPr lang="ko-KR" altLang="en-US" smtClean="0"/>
-              <a:t>2024-07-02</a:t>
+              <a:t>2024-07-24</a:t>
             </a:fld>
             <a:endParaRPr lang="ko-KR" altLang="en-US"/>
           </a:p>
@@ -1404,7 +1404,7 @@
           <a:p>
             <a:fld id="{E31A602F-9409-4B9A-9D14-798E704D8577}" type="datetimeFigureOut">
               <a:rPr lang="ko-KR" altLang="en-US" smtClean="0"/>
-              <a:t>2024-07-02</a:t>
+              <a:t>2024-07-24</a:t>
             </a:fld>
             <a:endParaRPr lang="ko-KR" altLang="en-US"/>
           </a:p>
@@ -1816,7 +1816,7 @@
           <a:p>
             <a:fld id="{E31A602F-9409-4B9A-9D14-798E704D8577}" type="datetimeFigureOut">
               <a:rPr lang="ko-KR" altLang="en-US" smtClean="0"/>
-              <a:t>2024-07-02</a:t>
+              <a:t>2024-07-24</a:t>
             </a:fld>
             <a:endParaRPr lang="ko-KR" altLang="en-US"/>
           </a:p>
@@ -1957,7 +1957,7 @@
           <a:p>
             <a:fld id="{E31A602F-9409-4B9A-9D14-798E704D8577}" type="datetimeFigureOut">
               <a:rPr lang="ko-KR" altLang="en-US" smtClean="0"/>
-              <a:t>2024-07-02</a:t>
+              <a:t>2024-07-24</a:t>
             </a:fld>
             <a:endParaRPr lang="ko-KR" altLang="en-US"/>
           </a:p>
@@ -2070,7 +2070,7 @@
           <a:p>
             <a:fld id="{E31A602F-9409-4B9A-9D14-798E704D8577}" type="datetimeFigureOut">
               <a:rPr lang="ko-KR" altLang="en-US" smtClean="0"/>
-              <a:t>2024-07-02</a:t>
+              <a:t>2024-07-24</a:t>
             </a:fld>
             <a:endParaRPr lang="ko-KR" altLang="en-US"/>
           </a:p>
@@ -2381,7 +2381,7 @@
           <a:p>
             <a:fld id="{E31A602F-9409-4B9A-9D14-798E704D8577}" type="datetimeFigureOut">
               <a:rPr lang="ko-KR" altLang="en-US" smtClean="0"/>
-              <a:t>2024-07-02</a:t>
+              <a:t>2024-07-24</a:t>
             </a:fld>
             <a:endParaRPr lang="ko-KR" altLang="en-US"/>
           </a:p>
@@ -2669,7 +2669,7 @@
           <a:p>
             <a:fld id="{E31A602F-9409-4B9A-9D14-798E704D8577}" type="datetimeFigureOut">
               <a:rPr lang="ko-KR" altLang="en-US" smtClean="0"/>
-              <a:t>2024-07-02</a:t>
+              <a:t>2024-07-24</a:t>
             </a:fld>
             <a:endParaRPr lang="ko-KR" altLang="en-US"/>
           </a:p>
@@ -2910,7 +2910,7 @@
           <a:p>
             <a:fld id="{E31A602F-9409-4B9A-9D14-798E704D8577}" type="datetimeFigureOut">
               <a:rPr lang="ko-KR" altLang="en-US" smtClean="0"/>
-              <a:t>2024-07-02</a:t>
+              <a:t>2024-07-24</a:t>
             </a:fld>
             <a:endParaRPr lang="ko-KR" altLang="en-US"/>
           </a:p>
@@ -3663,7 +3663,7 @@
         </p:nvSpPr>
         <p:spPr>
           <a:xfrm>
-            <a:off x="10752786" y="449486"/>
+            <a:off x="9819336" y="365125"/>
             <a:ext cx="2102477" cy="944339"/>
           </a:xfrm>
           <a:prstGeom prst="foldedCorner">
@@ -3716,10 +3716,10 @@
       </p:sp>
       <p:grpSp>
         <p:nvGrpSpPr>
-          <p:cNvPr id="6" name="그룹 5">
-            <a:extLst>
-              <a:ext uri="{FF2B5EF4-FFF2-40B4-BE49-F238E27FC236}">
-                <a16:creationId xmlns:a16="http://schemas.microsoft.com/office/drawing/2014/main" id="{5774E5F8-3816-55BB-78DB-7C18DD792F1B}"/>
+          <p:cNvPr id="9" name="그룹 8">
+            <a:extLst>
+              <a:ext uri="{FF2B5EF4-FFF2-40B4-BE49-F238E27FC236}">
+                <a16:creationId xmlns:a16="http://schemas.microsoft.com/office/drawing/2014/main" id="{54553D05-592E-A6FB-5891-956BC581A73C}"/>
               </a:ext>
             </a:extLst>
           </p:cNvPr>
